--- a/presentation/final-presentation-group-05.pptx
+++ b/presentation/final-presentation-group-05.pptx
@@ -6,49 +6,50 @@
     <p:sldMasterId id="2147483674" r:id="rId5"/>
   </p:sldMasterIdLst>
   <p:notesMasterIdLst>
-    <p:notesMasterId r:id="rId46"/>
+    <p:notesMasterId r:id="rId47"/>
   </p:notesMasterIdLst>
   <p:sldIdLst>
     <p:sldId id="263" r:id="rId6"/>
     <p:sldId id="298" r:id="rId7"/>
     <p:sldId id="299" r:id="rId8"/>
-    <p:sldId id="337" r:id="rId9"/>
-    <p:sldId id="300" r:id="rId10"/>
-    <p:sldId id="301" r:id="rId11"/>
-    <p:sldId id="323" r:id="rId12"/>
-    <p:sldId id="324" r:id="rId13"/>
-    <p:sldId id="302" r:id="rId14"/>
-    <p:sldId id="308" r:id="rId15"/>
-    <p:sldId id="309" r:id="rId16"/>
-    <p:sldId id="310" r:id="rId17"/>
-    <p:sldId id="313" r:id="rId18"/>
-    <p:sldId id="314" r:id="rId19"/>
-    <p:sldId id="315" r:id="rId20"/>
-    <p:sldId id="335" r:id="rId21"/>
-    <p:sldId id="336" r:id="rId22"/>
-    <p:sldId id="303" r:id="rId23"/>
-    <p:sldId id="305" r:id="rId24"/>
-    <p:sldId id="307" r:id="rId25"/>
-    <p:sldId id="306" r:id="rId26"/>
-    <p:sldId id="311" r:id="rId27"/>
-    <p:sldId id="312" r:id="rId28"/>
-    <p:sldId id="304" r:id="rId29"/>
-    <p:sldId id="316" r:id="rId30"/>
-    <p:sldId id="317" r:id="rId31"/>
-    <p:sldId id="318" r:id="rId32"/>
-    <p:sldId id="319" r:id="rId33"/>
-    <p:sldId id="320" r:id="rId34"/>
-    <p:sldId id="321" r:id="rId35"/>
-    <p:sldId id="326" r:id="rId36"/>
-    <p:sldId id="327" r:id="rId37"/>
-    <p:sldId id="325" r:id="rId38"/>
-    <p:sldId id="328" r:id="rId39"/>
-    <p:sldId id="329" r:id="rId40"/>
-    <p:sldId id="330" r:id="rId41"/>
-    <p:sldId id="333" r:id="rId42"/>
-    <p:sldId id="334" r:id="rId43"/>
-    <p:sldId id="322" r:id="rId44"/>
-    <p:sldId id="265" r:id="rId45"/>
+    <p:sldId id="338" r:id="rId9"/>
+    <p:sldId id="337" r:id="rId10"/>
+    <p:sldId id="300" r:id="rId11"/>
+    <p:sldId id="301" r:id="rId12"/>
+    <p:sldId id="323" r:id="rId13"/>
+    <p:sldId id="324" r:id="rId14"/>
+    <p:sldId id="302" r:id="rId15"/>
+    <p:sldId id="308" r:id="rId16"/>
+    <p:sldId id="309" r:id="rId17"/>
+    <p:sldId id="310" r:id="rId18"/>
+    <p:sldId id="313" r:id="rId19"/>
+    <p:sldId id="314" r:id="rId20"/>
+    <p:sldId id="315" r:id="rId21"/>
+    <p:sldId id="335" r:id="rId22"/>
+    <p:sldId id="336" r:id="rId23"/>
+    <p:sldId id="303" r:id="rId24"/>
+    <p:sldId id="305" r:id="rId25"/>
+    <p:sldId id="307" r:id="rId26"/>
+    <p:sldId id="306" r:id="rId27"/>
+    <p:sldId id="311" r:id="rId28"/>
+    <p:sldId id="312" r:id="rId29"/>
+    <p:sldId id="304" r:id="rId30"/>
+    <p:sldId id="316" r:id="rId31"/>
+    <p:sldId id="317" r:id="rId32"/>
+    <p:sldId id="318" r:id="rId33"/>
+    <p:sldId id="319" r:id="rId34"/>
+    <p:sldId id="320" r:id="rId35"/>
+    <p:sldId id="321" r:id="rId36"/>
+    <p:sldId id="326" r:id="rId37"/>
+    <p:sldId id="327" r:id="rId38"/>
+    <p:sldId id="325" r:id="rId39"/>
+    <p:sldId id="328" r:id="rId40"/>
+    <p:sldId id="329" r:id="rId41"/>
+    <p:sldId id="330" r:id="rId42"/>
+    <p:sldId id="333" r:id="rId43"/>
+    <p:sldId id="334" r:id="rId44"/>
+    <p:sldId id="322" r:id="rId45"/>
+    <p:sldId id="265" r:id="rId46"/>
   </p:sldIdLst>
   <p:sldSz cx="9144000" cy="6858000" type="screen4x3"/>
   <p:notesSz cx="6858000" cy="9144000"/>
@@ -172,6 +173,7 @@
   <p1510:revLst>
     <p1510:client id="{030E548B-41EF-40FC-B268-340A578396CD}" v="332" dt="2021-06-08T12:55:13.859"/>
     <p1510:client id="{3BFF4B84-8515-B96F-A279-A5D9A69FADD4}" v="1325" dt="2021-06-07T14:13:45.960"/>
+    <p1510:client id="{4B95C228-DF26-B98B-9FEF-93D4458D63C0}" v="34" dt="2021-06-08T15:04:18.002"/>
     <p1510:client id="{A890F3C3-5C5C-4041-9A37-CD5CCA6731B6}" v="3038" dt="2021-06-07T14:37:25.428"/>
     <p1510:client id="{B411A856-E77B-4B1E-BE03-2F8B91A3CF30}" v="50" dt="2021-06-08T12:52:17.048"/>
     <p1510:client id="{B66DB87C-FEED-4237-801B-82D028FB6D92}" v="118" dt="2021-06-07T16:41:37.445"/>
@@ -923,7 +925,7 @@
             <a:fld id="{7ED3297E-5082-4CC5-B623-4827BAAAB047}" type="datetime8">
               <a:rPr lang="en-US" altLang="en-US" sz="1300" smtClean="0"/>
               <a:pPr eaLnBrk="1" hangingPunct="1"/>
-              <a:t>6/8/2021 7:45 PM</a:t>
+              <a:t>6/8/2021 8:02 AM</a:t>
             </a:fld>
             <a:endParaRPr lang="en-US" altLang="en-US" sz="1300"/>
           </a:p>
@@ -1439,7 +1441,7 @@
             <a:fld id="{7ED3297E-5082-4CC5-B623-4827BAAAB047}" type="datetime8">
               <a:rPr lang="en-US" altLang="en-US" sz="1300" smtClean="0"/>
               <a:pPr eaLnBrk="1" hangingPunct="1"/>
-              <a:t>6/8/2021 7:45 PM</a:t>
+              <a:t>6/8/2021 8:02 AM</a:t>
             </a:fld>
             <a:endParaRPr lang="en-US" altLang="en-US" sz="1300"/>
           </a:p>
@@ -4602,6 +4604,657 @@
                 <a:ea typeface="+mn-lt"/>
                 <a:cs typeface="+mn-lt"/>
               </a:rPr>
+              <a:t>Thiết</a:t>
+            </a:r>
+            <a:r>
+              <a:rPr lang="en-US" sz="1800">
+                <a:ea typeface="+mn-lt"/>
+                <a:cs typeface="+mn-lt"/>
+              </a:rPr>
+              <a:t> </a:t>
+            </a:r>
+            <a:r>
+              <a:rPr lang="en-US" sz="1800" err="1">
+                <a:ea typeface="+mn-lt"/>
+                <a:cs typeface="+mn-lt"/>
+              </a:rPr>
+              <a:t>kế</a:t>
+            </a:r>
+            <a:r>
+              <a:rPr lang="en-US" sz="1800">
+                <a:ea typeface="+mn-lt"/>
+                <a:cs typeface="+mn-lt"/>
+              </a:rPr>
+              <a:t> </a:t>
+            </a:r>
+            <a:r>
+              <a:rPr lang="en-US" sz="1800" err="1">
+                <a:ea typeface="+mn-lt"/>
+                <a:cs typeface="+mn-lt"/>
+              </a:rPr>
+              <a:t>cũ</a:t>
+            </a:r>
+            <a:r>
+              <a:rPr lang="en-US" sz="1800">
+                <a:ea typeface="+mn-lt"/>
+                <a:cs typeface="+mn-lt"/>
+              </a:rPr>
+              <a:t>: </a:t>
+            </a:r>
+          </a:p>
+          <a:p>
+            <a:endParaRPr lang="en-US" sz="1800">
+              <a:ea typeface="+mn-lt"/>
+              <a:cs typeface="+mn-lt"/>
+            </a:endParaRPr>
+          </a:p>
+        </p:txBody>
+      </p:sp>
+      <p:sp>
+        <p:nvSpPr>
+          <p:cNvPr id="29701" name="Rectangle 2"/>
+          <p:cNvSpPr>
+            <a:spLocks noChangeArrowheads="1"/>
+          </p:cNvSpPr>
+          <p:nvPr/>
+        </p:nvSpPr>
+        <p:spPr bwMode="auto">
+          <a:xfrm>
+            <a:off x="609600" y="304800"/>
+            <a:ext cx="7772400" cy="841076"/>
+          </a:xfrm>
+          <a:prstGeom prst="rect">
+            <a:avLst/>
+          </a:prstGeom>
+          <a:noFill/>
+          <a:ln>
+            <a:noFill/>
+          </a:ln>
+          <a:extLst>
+            <a:ext uri="{909E8E84-426E-40DD-AFC4-6F175D3DCCD1}">
+              <a14:hiddenFill xmlns:a14="http://schemas.microsoft.com/office/drawing/2010/main">
+                <a:solidFill>
+                  <a:srgbClr val="FFFFFF"/>
+                </a:solidFill>
+              </a14:hiddenFill>
+            </a:ext>
+            <a:ext uri="{91240B29-F687-4F45-9708-019B960494DF}">
+              <a14:hiddenLine xmlns:a14="http://schemas.microsoft.com/office/drawing/2010/main" w="9525">
+                <a:solidFill>
+                  <a:srgbClr val="000000"/>
+                </a:solidFill>
+                <a:miter lim="800000"/>
+                <a:headEnd/>
+                <a:tailEnd/>
+              </a14:hiddenLine>
+            </a:ext>
+          </a:extLst>
+        </p:spPr>
+        <p:txBody>
+          <a:bodyPr lIns="91440" tIns="45720" rIns="91440" bIns="45720" anchor="b"/>
+          <a:lstStyle>
+            <a:lvl1pPr eaLnBrk="0" hangingPunct="0">
+              <a:defRPr sz="2400">
+                <a:solidFill>
+                  <a:schemeClr val="tx1"/>
+                </a:solidFill>
+                <a:latin typeface="Tahoma" panose="020B0604030504040204" pitchFamily="34" charset="0"/>
+              </a:defRPr>
+            </a:lvl1pPr>
+            <a:lvl2pPr marL="742950" indent="-285750" eaLnBrk="0" hangingPunct="0">
+              <a:defRPr sz="2400">
+                <a:solidFill>
+                  <a:schemeClr val="tx1"/>
+                </a:solidFill>
+                <a:latin typeface="Tahoma" panose="020B0604030504040204" pitchFamily="34" charset="0"/>
+              </a:defRPr>
+            </a:lvl2pPr>
+            <a:lvl3pPr marL="1143000" indent="-228600" eaLnBrk="0" hangingPunct="0">
+              <a:defRPr sz="2400">
+                <a:solidFill>
+                  <a:schemeClr val="tx1"/>
+                </a:solidFill>
+                <a:latin typeface="Tahoma" panose="020B0604030504040204" pitchFamily="34" charset="0"/>
+              </a:defRPr>
+            </a:lvl3pPr>
+            <a:lvl4pPr marL="1600200" indent="-228600" eaLnBrk="0" hangingPunct="0">
+              <a:defRPr sz="2400">
+                <a:solidFill>
+                  <a:schemeClr val="tx1"/>
+                </a:solidFill>
+                <a:latin typeface="Tahoma" panose="020B0604030504040204" pitchFamily="34" charset="0"/>
+              </a:defRPr>
+            </a:lvl4pPr>
+            <a:lvl5pPr marL="2057400" indent="-228600" eaLnBrk="0" hangingPunct="0">
+              <a:defRPr sz="2400">
+                <a:solidFill>
+                  <a:schemeClr val="tx1"/>
+                </a:solidFill>
+                <a:latin typeface="Tahoma" panose="020B0604030504040204" pitchFamily="34" charset="0"/>
+              </a:defRPr>
+            </a:lvl5pPr>
+            <a:lvl6pPr marL="2514600" indent="-228600" eaLnBrk="0" fontAlgn="base" hangingPunct="0">
+              <a:spcBef>
+                <a:spcPct val="0"/>
+              </a:spcBef>
+              <a:spcAft>
+                <a:spcPct val="0"/>
+              </a:spcAft>
+              <a:defRPr sz="2400">
+                <a:solidFill>
+                  <a:schemeClr val="tx1"/>
+                </a:solidFill>
+                <a:latin typeface="Tahoma" panose="020B0604030504040204" pitchFamily="34" charset="0"/>
+              </a:defRPr>
+            </a:lvl6pPr>
+            <a:lvl7pPr marL="2971800" indent="-228600" eaLnBrk="0" fontAlgn="base" hangingPunct="0">
+              <a:spcBef>
+                <a:spcPct val="0"/>
+              </a:spcBef>
+              <a:spcAft>
+                <a:spcPct val="0"/>
+              </a:spcAft>
+              <a:defRPr sz="2400">
+                <a:solidFill>
+                  <a:schemeClr val="tx1"/>
+                </a:solidFill>
+                <a:latin typeface="Tahoma" panose="020B0604030504040204" pitchFamily="34" charset="0"/>
+              </a:defRPr>
+            </a:lvl7pPr>
+            <a:lvl8pPr marL="3429000" indent="-228600" eaLnBrk="0" fontAlgn="base" hangingPunct="0">
+              <a:spcBef>
+                <a:spcPct val="0"/>
+              </a:spcBef>
+              <a:spcAft>
+                <a:spcPct val="0"/>
+              </a:spcAft>
+              <a:defRPr sz="2400">
+                <a:solidFill>
+                  <a:schemeClr val="tx1"/>
+                </a:solidFill>
+                <a:latin typeface="Tahoma" panose="020B0604030504040204" pitchFamily="34" charset="0"/>
+              </a:defRPr>
+            </a:lvl8pPr>
+            <a:lvl9pPr marL="3886200" indent="-228600" eaLnBrk="0" fontAlgn="base" hangingPunct="0">
+              <a:spcBef>
+                <a:spcPct val="0"/>
+              </a:spcBef>
+              <a:spcAft>
+                <a:spcPct val="0"/>
+              </a:spcAft>
+              <a:defRPr sz="2400">
+                <a:solidFill>
+                  <a:schemeClr val="tx1"/>
+                </a:solidFill>
+                <a:latin typeface="Tahoma" panose="020B0604030504040204" pitchFamily="34" charset="0"/>
+              </a:defRPr>
+            </a:lvl9pPr>
+          </a:lstStyle>
+          <a:p>
+            <a:r>
+              <a:rPr lang="en-US" altLang="zh-CN" sz="2800" err="1">
+                <a:solidFill>
+                  <a:schemeClr val="tx2"/>
+                </a:solidFill>
+                <a:latin typeface="Tahoma"/>
+              </a:rPr>
+              <a:t>Vấn</a:t>
+            </a:r>
+            <a:r>
+              <a:rPr lang="en-US" altLang="zh-CN" sz="2800">
+                <a:solidFill>
+                  <a:schemeClr val="tx2"/>
+                </a:solidFill>
+                <a:latin typeface="Tahoma"/>
+              </a:rPr>
+              <a:t> </a:t>
+            </a:r>
+            <a:r>
+              <a:rPr lang="en-US" altLang="zh-CN" sz="2800" err="1">
+                <a:solidFill>
+                  <a:schemeClr val="tx2"/>
+                </a:solidFill>
+                <a:latin typeface="Tahoma"/>
+              </a:rPr>
+              <a:t>đề</a:t>
+            </a:r>
+            <a:r>
+              <a:rPr lang="en-US" altLang="zh-CN" sz="2800">
+                <a:solidFill>
+                  <a:schemeClr val="tx2"/>
+                </a:solidFill>
+                <a:latin typeface="Tahoma"/>
+              </a:rPr>
+              <a:t> </a:t>
+            </a:r>
+            <a:r>
+              <a:rPr lang="en-US" altLang="zh-CN" sz="2800" err="1">
+                <a:solidFill>
+                  <a:schemeClr val="tx2"/>
+                </a:solidFill>
+                <a:latin typeface="Tahoma"/>
+              </a:rPr>
+              <a:t>cải</a:t>
+            </a:r>
+            <a:r>
+              <a:rPr lang="en-US" altLang="zh-CN" sz="2800">
+                <a:solidFill>
+                  <a:schemeClr val="tx2"/>
+                </a:solidFill>
+                <a:latin typeface="Tahoma"/>
+              </a:rPr>
+              <a:t> </a:t>
+            </a:r>
+            <a:r>
+              <a:rPr lang="en-US" altLang="zh-CN" sz="2800" err="1">
+                <a:solidFill>
+                  <a:schemeClr val="tx2"/>
+                </a:solidFill>
+                <a:latin typeface="Tahoma"/>
+              </a:rPr>
+              <a:t>tiến</a:t>
+            </a:r>
+            <a:r>
+              <a:rPr lang="en-US" altLang="zh-CN" sz="2800">
+                <a:solidFill>
+                  <a:schemeClr val="tx2"/>
+                </a:solidFill>
+                <a:latin typeface="Tahoma"/>
+              </a:rPr>
+              <a:t> </a:t>
+            </a:r>
+            <a:r>
+              <a:rPr lang="en-US" altLang="zh-CN" sz="2800" err="1">
+                <a:solidFill>
+                  <a:schemeClr val="tx2"/>
+                </a:solidFill>
+                <a:latin typeface="Tahoma"/>
+              </a:rPr>
+              <a:t>phần</a:t>
+            </a:r>
+            <a:r>
+              <a:rPr lang="en-US" altLang="zh-CN" sz="2800">
+                <a:solidFill>
+                  <a:schemeClr val="tx2"/>
+                </a:solidFill>
+                <a:latin typeface="Tahoma"/>
+              </a:rPr>
+              <a:t> </a:t>
+            </a:r>
+            <a:r>
+              <a:rPr lang="en-US" altLang="zh-CN" sz="2800" err="1">
+                <a:solidFill>
+                  <a:schemeClr val="tx2"/>
+                </a:solidFill>
+                <a:latin typeface="Tahoma"/>
+              </a:rPr>
+              <a:t>tính</a:t>
+            </a:r>
+            <a:r>
+              <a:rPr lang="en-US" altLang="zh-CN" sz="2800">
+                <a:solidFill>
+                  <a:schemeClr val="tx2"/>
+                </a:solidFill>
+                <a:latin typeface="Tahoma"/>
+              </a:rPr>
+              <a:t> </a:t>
+            </a:r>
+            <a:r>
+              <a:rPr lang="en-US" altLang="zh-CN" sz="2800" err="1">
+                <a:solidFill>
+                  <a:schemeClr val="tx2"/>
+                </a:solidFill>
+                <a:latin typeface="Tahoma"/>
+              </a:rPr>
+              <a:t>toán</a:t>
+            </a:r>
+            <a:r>
+              <a:rPr lang="en-US" altLang="zh-CN" sz="2800">
+                <a:solidFill>
+                  <a:schemeClr val="tx2"/>
+                </a:solidFill>
+                <a:latin typeface="Tahoma"/>
+              </a:rPr>
+              <a:t> chi </a:t>
+            </a:r>
+            <a:r>
+              <a:rPr lang="en-US" altLang="zh-CN" sz="2800" err="1">
+                <a:solidFill>
+                  <a:schemeClr val="tx2"/>
+                </a:solidFill>
+                <a:latin typeface="Tahoma"/>
+              </a:rPr>
+              <a:t>phí</a:t>
+            </a:r>
+            <a:r>
+              <a:rPr lang="en-US" altLang="zh-CN" sz="2800">
+                <a:solidFill>
+                  <a:schemeClr val="tx2"/>
+                </a:solidFill>
+                <a:latin typeface="Tahoma"/>
+              </a:rPr>
+              <a:t> </a:t>
+            </a:r>
+            <a:r>
+              <a:rPr lang="en-US" altLang="zh-CN" sz="2800" err="1">
+                <a:solidFill>
+                  <a:schemeClr val="tx2"/>
+                </a:solidFill>
+                <a:latin typeface="Tahoma"/>
+              </a:rPr>
+              <a:t>vận</a:t>
+            </a:r>
+            <a:r>
+              <a:rPr lang="en-US" altLang="zh-CN" sz="2800">
+                <a:solidFill>
+                  <a:schemeClr val="tx2"/>
+                </a:solidFill>
+                <a:latin typeface="Tahoma"/>
+              </a:rPr>
+              <a:t> </a:t>
+            </a:r>
+            <a:r>
+              <a:rPr lang="en-US" altLang="zh-CN" sz="2800" err="1">
+                <a:solidFill>
+                  <a:schemeClr val="tx2"/>
+                </a:solidFill>
+                <a:latin typeface="Tahoma"/>
+              </a:rPr>
+              <a:t>chuyển</a:t>
+            </a:r>
+            <a:r>
+              <a:rPr lang="en-US" altLang="zh-CN" sz="2800">
+                <a:solidFill>
+                  <a:schemeClr val="tx2"/>
+                </a:solidFill>
+                <a:latin typeface="Tahoma"/>
+              </a:rPr>
+              <a:t> </a:t>
+            </a:r>
+            <a:r>
+              <a:rPr lang="en-US" altLang="zh-CN" sz="2800" err="1">
+                <a:solidFill>
+                  <a:schemeClr val="tx2"/>
+                </a:solidFill>
+                <a:latin typeface="Tahoma"/>
+              </a:rPr>
+              <a:t>dựa</a:t>
+            </a:r>
+            <a:r>
+              <a:rPr lang="en-US" altLang="zh-CN" sz="2800">
+                <a:solidFill>
+                  <a:schemeClr val="tx2"/>
+                </a:solidFill>
+                <a:latin typeface="Tahoma"/>
+              </a:rPr>
+              <a:t> </a:t>
+            </a:r>
+            <a:r>
+              <a:rPr lang="en-US" altLang="zh-CN" sz="2800" err="1">
+                <a:solidFill>
+                  <a:schemeClr val="tx2"/>
+                </a:solidFill>
+                <a:latin typeface="Tahoma"/>
+              </a:rPr>
+              <a:t>vào</a:t>
+            </a:r>
+            <a:r>
+              <a:rPr lang="en-US" altLang="zh-CN" sz="2800">
+                <a:solidFill>
+                  <a:schemeClr val="tx2"/>
+                </a:solidFill>
+                <a:latin typeface="Tahoma"/>
+              </a:rPr>
+              <a:t> Adapter pattern</a:t>
+            </a:r>
+            <a:endParaRPr lang="en-US" altLang="zh-CN" sz="2800" err="1">
+              <a:solidFill>
+                <a:schemeClr val="tx2"/>
+              </a:solidFill>
+              <a:ea typeface="Tahoma" panose="020B0604030504040204" pitchFamily="34" charset="0"/>
+              <a:cs typeface="Tahoma" panose="020B0604030504040204" pitchFamily="34" charset="0"/>
+            </a:endParaRPr>
+          </a:p>
+        </p:txBody>
+      </p:sp>
+      <p:pic>
+        <p:nvPicPr>
+          <p:cNvPr id="3" name="Picture 3">
+            <a:extLst>
+              <a:ext uri="{FF2B5EF4-FFF2-40B4-BE49-F238E27FC236}">
+                <a16:creationId xmlns:a16="http://schemas.microsoft.com/office/drawing/2014/main" id="{13EF6973-D8D4-4FD3-8C02-B23B91C5BD5B}"/>
+              </a:ext>
+            </a:extLst>
+          </p:cNvPr>
+          <p:cNvPicPr>
+            <a:picLocks noChangeAspect="1"/>
+          </p:cNvPicPr>
+          <p:nvPr/>
+        </p:nvPicPr>
+        <p:blipFill>
+          <a:blip r:embed="rId2"/>
+          <a:stretch>
+            <a:fillRect/>
+          </a:stretch>
+        </p:blipFill>
+        <p:spPr>
+          <a:xfrm>
+            <a:off x="175692" y="2095811"/>
+            <a:ext cx="8383329" cy="3574787"/>
+          </a:xfrm>
+          <a:prstGeom prst="rect">
+            <a:avLst/>
+          </a:prstGeom>
+        </p:spPr>
+      </p:pic>
+    </p:spTree>
+    <p:extLst>
+      <p:ext uri="{BB962C8B-B14F-4D97-AF65-F5344CB8AC3E}">
+        <p14:creationId xmlns:p14="http://schemas.microsoft.com/office/powerpoint/2010/main" val="3686255408"/>
+      </p:ext>
+    </p:extLst>
+  </p:cSld>
+  <p:clrMapOvr>
+    <a:masterClrMapping/>
+  </p:clrMapOvr>
+</p:sld>
+</file>
+
+<file path=ppt/slides/slide11.xml><?xml version="1.0" encoding="utf-8"?>
+<p:sld xmlns:a="http://schemas.openxmlformats.org/drawingml/2006/main" xmlns:r="http://schemas.openxmlformats.org/officeDocument/2006/relationships" xmlns:p="http://schemas.openxmlformats.org/presentationml/2006/main">
+  <p:cSld>
+    <p:spTree>
+      <p:nvGrpSpPr>
+        <p:cNvPr id="1" name=""/>
+        <p:cNvGrpSpPr/>
+        <p:nvPr/>
+      </p:nvGrpSpPr>
+      <p:grpSpPr>
+        <a:xfrm>
+          <a:off x="0" y="0"/>
+          <a:ext cx="0" cy="0"/>
+          <a:chOff x="0" y="0"/>
+          <a:chExt cx="0" cy="0"/>
+        </a:xfrm>
+      </p:grpSpPr>
+      <p:sp>
+        <p:nvSpPr>
+          <p:cNvPr id="29699" name="Slide Number Placeholder 3"/>
+          <p:cNvSpPr>
+            <a:spLocks noGrp="1"/>
+          </p:cNvSpPr>
+          <p:nvPr>
+            <p:ph type="sldNum" sz="quarter" idx="4294967295"/>
+          </p:nvPr>
+        </p:nvSpPr>
+        <p:spPr>
+          <a:xfrm>
+            <a:off x="8624276" y="6463322"/>
+            <a:ext cx="234462" cy="261817"/>
+          </a:xfrm>
+          <a:prstGeom prst="rect">
+            <a:avLst/>
+          </a:prstGeom>
+          <a:noFill/>
+          <a:ln/>
+          <a:extLst>
+            <a:ext uri="{909E8E84-426E-40DD-AFC4-6F175D3DCCD1}">
+              <a14:hiddenFill xmlns:a14="http://schemas.microsoft.com/office/drawing/2010/main">
+                <a:solidFill>
+                  <a:srgbClr val="FFFFFF"/>
+                </a:solidFill>
+              </a14:hiddenFill>
+            </a:ext>
+            <a:ext uri="{91240B29-F687-4F45-9708-019B960494DF}">
+              <a14:hiddenLine xmlns:a14="http://schemas.microsoft.com/office/drawing/2010/main" w="9525">
+                <a:solidFill>
+                  <a:srgbClr val="000000"/>
+                </a:solidFill>
+                <a:miter lim="800000"/>
+                <a:headEnd/>
+                <a:tailEnd/>
+              </a14:hiddenLine>
+            </a:ext>
+          </a:extLst>
+        </p:spPr>
+        <p:txBody>
+          <a:bodyPr/>
+          <a:lstStyle>
+            <a:lvl1pPr eaLnBrk="0" hangingPunct="0">
+              <a:defRPr sz="2400">
+                <a:solidFill>
+                  <a:schemeClr val="tx1"/>
+                </a:solidFill>
+                <a:latin typeface="Tahoma" panose="020B0604030504040204" pitchFamily="34" charset="0"/>
+              </a:defRPr>
+            </a:lvl1pPr>
+            <a:lvl2pPr marL="742950" indent="-285750" eaLnBrk="0" hangingPunct="0">
+              <a:defRPr sz="2400">
+                <a:solidFill>
+                  <a:schemeClr val="tx1"/>
+                </a:solidFill>
+                <a:latin typeface="Tahoma" panose="020B0604030504040204" pitchFamily="34" charset="0"/>
+              </a:defRPr>
+            </a:lvl2pPr>
+            <a:lvl3pPr marL="1143000" indent="-228600" eaLnBrk="0" hangingPunct="0">
+              <a:defRPr sz="2400">
+                <a:solidFill>
+                  <a:schemeClr val="tx1"/>
+                </a:solidFill>
+                <a:latin typeface="Tahoma" panose="020B0604030504040204" pitchFamily="34" charset="0"/>
+              </a:defRPr>
+            </a:lvl3pPr>
+            <a:lvl4pPr marL="1600200" indent="-228600" eaLnBrk="0" hangingPunct="0">
+              <a:defRPr sz="2400">
+                <a:solidFill>
+                  <a:schemeClr val="tx1"/>
+                </a:solidFill>
+                <a:latin typeface="Tahoma" panose="020B0604030504040204" pitchFamily="34" charset="0"/>
+              </a:defRPr>
+            </a:lvl4pPr>
+            <a:lvl5pPr marL="2057400" indent="-228600" eaLnBrk="0" hangingPunct="0">
+              <a:defRPr sz="2400">
+                <a:solidFill>
+                  <a:schemeClr val="tx1"/>
+                </a:solidFill>
+                <a:latin typeface="Tahoma" panose="020B0604030504040204" pitchFamily="34" charset="0"/>
+              </a:defRPr>
+            </a:lvl5pPr>
+            <a:lvl6pPr marL="2514600" indent="-228600" eaLnBrk="0" fontAlgn="base" hangingPunct="0">
+              <a:spcBef>
+                <a:spcPct val="0"/>
+              </a:spcBef>
+              <a:spcAft>
+                <a:spcPct val="0"/>
+              </a:spcAft>
+              <a:defRPr sz="2400">
+                <a:solidFill>
+                  <a:schemeClr val="tx1"/>
+                </a:solidFill>
+                <a:latin typeface="Tahoma" panose="020B0604030504040204" pitchFamily="34" charset="0"/>
+              </a:defRPr>
+            </a:lvl6pPr>
+            <a:lvl7pPr marL="2971800" indent="-228600" eaLnBrk="0" fontAlgn="base" hangingPunct="0">
+              <a:spcBef>
+                <a:spcPct val="0"/>
+              </a:spcBef>
+              <a:spcAft>
+                <a:spcPct val="0"/>
+              </a:spcAft>
+              <a:defRPr sz="2400">
+                <a:solidFill>
+                  <a:schemeClr val="tx1"/>
+                </a:solidFill>
+                <a:latin typeface="Tahoma" panose="020B0604030504040204" pitchFamily="34" charset="0"/>
+              </a:defRPr>
+            </a:lvl7pPr>
+            <a:lvl8pPr marL="3429000" indent="-228600" eaLnBrk="0" fontAlgn="base" hangingPunct="0">
+              <a:spcBef>
+                <a:spcPct val="0"/>
+              </a:spcBef>
+              <a:spcAft>
+                <a:spcPct val="0"/>
+              </a:spcAft>
+              <a:defRPr sz="2400">
+                <a:solidFill>
+                  <a:schemeClr val="tx1"/>
+                </a:solidFill>
+                <a:latin typeface="Tahoma" panose="020B0604030504040204" pitchFamily="34" charset="0"/>
+              </a:defRPr>
+            </a:lvl8pPr>
+            <a:lvl9pPr marL="3886200" indent="-228600" eaLnBrk="0" fontAlgn="base" hangingPunct="0">
+              <a:spcBef>
+                <a:spcPct val="0"/>
+              </a:spcBef>
+              <a:spcAft>
+                <a:spcPct val="0"/>
+              </a:spcAft>
+              <a:defRPr sz="2400">
+                <a:solidFill>
+                  <a:schemeClr val="tx1"/>
+                </a:solidFill>
+                <a:latin typeface="Tahoma" panose="020B0604030504040204" pitchFamily="34" charset="0"/>
+              </a:defRPr>
+            </a:lvl9pPr>
+          </a:lstStyle>
+          <a:p>
+            <a:pPr eaLnBrk="1" hangingPunct="1"/>
+            <a:fld id="{14CC5C6E-26B5-4455-A24E-CC8AA8460F8B}" type="slidenum">
+              <a:rPr lang="en-US" altLang="en-US" sz="1400"/>
+              <a:pPr eaLnBrk="1" hangingPunct="1"/>
+              <a:t>11</a:t>
+            </a:fld>
+            <a:endParaRPr lang="en-US" altLang="en-US" sz="1400"/>
+          </a:p>
+        </p:txBody>
+      </p:sp>
+      <p:sp>
+        <p:nvSpPr>
+          <p:cNvPr id="29700" name="Rectangle 3" descr="Rectangle: Click to edit Master text styles&#10;Second level&#10;Third level&#10;Fourth level&#10;Fifth level"/>
+          <p:cNvSpPr>
+            <a:spLocks noGrp="1" noChangeArrowheads="1"/>
+          </p:cNvSpPr>
+          <p:nvPr>
+            <p:ph sz="quarter" idx="4294967295"/>
+          </p:nvPr>
+        </p:nvSpPr>
+        <p:spPr>
+          <a:xfrm>
+            <a:off x="476281" y="1617454"/>
+            <a:ext cx="7652737" cy="4232603"/>
+          </a:xfrm>
+        </p:spPr>
+        <p:txBody>
+          <a:bodyPr vert="horz" lIns="91440" tIns="45720" rIns="91440" bIns="45720" rtlCol="0" anchor="t">
+            <a:normAutofit/>
+          </a:bodyPr>
+          <a:lstStyle/>
+          <a:p>
+            <a:r>
+              <a:rPr lang="en-US" sz="1800" err="1">
+                <a:ea typeface="+mn-lt"/>
+                <a:cs typeface="+mn-lt"/>
+              </a:rPr>
               <a:t>Giải</a:t>
             </a:r>
             <a:r>
@@ -5068,7 +5721,7 @@
 </p:sld>
 </file>
 
-<file path=ppt/slides/slide11.xml><?xml version="1.0" encoding="utf-8"?>
+<file path=ppt/slides/slide12.xml><?xml version="1.0" encoding="utf-8"?>
 <p:sld xmlns:a="http://schemas.openxmlformats.org/drawingml/2006/main" xmlns:r="http://schemas.openxmlformats.org/officeDocument/2006/relationships" xmlns:p="http://schemas.openxmlformats.org/presentationml/2006/main">
   <p:cSld>
     <p:spTree>
@@ -5230,7 +5883,7 @@
             <a:fld id="{14CC5C6E-26B5-4455-A24E-CC8AA8460F8B}" type="slidenum">
               <a:rPr lang="en-US" altLang="en-US" sz="1400"/>
               <a:pPr eaLnBrk="1" hangingPunct="1"/>
-              <a:t>11</a:t>
+              <a:t>12</a:t>
             </a:fld>
             <a:endParaRPr lang="en-US" altLang="en-US" sz="1400"/>
           </a:p>
@@ -5741,7 +6394,7 @@
 </p:sld>
 </file>
 
-<file path=ppt/slides/slide12.xml><?xml version="1.0" encoding="utf-8"?>
+<file path=ppt/slides/slide13.xml><?xml version="1.0" encoding="utf-8"?>
 <p:sld xmlns:a="http://schemas.openxmlformats.org/drawingml/2006/main" xmlns:r="http://schemas.openxmlformats.org/officeDocument/2006/relationships" xmlns:p="http://schemas.openxmlformats.org/presentationml/2006/main">
   <p:cSld>
     <p:spTree>
@@ -5903,7 +6556,7 @@
             <a:fld id="{14CC5C6E-26B5-4455-A24E-CC8AA8460F8B}" type="slidenum">
               <a:rPr lang="en-US" altLang="en-US" sz="1400"/>
               <a:pPr eaLnBrk="1" hangingPunct="1"/>
-              <a:t>12</a:t>
+              <a:t>13</a:t>
             </a:fld>
             <a:endParaRPr lang="en-US" altLang="en-US" sz="1400"/>
           </a:p>
@@ -6728,7 +7381,7 @@
 </p:sld>
 </file>
 
-<file path=ppt/slides/slide13.xml><?xml version="1.0" encoding="utf-8"?>
+<file path=ppt/slides/slide14.xml><?xml version="1.0" encoding="utf-8"?>
 <p:sld xmlns:a="http://schemas.openxmlformats.org/drawingml/2006/main" xmlns:r="http://schemas.openxmlformats.org/officeDocument/2006/relationships" xmlns:p="http://schemas.openxmlformats.org/presentationml/2006/main">
   <p:cSld>
     <p:spTree>
@@ -6890,7 +7543,7 @@
             <a:fld id="{14CC5C6E-26B5-4455-A24E-CC8AA8460F8B}" type="slidenum">
               <a:rPr lang="en-US" altLang="en-US" sz="1400"/>
               <a:pPr eaLnBrk="1" hangingPunct="1"/>
-              <a:t>13</a:t>
+              <a:t>14</a:t>
             </a:fld>
             <a:endParaRPr lang="en-US" altLang="en-US" sz="1400"/>
           </a:p>
@@ -8326,7 +8979,7 @@
 </p:sld>
 </file>
 
-<file path=ppt/slides/slide14.xml><?xml version="1.0" encoding="utf-8"?>
+<file path=ppt/slides/slide15.xml><?xml version="1.0" encoding="utf-8"?>
 <p:sld xmlns:a="http://schemas.openxmlformats.org/drawingml/2006/main" xmlns:r="http://schemas.openxmlformats.org/officeDocument/2006/relationships" xmlns:p="http://schemas.openxmlformats.org/presentationml/2006/main">
   <p:cSld>
     <p:spTree>
@@ -8488,7 +9141,7 @@
             <a:fld id="{14CC5C6E-26B5-4455-A24E-CC8AA8460F8B}" type="slidenum">
               <a:rPr lang="en-US" altLang="en-US" sz="1400"/>
               <a:pPr eaLnBrk="1" hangingPunct="1"/>
-              <a:t>14</a:t>
+              <a:t>15</a:t>
             </a:fld>
             <a:endParaRPr lang="en-US" altLang="en-US" sz="1400"/>
           </a:p>
@@ -8858,7 +9511,7 @@
 </p:sld>
 </file>
 
-<file path=ppt/slides/slide15.xml><?xml version="1.0" encoding="utf-8"?>
+<file path=ppt/slides/slide16.xml><?xml version="1.0" encoding="utf-8"?>
 <p:sld xmlns:a="http://schemas.openxmlformats.org/drawingml/2006/main" xmlns:r="http://schemas.openxmlformats.org/officeDocument/2006/relationships" xmlns:p="http://schemas.openxmlformats.org/presentationml/2006/main">
   <p:cSld>
     <p:bg>
@@ -10423,7 +11076,7 @@
                   <a:spcPts val="600"/>
                 </a:spcAft>
               </a:pPr>
-              <a:t>15</a:t>
+              <a:t>16</a:t>
             </a:fld>
             <a:endParaRPr lang="en-US" altLang="en-US" sz="1200">
               <a:solidFill>
@@ -10449,7 +11102,7 @@
 </p:sld>
 </file>
 
-<file path=ppt/slides/slide16.xml><?xml version="1.0" encoding="utf-8"?>
+<file path=ppt/slides/slide17.xml><?xml version="1.0" encoding="utf-8"?>
 <p:sld xmlns:a="http://schemas.openxmlformats.org/drawingml/2006/main" xmlns:r="http://schemas.openxmlformats.org/officeDocument/2006/relationships" xmlns:p="http://schemas.openxmlformats.org/presentationml/2006/main">
   <p:cSld>
     <p:spTree>
@@ -10611,7 +11264,7 @@
             <a:fld id="{14CC5C6E-26B5-4455-A24E-CC8AA8460F8B}" type="slidenum">
               <a:rPr lang="en-US" altLang="en-US" sz="1400"/>
               <a:pPr eaLnBrk="1" hangingPunct="1"/>
-              <a:t>16</a:t>
+              <a:t>17</a:t>
             </a:fld>
             <a:endParaRPr lang="en-US" altLang="en-US" sz="1400"/>
           </a:p>
@@ -11152,7 +11805,7 @@
 </p:sld>
 </file>
 
-<file path=ppt/slides/slide17.xml><?xml version="1.0" encoding="utf-8"?>
+<file path=ppt/slides/slide18.xml><?xml version="1.0" encoding="utf-8"?>
 <p:sld xmlns:a="http://schemas.openxmlformats.org/drawingml/2006/main" xmlns:r="http://schemas.openxmlformats.org/officeDocument/2006/relationships" xmlns:p="http://schemas.openxmlformats.org/presentationml/2006/main">
   <p:cSld>
     <p:spTree>
@@ -11314,7 +11967,7 @@
             <a:fld id="{14CC5C6E-26B5-4455-A24E-CC8AA8460F8B}" type="slidenum">
               <a:rPr lang="en-US" altLang="en-US" sz="1400"/>
               <a:pPr eaLnBrk="1" hangingPunct="1"/>
-              <a:t>17</a:t>
+              <a:t>18</a:t>
             </a:fld>
             <a:endParaRPr lang="en-US" altLang="en-US" sz="1400"/>
           </a:p>
@@ -11855,7 +12508,7 @@
 </p:sld>
 </file>
 
-<file path=ppt/slides/slide18.xml><?xml version="1.0" encoding="utf-8"?>
+<file path=ppt/slides/slide19.xml><?xml version="1.0" encoding="utf-8"?>
 <p:sld xmlns:a="http://schemas.openxmlformats.org/drawingml/2006/main" xmlns:r="http://schemas.openxmlformats.org/officeDocument/2006/relationships" xmlns:p="http://schemas.openxmlformats.org/presentationml/2006/main">
   <p:cSld>
     <p:spTree>
@@ -12017,7 +12670,7 @@
             <a:fld id="{14CC5C6E-26B5-4455-A24E-CC8AA8460F8B}" type="slidenum">
               <a:rPr lang="en-US" altLang="en-US" sz="1400"/>
               <a:pPr eaLnBrk="1" hangingPunct="1"/>
-              <a:t>18</a:t>
+              <a:t>19</a:t>
             </a:fld>
             <a:endParaRPr lang="en-US" altLang="en-US" sz="1400"/>
           </a:p>
@@ -13417,7 +14070,252 @@
 </p:sld>
 </file>
 
-<file path=ppt/slides/slide19.xml><?xml version="1.0" encoding="utf-8"?>
+<file path=ppt/slides/slide2.xml><?xml version="1.0" encoding="utf-8"?>
+<p:sld xmlns:a="http://schemas.openxmlformats.org/drawingml/2006/main" xmlns:r="http://schemas.openxmlformats.org/officeDocument/2006/relationships" xmlns:p="http://schemas.openxmlformats.org/presentationml/2006/main">
+  <p:cSld>
+    <p:spTree>
+      <p:nvGrpSpPr>
+        <p:cNvPr id="1" name=""/>
+        <p:cNvGrpSpPr/>
+        <p:nvPr/>
+      </p:nvGrpSpPr>
+      <p:grpSpPr>
+        <a:xfrm>
+          <a:off x="0" y="0"/>
+          <a:ext cx="0" cy="0"/>
+          <a:chOff x="0" y="0"/>
+          <a:chExt cx="0" cy="0"/>
+        </a:xfrm>
+      </p:grpSpPr>
+      <p:sp>
+        <p:nvSpPr>
+          <p:cNvPr id="3076" name="Rectangle 1026"/>
+          <p:cNvSpPr>
+            <a:spLocks noGrp="1" noChangeArrowheads="1"/>
+          </p:cNvSpPr>
+          <p:nvPr>
+            <p:ph type="ctrTitle"/>
+          </p:nvPr>
+        </p:nvSpPr>
+        <p:spPr>
+          <a:xfrm>
+            <a:off x="1568938" y="2856523"/>
+            <a:ext cx="6508262" cy="863601"/>
+          </a:xfrm>
+        </p:spPr>
+        <p:txBody>
+          <a:bodyPr/>
+          <a:lstStyle/>
+          <a:p>
+            <a:pPr eaLnBrk="1" hangingPunct="1"/>
+            <a:r>
+              <a:rPr lang="en-US" altLang="en-US" sz="3600"/>
+              <a:t>Báo cáo nhóm DP.20202.05</a:t>
+            </a:r>
+          </a:p>
+        </p:txBody>
+      </p:sp>
+      <p:sp>
+        <p:nvSpPr>
+          <p:cNvPr id="5" name="Rectangle 1026"/>
+          <p:cNvSpPr txBox="1">
+            <a:spLocks noChangeArrowheads="1"/>
+          </p:cNvSpPr>
+          <p:nvPr/>
+        </p:nvSpPr>
+        <p:spPr bwMode="auto">
+          <a:xfrm>
+            <a:off x="914400" y="650631"/>
+            <a:ext cx="7772400" cy="2022230"/>
+          </a:xfrm>
+          <a:prstGeom prst="rect">
+            <a:avLst/>
+          </a:prstGeom>
+          <a:noFill/>
+          <a:ln w="9525">
+            <a:noFill/>
+            <a:miter lim="800000"/>
+            <a:headEnd/>
+            <a:tailEnd/>
+          </a:ln>
+        </p:spPr>
+        <p:txBody>
+          <a:bodyPr anchor="b"/>
+          <a:lstStyle/>
+          <a:p>
+            <a:pPr algn="ctr">
+              <a:defRPr/>
+            </a:pPr>
+            <a:r>
+              <a:rPr lang="en-US" sz="4400" kern="0">
+                <a:solidFill>
+                  <a:schemeClr val="tx2"/>
+                </a:solidFill>
+                <a:latin typeface="+mj-lt"/>
+                <a:ea typeface="+mj-ea"/>
+                <a:cs typeface="+mj-cs"/>
+              </a:rPr>
+              <a:t>Mẫu thiết kế phần mềm</a:t>
+            </a:r>
+          </a:p>
+        </p:txBody>
+      </p:sp>
+      <p:sp>
+        <p:nvSpPr>
+          <p:cNvPr id="2" name="TextBox 1">
+            <a:extLst>
+              <a:ext uri="{FF2B5EF4-FFF2-40B4-BE49-F238E27FC236}">
+                <a16:creationId xmlns:a16="http://schemas.microsoft.com/office/drawing/2014/main" id="{4B7E960F-5E73-4A2C-A7A7-39AF0ABD55E9}"/>
+              </a:ext>
+            </a:extLst>
+          </p:cNvPr>
+          <p:cNvSpPr txBox="1"/>
+          <p:nvPr/>
+        </p:nvSpPr>
+        <p:spPr>
+          <a:xfrm>
+            <a:off x="2055819" y="3903786"/>
+            <a:ext cx="3922869" cy="1264962"/>
+          </a:xfrm>
+          <a:prstGeom prst="rect">
+            <a:avLst/>
+          </a:prstGeom>
+          <a:noFill/>
+        </p:spPr>
+        <p:txBody>
+          <a:bodyPr wrap="none" rtlCol="0">
+            <a:spAutoFit/>
+          </a:bodyPr>
+          <a:lstStyle/>
+          <a:p>
+            <a:pPr marL="0" marR="0" algn="ctr">
+              <a:lnSpc>
+                <a:spcPct val="120000"/>
+              </a:lnSpc>
+              <a:spcBef>
+                <a:spcPts val="600"/>
+              </a:spcBef>
+              <a:spcAft>
+                <a:spcPts val="600"/>
+              </a:spcAft>
+            </a:pPr>
+            <a:r>
+              <a:rPr lang="en-US" sz="1800" b="1">
+                <a:solidFill>
+                  <a:srgbClr val="000000"/>
+                </a:solidFill>
+                <a:effectLst/>
+                <a:latin typeface="+mj-lt"/>
+                <a:ea typeface="Times New Roman" panose="02020603050405020304" pitchFamily="18" charset="0"/>
+                <a:cs typeface="Times New Roman" panose="02020603050405020304" pitchFamily="18" charset="0"/>
+              </a:rPr>
+              <a:t>GVHD: TS. </a:t>
+            </a:r>
+            <a:r>
+              <a:rPr lang="en-US" sz="1800" b="1" err="1">
+                <a:solidFill>
+                  <a:srgbClr val="000000"/>
+                </a:solidFill>
+                <a:effectLst/>
+                <a:latin typeface="+mj-lt"/>
+                <a:ea typeface="Times New Roman" panose="02020603050405020304" pitchFamily="18" charset="0"/>
+                <a:cs typeface="Times New Roman" panose="02020603050405020304" pitchFamily="18" charset="0"/>
+              </a:rPr>
+              <a:t>Nguyễn</a:t>
+            </a:r>
+            <a:r>
+              <a:rPr lang="en-US" sz="1800" b="1">
+                <a:solidFill>
+                  <a:srgbClr val="000000"/>
+                </a:solidFill>
+                <a:effectLst/>
+                <a:latin typeface="+mj-lt"/>
+                <a:ea typeface="Times New Roman" panose="02020603050405020304" pitchFamily="18" charset="0"/>
+                <a:cs typeface="Times New Roman" panose="02020603050405020304" pitchFamily="18" charset="0"/>
+              </a:rPr>
+              <a:t> Thị Thu Trang</a:t>
+            </a:r>
+            <a:endParaRPr lang="en-US" sz="1800" b="1">
+              <a:effectLst/>
+              <a:latin typeface="+mj-lt"/>
+              <a:ea typeface="Times New Roman" panose="02020603050405020304" pitchFamily="18" charset="0"/>
+              <a:cs typeface="Times New Roman" panose="02020603050405020304" pitchFamily="18" charset="0"/>
+            </a:endParaRPr>
+          </a:p>
+          <a:p>
+            <a:pPr marL="0" marR="0" algn="ctr">
+              <a:lnSpc>
+                <a:spcPct val="120000"/>
+              </a:lnSpc>
+              <a:spcBef>
+                <a:spcPts val="600"/>
+              </a:spcBef>
+              <a:spcAft>
+                <a:spcPts val="600"/>
+              </a:spcAft>
+            </a:pPr>
+            <a:r>
+              <a:rPr lang="en-US" sz="1800" b="1">
+                <a:solidFill>
+                  <a:srgbClr val="000000"/>
+                </a:solidFill>
+                <a:effectLst/>
+                <a:latin typeface="+mj-lt"/>
+                <a:ea typeface="Times New Roman" panose="02020603050405020304" pitchFamily="18" charset="0"/>
+                <a:cs typeface="Times New Roman" panose="02020603050405020304" pitchFamily="18" charset="0"/>
+              </a:rPr>
+              <a:t>    TS. </a:t>
+            </a:r>
+            <a:r>
+              <a:rPr lang="en-US" sz="1800" b="1" err="1">
+                <a:solidFill>
+                  <a:srgbClr val="000000"/>
+                </a:solidFill>
+                <a:effectLst/>
+                <a:latin typeface="+mj-lt"/>
+                <a:ea typeface="Times New Roman" panose="02020603050405020304" pitchFamily="18" charset="0"/>
+                <a:cs typeface="Times New Roman" panose="02020603050405020304" pitchFamily="18" charset="0"/>
+              </a:rPr>
+              <a:t>Bùi</a:t>
+            </a:r>
+            <a:r>
+              <a:rPr lang="en-US" sz="1800" b="1">
+                <a:solidFill>
+                  <a:srgbClr val="000000"/>
+                </a:solidFill>
+                <a:effectLst/>
+                <a:latin typeface="+mj-lt"/>
+                <a:ea typeface="Times New Roman" panose="02020603050405020304" pitchFamily="18" charset="0"/>
+                <a:cs typeface="Times New Roman" panose="02020603050405020304" pitchFamily="18" charset="0"/>
+              </a:rPr>
+              <a:t> Thị Mai Anh</a:t>
+            </a:r>
+            <a:endParaRPr lang="en-US" sz="1800" b="1">
+              <a:effectLst/>
+              <a:latin typeface="+mj-lt"/>
+              <a:ea typeface="Times New Roman" panose="02020603050405020304" pitchFamily="18" charset="0"/>
+              <a:cs typeface="Times New Roman" panose="02020603050405020304" pitchFamily="18" charset="0"/>
+            </a:endParaRPr>
+          </a:p>
+          <a:p>
+            <a:endParaRPr lang="en-US"/>
+          </a:p>
+        </p:txBody>
+      </p:sp>
+    </p:spTree>
+    <p:extLst>
+      <p:ext uri="{BB962C8B-B14F-4D97-AF65-F5344CB8AC3E}">
+        <p14:creationId xmlns:p14="http://schemas.microsoft.com/office/powerpoint/2010/main" val="1166367075"/>
+      </p:ext>
+    </p:extLst>
+  </p:cSld>
+  <p:clrMapOvr>
+    <a:masterClrMapping/>
+  </p:clrMapOvr>
+</p:sld>
+</file>
+
+<file path=ppt/slides/slide20.xml><?xml version="1.0" encoding="utf-8"?>
 <p:sld xmlns:a="http://schemas.openxmlformats.org/drawingml/2006/main" xmlns:r="http://schemas.openxmlformats.org/officeDocument/2006/relationships" xmlns:p="http://schemas.openxmlformats.org/presentationml/2006/main">
   <p:cSld>
     <p:spTree>
@@ -13579,7 +14477,7 @@
             <a:fld id="{14CC5C6E-26B5-4455-A24E-CC8AA8460F8B}" type="slidenum">
               <a:rPr lang="en-US" altLang="en-US" sz="1400"/>
               <a:pPr eaLnBrk="1" hangingPunct="1"/>
-              <a:t>19</a:t>
+              <a:t>20</a:t>
             </a:fld>
             <a:endParaRPr lang="en-US" altLang="en-US" sz="1400"/>
           </a:p>
@@ -14439,252 +15337,7 @@
 </p:sld>
 </file>
 
-<file path=ppt/slides/slide2.xml><?xml version="1.0" encoding="utf-8"?>
-<p:sld xmlns:a="http://schemas.openxmlformats.org/drawingml/2006/main" xmlns:r="http://schemas.openxmlformats.org/officeDocument/2006/relationships" xmlns:p="http://schemas.openxmlformats.org/presentationml/2006/main">
-  <p:cSld>
-    <p:spTree>
-      <p:nvGrpSpPr>
-        <p:cNvPr id="1" name=""/>
-        <p:cNvGrpSpPr/>
-        <p:nvPr/>
-      </p:nvGrpSpPr>
-      <p:grpSpPr>
-        <a:xfrm>
-          <a:off x="0" y="0"/>
-          <a:ext cx="0" cy="0"/>
-          <a:chOff x="0" y="0"/>
-          <a:chExt cx="0" cy="0"/>
-        </a:xfrm>
-      </p:grpSpPr>
-      <p:sp>
-        <p:nvSpPr>
-          <p:cNvPr id="3076" name="Rectangle 1026"/>
-          <p:cNvSpPr>
-            <a:spLocks noGrp="1" noChangeArrowheads="1"/>
-          </p:cNvSpPr>
-          <p:nvPr>
-            <p:ph type="ctrTitle"/>
-          </p:nvPr>
-        </p:nvSpPr>
-        <p:spPr>
-          <a:xfrm>
-            <a:off x="1568938" y="2856523"/>
-            <a:ext cx="6508262" cy="863601"/>
-          </a:xfrm>
-        </p:spPr>
-        <p:txBody>
-          <a:bodyPr/>
-          <a:lstStyle/>
-          <a:p>
-            <a:pPr eaLnBrk="1" hangingPunct="1"/>
-            <a:r>
-              <a:rPr lang="en-US" altLang="en-US" sz="3600" dirty="0"/>
-              <a:t>Báo cáo nhóm DP.20202.05</a:t>
-            </a:r>
-          </a:p>
-        </p:txBody>
-      </p:sp>
-      <p:sp>
-        <p:nvSpPr>
-          <p:cNvPr id="5" name="Rectangle 1026"/>
-          <p:cNvSpPr txBox="1">
-            <a:spLocks noChangeArrowheads="1"/>
-          </p:cNvSpPr>
-          <p:nvPr/>
-        </p:nvSpPr>
-        <p:spPr bwMode="auto">
-          <a:xfrm>
-            <a:off x="914400" y="650631"/>
-            <a:ext cx="7772400" cy="2022230"/>
-          </a:xfrm>
-          <a:prstGeom prst="rect">
-            <a:avLst/>
-          </a:prstGeom>
-          <a:noFill/>
-          <a:ln w="9525">
-            <a:noFill/>
-            <a:miter lim="800000"/>
-            <a:headEnd/>
-            <a:tailEnd/>
-          </a:ln>
-        </p:spPr>
-        <p:txBody>
-          <a:bodyPr anchor="b"/>
-          <a:lstStyle/>
-          <a:p>
-            <a:pPr algn="ctr">
-              <a:defRPr/>
-            </a:pPr>
-            <a:r>
-              <a:rPr lang="en-US" sz="4400" kern="0">
-                <a:solidFill>
-                  <a:schemeClr val="tx2"/>
-                </a:solidFill>
-                <a:latin typeface="+mj-lt"/>
-                <a:ea typeface="+mj-ea"/>
-                <a:cs typeface="+mj-cs"/>
-              </a:rPr>
-              <a:t>Mẫu thiết kế phần mềm</a:t>
-            </a:r>
-          </a:p>
-        </p:txBody>
-      </p:sp>
-      <p:sp>
-        <p:nvSpPr>
-          <p:cNvPr id="2" name="TextBox 1">
-            <a:extLst>
-              <a:ext uri="{FF2B5EF4-FFF2-40B4-BE49-F238E27FC236}">
-                <a16:creationId xmlns:a16="http://schemas.microsoft.com/office/drawing/2014/main" id="{4B7E960F-5E73-4A2C-A7A7-39AF0ABD55E9}"/>
-              </a:ext>
-            </a:extLst>
-          </p:cNvPr>
-          <p:cNvSpPr txBox="1"/>
-          <p:nvPr/>
-        </p:nvSpPr>
-        <p:spPr>
-          <a:xfrm>
-            <a:off x="2055819" y="3903786"/>
-            <a:ext cx="3922869" cy="1264962"/>
-          </a:xfrm>
-          <a:prstGeom prst="rect">
-            <a:avLst/>
-          </a:prstGeom>
-          <a:noFill/>
-        </p:spPr>
-        <p:txBody>
-          <a:bodyPr wrap="none" rtlCol="0">
-            <a:spAutoFit/>
-          </a:bodyPr>
-          <a:lstStyle/>
-          <a:p>
-            <a:pPr marL="0" marR="0" algn="ctr">
-              <a:lnSpc>
-                <a:spcPct val="120000"/>
-              </a:lnSpc>
-              <a:spcBef>
-                <a:spcPts val="600"/>
-              </a:spcBef>
-              <a:spcAft>
-                <a:spcPts val="600"/>
-              </a:spcAft>
-            </a:pPr>
-            <a:r>
-              <a:rPr lang="en-US" sz="1800" b="1" dirty="0">
-                <a:solidFill>
-                  <a:srgbClr val="000000"/>
-                </a:solidFill>
-                <a:effectLst/>
-                <a:latin typeface="+mj-lt"/>
-                <a:ea typeface="Times New Roman" panose="02020603050405020304" pitchFamily="18" charset="0"/>
-                <a:cs typeface="Times New Roman" panose="02020603050405020304" pitchFamily="18" charset="0"/>
-              </a:rPr>
-              <a:t>GVHD: TS. </a:t>
-            </a:r>
-            <a:r>
-              <a:rPr lang="en-US" sz="1800" b="1" dirty="0" err="1">
-                <a:solidFill>
-                  <a:srgbClr val="000000"/>
-                </a:solidFill>
-                <a:effectLst/>
-                <a:latin typeface="+mj-lt"/>
-                <a:ea typeface="Times New Roman" panose="02020603050405020304" pitchFamily="18" charset="0"/>
-                <a:cs typeface="Times New Roman" panose="02020603050405020304" pitchFamily="18" charset="0"/>
-              </a:rPr>
-              <a:t>Nguyễn</a:t>
-            </a:r>
-            <a:r>
-              <a:rPr lang="en-US" sz="1800" b="1" dirty="0">
-                <a:solidFill>
-                  <a:srgbClr val="000000"/>
-                </a:solidFill>
-                <a:effectLst/>
-                <a:latin typeface="+mj-lt"/>
-                <a:ea typeface="Times New Roman" panose="02020603050405020304" pitchFamily="18" charset="0"/>
-                <a:cs typeface="Times New Roman" panose="02020603050405020304" pitchFamily="18" charset="0"/>
-              </a:rPr>
-              <a:t> Thị Thu Trang</a:t>
-            </a:r>
-            <a:endParaRPr lang="en-US" sz="1800" b="1" dirty="0">
-              <a:effectLst/>
-              <a:latin typeface="+mj-lt"/>
-              <a:ea typeface="Times New Roman" panose="02020603050405020304" pitchFamily="18" charset="0"/>
-              <a:cs typeface="Times New Roman" panose="02020603050405020304" pitchFamily="18" charset="0"/>
-            </a:endParaRPr>
-          </a:p>
-          <a:p>
-            <a:pPr marL="0" marR="0" algn="ctr">
-              <a:lnSpc>
-                <a:spcPct val="120000"/>
-              </a:lnSpc>
-              <a:spcBef>
-                <a:spcPts val="600"/>
-              </a:spcBef>
-              <a:spcAft>
-                <a:spcPts val="600"/>
-              </a:spcAft>
-            </a:pPr>
-            <a:r>
-              <a:rPr lang="en-US" sz="1800" b="1" dirty="0">
-                <a:solidFill>
-                  <a:srgbClr val="000000"/>
-                </a:solidFill>
-                <a:effectLst/>
-                <a:latin typeface="+mj-lt"/>
-                <a:ea typeface="Times New Roman" panose="02020603050405020304" pitchFamily="18" charset="0"/>
-                <a:cs typeface="Times New Roman" panose="02020603050405020304" pitchFamily="18" charset="0"/>
-              </a:rPr>
-              <a:t>    TS. </a:t>
-            </a:r>
-            <a:r>
-              <a:rPr lang="en-US" sz="1800" b="1" dirty="0" err="1">
-                <a:solidFill>
-                  <a:srgbClr val="000000"/>
-                </a:solidFill>
-                <a:effectLst/>
-                <a:latin typeface="+mj-lt"/>
-                <a:ea typeface="Times New Roman" panose="02020603050405020304" pitchFamily="18" charset="0"/>
-                <a:cs typeface="Times New Roman" panose="02020603050405020304" pitchFamily="18" charset="0"/>
-              </a:rPr>
-              <a:t>Bùi</a:t>
-            </a:r>
-            <a:r>
-              <a:rPr lang="en-US" sz="1800" b="1" dirty="0">
-                <a:solidFill>
-                  <a:srgbClr val="000000"/>
-                </a:solidFill>
-                <a:effectLst/>
-                <a:latin typeface="+mj-lt"/>
-                <a:ea typeface="Times New Roman" panose="02020603050405020304" pitchFamily="18" charset="0"/>
-                <a:cs typeface="Times New Roman" panose="02020603050405020304" pitchFamily="18" charset="0"/>
-              </a:rPr>
-              <a:t> Thị Mai Anh</a:t>
-            </a:r>
-            <a:endParaRPr lang="en-US" sz="1800" b="1" dirty="0">
-              <a:effectLst/>
-              <a:latin typeface="+mj-lt"/>
-              <a:ea typeface="Times New Roman" panose="02020603050405020304" pitchFamily="18" charset="0"/>
-              <a:cs typeface="Times New Roman" panose="02020603050405020304" pitchFamily="18" charset="0"/>
-            </a:endParaRPr>
-          </a:p>
-          <a:p>
-            <a:endParaRPr lang="en-US" dirty="0"/>
-          </a:p>
-        </p:txBody>
-      </p:sp>
-    </p:spTree>
-    <p:extLst>
-      <p:ext uri="{BB962C8B-B14F-4D97-AF65-F5344CB8AC3E}">
-        <p14:creationId xmlns:p14="http://schemas.microsoft.com/office/powerpoint/2010/main" val="1166367075"/>
-      </p:ext>
-    </p:extLst>
-  </p:cSld>
-  <p:clrMapOvr>
-    <a:masterClrMapping/>
-  </p:clrMapOvr>
-</p:sld>
-</file>
-
-<file path=ppt/slides/slide20.xml><?xml version="1.0" encoding="utf-8"?>
+<file path=ppt/slides/slide21.xml><?xml version="1.0" encoding="utf-8"?>
 <p:sld xmlns:a="http://schemas.openxmlformats.org/drawingml/2006/main" xmlns:r="http://schemas.openxmlformats.org/officeDocument/2006/relationships" xmlns:p="http://schemas.openxmlformats.org/presentationml/2006/main">
   <p:cSld>
     <p:spTree>
@@ -14846,7 +15499,7 @@
             <a:fld id="{14CC5C6E-26B5-4455-A24E-CC8AA8460F8B}" type="slidenum">
               <a:rPr lang="en-US" altLang="en-US" sz="1400"/>
               <a:pPr eaLnBrk="1" hangingPunct="1"/>
-              <a:t>20</a:t>
+              <a:t>21</a:t>
             </a:fld>
             <a:endParaRPr lang="en-US" altLang="en-US" sz="1400"/>
           </a:p>
@@ -16674,7 +17327,7 @@
 </p:sld>
 </file>
 
-<file path=ppt/slides/slide21.xml><?xml version="1.0" encoding="utf-8"?>
+<file path=ppt/slides/slide22.xml><?xml version="1.0" encoding="utf-8"?>
 <p:sld xmlns:a="http://schemas.openxmlformats.org/drawingml/2006/main" xmlns:r="http://schemas.openxmlformats.org/officeDocument/2006/relationships" xmlns:p="http://schemas.openxmlformats.org/presentationml/2006/main">
   <p:cSld>
     <p:spTree>
@@ -16836,7 +17489,7 @@
             <a:fld id="{14CC5C6E-26B5-4455-A24E-CC8AA8460F8B}" type="slidenum">
               <a:rPr lang="en-US" altLang="en-US" sz="1400"/>
               <a:pPr eaLnBrk="1" hangingPunct="1"/>
-              <a:t>21</a:t>
+              <a:t>22</a:t>
             </a:fld>
             <a:endParaRPr lang="en-US" altLang="en-US" sz="1400"/>
           </a:p>
@@ -18081,7 +18734,7 @@
 </p:sld>
 </file>
 
-<file path=ppt/slides/slide22.xml><?xml version="1.0" encoding="utf-8"?>
+<file path=ppt/slides/slide23.xml><?xml version="1.0" encoding="utf-8"?>
 <p:sld xmlns:a="http://schemas.openxmlformats.org/drawingml/2006/main" xmlns:r="http://schemas.openxmlformats.org/officeDocument/2006/relationships" xmlns:p="http://schemas.openxmlformats.org/presentationml/2006/main">
   <p:cSld>
     <p:spTree>
@@ -18243,7 +18896,7 @@
             <a:fld id="{14CC5C6E-26B5-4455-A24E-CC8AA8460F8B}" type="slidenum">
               <a:rPr lang="en-US" altLang="en-US" sz="1400"/>
               <a:pPr eaLnBrk="1" hangingPunct="1"/>
-              <a:t>22</a:t>
+              <a:t>23</a:t>
             </a:fld>
             <a:endParaRPr lang="en-US" altLang="en-US" sz="1400"/>
           </a:p>
@@ -19374,7 +20027,7 @@
 </p:sld>
 </file>
 
-<file path=ppt/slides/slide23.xml><?xml version="1.0" encoding="utf-8"?>
+<file path=ppt/slides/slide24.xml><?xml version="1.0" encoding="utf-8"?>
 <p:sld xmlns:a="http://schemas.openxmlformats.org/drawingml/2006/main" xmlns:r="http://schemas.openxmlformats.org/officeDocument/2006/relationships" xmlns:p="http://schemas.openxmlformats.org/presentationml/2006/main">
   <p:cSld>
     <p:spTree>
@@ -19536,7 +20189,7 @@
             <a:fld id="{14CC5C6E-26B5-4455-A24E-CC8AA8460F8B}" type="slidenum">
               <a:rPr lang="en-US" altLang="en-US" sz="1400"/>
               <a:pPr eaLnBrk="1" hangingPunct="1"/>
-              <a:t>23</a:t>
+              <a:t>24</a:t>
             </a:fld>
             <a:endParaRPr lang="en-US" altLang="en-US" sz="1400"/>
           </a:p>
@@ -20377,7 +21030,7 @@
 </p:sld>
 </file>
 
-<file path=ppt/slides/slide24.xml><?xml version="1.0" encoding="utf-8"?>
+<file path=ppt/slides/slide25.xml><?xml version="1.0" encoding="utf-8"?>
 <p:sld xmlns:a="http://schemas.openxmlformats.org/drawingml/2006/main" xmlns:r="http://schemas.openxmlformats.org/officeDocument/2006/relationships" xmlns:p="http://schemas.openxmlformats.org/presentationml/2006/main">
   <p:cSld>
     <p:spTree>
@@ -20539,7 +21192,7 @@
             <a:fld id="{14CC5C6E-26B5-4455-A24E-CC8AA8460F8B}" type="slidenum">
               <a:rPr lang="en-US" altLang="en-US" sz="1400"/>
               <a:pPr eaLnBrk="1" hangingPunct="1"/>
-              <a:t>24</a:t>
+              <a:t>25</a:t>
             </a:fld>
             <a:endParaRPr lang="en-US" altLang="en-US" sz="1400"/>
           </a:p>
@@ -21384,7 +22037,7 @@
 </p:sld>
 </file>
 
-<file path=ppt/slides/slide25.xml><?xml version="1.0" encoding="utf-8"?>
+<file path=ppt/slides/slide26.xml><?xml version="1.0" encoding="utf-8"?>
 <p:sld xmlns:a="http://schemas.openxmlformats.org/drawingml/2006/main" xmlns:r="http://schemas.openxmlformats.org/officeDocument/2006/relationships" xmlns:p="http://schemas.openxmlformats.org/presentationml/2006/main">
   <p:cSld>
     <p:spTree>
@@ -21546,7 +22199,7 @@
             <a:fld id="{14CC5C6E-26B5-4455-A24E-CC8AA8460F8B}" type="slidenum">
               <a:rPr lang="en-US" altLang="en-US" sz="1400"/>
               <a:pPr eaLnBrk="1" hangingPunct="1"/>
-              <a:t>25</a:t>
+              <a:t>26</a:t>
             </a:fld>
             <a:endParaRPr lang="en-US" altLang="en-US" sz="1400"/>
           </a:p>
@@ -22056,7 +22709,7 @@
 </p:sld>
 </file>
 
-<file path=ppt/slides/slide26.xml><?xml version="1.0" encoding="utf-8"?>
+<file path=ppt/slides/slide27.xml><?xml version="1.0" encoding="utf-8"?>
 <p:sld xmlns:a="http://schemas.openxmlformats.org/drawingml/2006/main" xmlns:r="http://schemas.openxmlformats.org/officeDocument/2006/relationships" xmlns:p="http://schemas.openxmlformats.org/presentationml/2006/main">
   <p:cSld>
     <p:spTree>
@@ -22218,7 +22871,7 @@
             <a:fld id="{14CC5C6E-26B5-4455-A24E-CC8AA8460F8B}" type="slidenum">
               <a:rPr lang="en-US" altLang="en-US" sz="1400"/>
               <a:pPr eaLnBrk="1" hangingPunct="1"/>
-              <a:t>26</a:t>
+              <a:t>27</a:t>
             </a:fld>
             <a:endParaRPr lang="en-US" altLang="en-US" sz="1400"/>
           </a:p>
@@ -22797,7 +23450,7 @@
 </p:sld>
 </file>
 
-<file path=ppt/slides/slide27.xml><?xml version="1.0" encoding="utf-8"?>
+<file path=ppt/slides/slide28.xml><?xml version="1.0" encoding="utf-8"?>
 <p:sld xmlns:a="http://schemas.openxmlformats.org/drawingml/2006/main" xmlns:r="http://schemas.openxmlformats.org/officeDocument/2006/relationships" xmlns:p="http://schemas.openxmlformats.org/presentationml/2006/main">
   <p:cSld>
     <p:spTree>
@@ -22959,7 +23612,7 @@
             <a:fld id="{14CC5C6E-26B5-4455-A24E-CC8AA8460F8B}" type="slidenum">
               <a:rPr lang="en-US" altLang="en-US" sz="1400"/>
               <a:pPr eaLnBrk="1" hangingPunct="1"/>
-              <a:t>27</a:t>
+              <a:t>28</a:t>
             </a:fld>
             <a:endParaRPr lang="en-US" altLang="en-US" sz="1400"/>
           </a:p>
@@ -24240,7 +24893,7 @@
 </p:sld>
 </file>
 
-<file path=ppt/slides/slide28.xml><?xml version="1.0" encoding="utf-8"?>
+<file path=ppt/slides/slide29.xml><?xml version="1.0" encoding="utf-8"?>
 <p:sld xmlns:a="http://schemas.openxmlformats.org/drawingml/2006/main" xmlns:r="http://schemas.openxmlformats.org/officeDocument/2006/relationships" xmlns:p="http://schemas.openxmlformats.org/presentationml/2006/main">
   <p:cSld>
     <p:spTree>
@@ -24402,7 +25055,7 @@
             <a:fld id="{14CC5C6E-26B5-4455-A24E-CC8AA8460F8B}" type="slidenum">
               <a:rPr lang="en-US" altLang="en-US" sz="1400"/>
               <a:pPr eaLnBrk="1" hangingPunct="1"/>
-              <a:t>28</a:t>
+              <a:t>29</a:t>
             </a:fld>
             <a:endParaRPr lang="en-US" altLang="en-US" sz="1400"/>
           </a:p>
@@ -24907,7 +25560,1887 @@
 </p:sld>
 </file>
 
-<file path=ppt/slides/slide29.xml><?xml version="1.0" encoding="utf-8"?>
+<file path=ppt/slides/slide3.xml><?xml version="1.0" encoding="utf-8"?>
+<p:sld xmlns:a="http://schemas.openxmlformats.org/drawingml/2006/main" xmlns:r="http://schemas.openxmlformats.org/officeDocument/2006/relationships" xmlns:p="http://schemas.openxmlformats.org/presentationml/2006/main">
+  <p:cSld>
+    <p:bg>
+      <p:bgPr>
+        <a:solidFill>
+          <a:schemeClr val="bg1"/>
+        </a:solidFill>
+        <a:effectLst/>
+      </p:bgPr>
+    </p:bg>
+    <p:spTree>
+      <p:nvGrpSpPr>
+        <p:cNvPr id="1" name=""/>
+        <p:cNvGrpSpPr/>
+        <p:nvPr/>
+      </p:nvGrpSpPr>
+      <p:grpSpPr>
+        <a:xfrm>
+          <a:off x="0" y="0"/>
+          <a:ext cx="0" cy="0"/>
+          <a:chOff x="0" y="0"/>
+          <a:chExt cx="0" cy="0"/>
+        </a:xfrm>
+      </p:grpSpPr>
+      <p:sp useBgFill="1">
+        <p:nvSpPr>
+          <p:cNvPr id="73" name="Rectangle 72">
+            <a:extLst>
+              <a:ext uri="{FF2B5EF4-FFF2-40B4-BE49-F238E27FC236}">
+                <a16:creationId xmlns:a16="http://schemas.microsoft.com/office/drawing/2014/main" id="{53F29798-D584-4792-9B62-3F5F5C36D619}"/>
+              </a:ext>
+              <a:ext uri="{C183D7F6-B498-43B3-948B-1728B52AA6E4}">
+                <adec:decorative xmlns:adec="http://schemas.microsoft.com/office/drawing/2017/decorative" val="1"/>
+              </a:ext>
+            </a:extLst>
+          </p:cNvPr>
+          <p:cNvSpPr>
+            <a:spLocks noGrp="1" noRot="1" noChangeAspect="1" noMove="1" noResize="1" noEditPoints="1" noAdjustHandles="1" noChangeArrowheads="1" noChangeShapeType="1" noTextEdit="1"/>
+          </p:cNvSpPr>
+          <p:nvPr>
+            <p:extLst>
+              <p:ext uri="{386F3935-93C4-4BCD-93E2-E3B085C9AB24}">
+                <p16:designElem xmlns:p16="http://schemas.microsoft.com/office/powerpoint/2015/main" val="1"/>
+              </p:ext>
+            </p:extLst>
+          </p:nvPr>
+        </p:nvSpPr>
+        <p:spPr>
+          <a:xfrm>
+            <a:off x="0" y="0"/>
+            <a:ext cx="9141714" cy="6858000"/>
+          </a:xfrm>
+          <a:prstGeom prst="rect">
+            <a:avLst/>
+          </a:prstGeom>
+          <a:ln>
+            <a:noFill/>
+          </a:ln>
+        </p:spPr>
+        <p:style>
+          <a:lnRef idx="2">
+            <a:schemeClr val="accent1">
+              <a:shade val="50000"/>
+            </a:schemeClr>
+          </a:lnRef>
+          <a:fillRef idx="1">
+            <a:schemeClr val="accent1"/>
+          </a:fillRef>
+          <a:effectRef idx="0">
+            <a:schemeClr val="accent1"/>
+          </a:effectRef>
+          <a:fontRef idx="minor">
+            <a:schemeClr val="lt1"/>
+          </a:fontRef>
+        </p:style>
+        <p:txBody>
+          <a:bodyPr rtlCol="0" anchor="ctr"/>
+          <a:lstStyle/>
+          <a:p>
+            <a:pPr algn="ctr"/>
+            <a:endParaRPr lang="en-US"/>
+          </a:p>
+        </p:txBody>
+      </p:sp>
+      <p:sp>
+        <p:nvSpPr>
+          <p:cNvPr id="3076" name="Rectangle 1026"/>
+          <p:cNvSpPr>
+            <a:spLocks noGrp="1" noChangeArrowheads="1"/>
+          </p:cNvSpPr>
+          <p:nvPr>
+            <p:ph type="ctrTitle"/>
+          </p:nvPr>
+        </p:nvSpPr>
+        <p:spPr>
+          <a:xfrm>
+            <a:off x="628650" y="184805"/>
+            <a:ext cx="7886700" cy="1505883"/>
+          </a:xfrm>
+        </p:spPr>
+        <p:txBody>
+          <a:bodyPr vert="horz" lIns="91440" tIns="45720" rIns="91440" bIns="45720" rtlCol="0" anchor="ctr">
+            <a:normAutofit/>
+          </a:bodyPr>
+          <a:lstStyle/>
+          <a:p>
+            <a:pPr algn="l"/>
+            <a:r>
+              <a:rPr lang="en-US" altLang="en-US" sz="3100" i="1" u="sng" kern="1200">
+                <a:solidFill>
+                  <a:schemeClr val="tx1"/>
+                </a:solidFill>
+                <a:latin typeface="+mj-lt"/>
+                <a:ea typeface="+mj-ea"/>
+                <a:cs typeface="+mj-cs"/>
+              </a:rPr>
+              <a:t>Danh sách thành viên và phân công nhiệm vụ:</a:t>
+            </a:r>
+            <a:br>
+              <a:rPr lang="en-US" altLang="en-US" sz="3100" i="1" kern="1200">
+                <a:solidFill>
+                  <a:schemeClr val="tx1"/>
+                </a:solidFill>
+                <a:latin typeface="+mj-lt"/>
+                <a:ea typeface="+mj-ea"/>
+                <a:cs typeface="+mj-cs"/>
+              </a:rPr>
+            </a:br>
+            <a:endParaRPr lang="en-US" altLang="en-US" sz="3100" kern="1200">
+              <a:solidFill>
+                <a:schemeClr val="tx1"/>
+              </a:solidFill>
+              <a:latin typeface="+mj-lt"/>
+              <a:ea typeface="+mj-ea"/>
+              <a:cs typeface="+mj-cs"/>
+            </a:endParaRPr>
+          </a:p>
+        </p:txBody>
+      </p:sp>
+      <p:graphicFrame>
+        <p:nvGraphicFramePr>
+          <p:cNvPr id="5" name="Table 4">
+            <a:extLst>
+              <a:ext uri="{FF2B5EF4-FFF2-40B4-BE49-F238E27FC236}">
+                <a16:creationId xmlns:a16="http://schemas.microsoft.com/office/drawing/2014/main" id="{A2EDD6A7-62DF-4250-A552-107431F4C546}"/>
+              </a:ext>
+            </a:extLst>
+          </p:cNvPr>
+          <p:cNvGraphicFramePr>
+            <a:graphicFrameLocks noGrp="1"/>
+          </p:cNvGraphicFramePr>
+          <p:nvPr>
+            <p:extLst>
+              <p:ext uri="{D42A27DB-BD31-4B8C-83A1-F6EECF244321}">
+                <p14:modId xmlns:p14="http://schemas.microsoft.com/office/powerpoint/2010/main" val="3506069457"/>
+              </p:ext>
+            </p:extLst>
+          </p:nvPr>
+        </p:nvGraphicFramePr>
+        <p:xfrm>
+          <a:off x="628650" y="2268214"/>
+          <a:ext cx="7884411" cy="3426388"/>
+        </p:xfrm>
+        <a:graphic>
+          <a:graphicData uri="http://schemas.openxmlformats.org/drawingml/2006/table">
+            <a:tbl>
+              <a:tblPr firstRow="1" firstCol="1" bandRow="1">
+                <a:noFill/>
+                <a:tableStyleId>{5C22544A-7EE6-4342-B048-85BDC9FD1C3A}</a:tableStyleId>
+              </a:tblPr>
+              <a:tblGrid>
+                <a:gridCol w="2491602">
+                  <a:extLst>
+                    <a:ext uri="{9D8B030D-6E8A-4147-A177-3AD203B41FA5}">
+                      <a16:colId xmlns:a16="http://schemas.microsoft.com/office/drawing/2014/main" val="771152473"/>
+                    </a:ext>
+                  </a:extLst>
+                </a:gridCol>
+                <a:gridCol w="1716916">
+                  <a:extLst>
+                    <a:ext uri="{9D8B030D-6E8A-4147-A177-3AD203B41FA5}">
+                      <a16:colId xmlns:a16="http://schemas.microsoft.com/office/drawing/2014/main" val="3476306828"/>
+                    </a:ext>
+                  </a:extLst>
+                </a:gridCol>
+                <a:gridCol w="3675893">
+                  <a:extLst>
+                    <a:ext uri="{9D8B030D-6E8A-4147-A177-3AD203B41FA5}">
+                      <a16:colId xmlns:a16="http://schemas.microsoft.com/office/drawing/2014/main" val="3289834296"/>
+                    </a:ext>
+                  </a:extLst>
+                </a:gridCol>
+              </a:tblGrid>
+              <a:tr h="561208">
+                <a:tc>
+                  <a:txBody>
+                    <a:bodyPr/>
+                    <a:lstStyle/>
+                    <a:p>
+                      <a:pPr marL="0" marR="0" algn="ctr">
+                        <a:lnSpc>
+                          <a:spcPct val="120000"/>
+                        </a:lnSpc>
+                        <a:spcBef>
+                          <a:spcPts val="600"/>
+                        </a:spcBef>
+                        <a:spcAft>
+                          <a:spcPts val="600"/>
+                        </a:spcAft>
+                      </a:pPr>
+                      <a:r>
+                        <a:rPr lang="en-US" sz="1700" b="1">
+                          <a:solidFill>
+                            <a:schemeClr val="tx1">
+                              <a:lumMod val="75000"/>
+                              <a:lumOff val="25000"/>
+                            </a:schemeClr>
+                          </a:solidFill>
+                          <a:effectLst/>
+                        </a:rPr>
+                        <a:t>Thành viên</a:t>
+                      </a:r>
+                      <a:endParaRPr lang="en-US" sz="1700" b="1">
+                        <a:solidFill>
+                          <a:schemeClr val="tx1">
+                            <a:lumMod val="75000"/>
+                            <a:lumOff val="25000"/>
+                          </a:schemeClr>
+                        </a:solidFill>
+                        <a:effectLst/>
+                        <a:latin typeface="Cambria" panose="02040503050406030204" pitchFamily="18" charset="0"/>
+                        <a:ea typeface="Times New Roman" panose="02020603050405020304" pitchFamily="18" charset="0"/>
+                        <a:cs typeface="Times New Roman" panose="02020603050405020304" pitchFamily="18" charset="0"/>
+                      </a:endParaRPr>
+                    </a:p>
+                  </a:txBody>
+                  <a:tcPr marL="210365" marR="126219" marT="126219" marB="126219">
+                    <a:lnL w="12700" cmpd="sng">
+                      <a:noFill/>
+                      <a:prstDash val="solid"/>
+                    </a:lnL>
+                    <a:lnR w="12700" cmpd="sng">
+                      <a:noFill/>
+                      <a:prstDash val="solid"/>
+                    </a:lnR>
+                    <a:lnT w="19050" cap="flat" cmpd="sng" algn="ctr">
+                      <a:solidFill>
+                        <a:srgbClr val="8F9A9D">
+                          <a:alpha val="60000"/>
+                        </a:srgbClr>
+                      </a:solidFill>
+                      <a:prstDash val="solid"/>
+                    </a:lnT>
+                    <a:lnB w="12700" cmpd="sng">
+                      <a:noFill/>
+                      <a:prstDash val="solid"/>
+                    </a:lnB>
+                    <a:noFill/>
+                  </a:tcPr>
+                </a:tc>
+                <a:tc>
+                  <a:txBody>
+                    <a:bodyPr/>
+                    <a:lstStyle/>
+                    <a:p>
+                      <a:pPr marL="0" marR="0" algn="ctr">
+                        <a:lnSpc>
+                          <a:spcPct val="120000"/>
+                        </a:lnSpc>
+                        <a:spcBef>
+                          <a:spcPts val="600"/>
+                        </a:spcBef>
+                        <a:spcAft>
+                          <a:spcPts val="600"/>
+                        </a:spcAft>
+                      </a:pPr>
+                      <a:r>
+                        <a:rPr lang="en-US" sz="1700">
+                          <a:solidFill>
+                            <a:schemeClr val="tx1">
+                              <a:lumMod val="75000"/>
+                              <a:lumOff val="25000"/>
+                            </a:schemeClr>
+                          </a:solidFill>
+                          <a:effectLst/>
+                        </a:rPr>
+                        <a:t>MSSV</a:t>
+                      </a:r>
+                      <a:endParaRPr lang="en-US" sz="1700">
+                        <a:solidFill>
+                          <a:schemeClr val="tx1">
+                            <a:lumMod val="75000"/>
+                            <a:lumOff val="25000"/>
+                          </a:schemeClr>
+                        </a:solidFill>
+                        <a:effectLst/>
+                        <a:latin typeface="Cambria" panose="02040503050406030204" pitchFamily="18" charset="0"/>
+                        <a:ea typeface="Times New Roman" panose="02020603050405020304" pitchFamily="18" charset="0"/>
+                        <a:cs typeface="Times New Roman" panose="02020603050405020304" pitchFamily="18" charset="0"/>
+                      </a:endParaRPr>
+                    </a:p>
+                  </a:txBody>
+                  <a:tcPr marL="210365" marR="126219" marT="126219" marB="126219">
+                    <a:lnL w="12700" cmpd="sng">
+                      <a:noFill/>
+                      <a:prstDash val="solid"/>
+                    </a:lnL>
+                    <a:lnR w="12700" cmpd="sng">
+                      <a:noFill/>
+                      <a:prstDash val="solid"/>
+                    </a:lnR>
+                    <a:lnT w="19050" cap="flat" cmpd="sng" algn="ctr">
+                      <a:solidFill>
+                        <a:srgbClr val="8F9A9D">
+                          <a:alpha val="60000"/>
+                        </a:srgbClr>
+                      </a:solidFill>
+                      <a:prstDash val="solid"/>
+                    </a:lnT>
+                    <a:lnB w="12700" cmpd="sng">
+                      <a:noFill/>
+                      <a:prstDash val="solid"/>
+                    </a:lnB>
+                    <a:noFill/>
+                  </a:tcPr>
+                </a:tc>
+                <a:tc>
+                  <a:txBody>
+                    <a:bodyPr/>
+                    <a:lstStyle/>
+                    <a:p>
+                      <a:pPr marL="0" marR="0" algn="ctr">
+                        <a:lnSpc>
+                          <a:spcPct val="120000"/>
+                        </a:lnSpc>
+                        <a:spcBef>
+                          <a:spcPts val="600"/>
+                        </a:spcBef>
+                        <a:spcAft>
+                          <a:spcPts val="600"/>
+                        </a:spcAft>
+                      </a:pPr>
+                      <a:r>
+                        <a:rPr lang="en-US" sz="1700">
+                          <a:solidFill>
+                            <a:schemeClr val="tx1">
+                              <a:lumMod val="75000"/>
+                              <a:lumOff val="25000"/>
+                            </a:schemeClr>
+                          </a:solidFill>
+                          <a:effectLst/>
+                        </a:rPr>
+                        <a:t>Nhiệm vụ</a:t>
+                      </a:r>
+                      <a:endParaRPr lang="en-US" sz="1700">
+                        <a:solidFill>
+                          <a:schemeClr val="tx1">
+                            <a:lumMod val="75000"/>
+                            <a:lumOff val="25000"/>
+                          </a:schemeClr>
+                        </a:solidFill>
+                        <a:effectLst/>
+                        <a:latin typeface="Cambria" panose="02040503050406030204" pitchFamily="18" charset="0"/>
+                        <a:ea typeface="Times New Roman" panose="02020603050405020304" pitchFamily="18" charset="0"/>
+                        <a:cs typeface="Times New Roman" panose="02020603050405020304" pitchFamily="18" charset="0"/>
+                      </a:endParaRPr>
+                    </a:p>
+                  </a:txBody>
+                  <a:tcPr marL="210365" marR="126219" marT="126219" marB="126219">
+                    <a:lnL w="12700" cmpd="sng">
+                      <a:noFill/>
+                      <a:prstDash val="solid"/>
+                    </a:lnL>
+                    <a:lnR w="12700" cmpd="sng">
+                      <a:noFill/>
+                      <a:prstDash val="solid"/>
+                    </a:lnR>
+                    <a:lnT w="19050" cap="flat" cmpd="sng" algn="ctr">
+                      <a:solidFill>
+                        <a:srgbClr val="8F9A9D">
+                          <a:alpha val="60000"/>
+                        </a:srgbClr>
+                      </a:solidFill>
+                      <a:prstDash val="solid"/>
+                    </a:lnT>
+                    <a:lnB w="12700" cmpd="sng">
+                      <a:noFill/>
+                      <a:prstDash val="solid"/>
+                    </a:lnB>
+                    <a:noFill/>
+                  </a:tcPr>
+                </a:tc>
+                <a:extLst>
+                  <a:ext uri="{0D108BD9-81ED-4DB2-BD59-A6C34878D82A}">
+                    <a16:rowId xmlns:a16="http://schemas.microsoft.com/office/drawing/2014/main" val="1575922515"/>
+                  </a:ext>
+                </a:extLst>
+              </a:tr>
+              <a:tr h="701978">
+                <a:tc>
+                  <a:txBody>
+                    <a:bodyPr/>
+                    <a:lstStyle/>
+                    <a:p>
+                      <a:pPr marL="0" marR="0" lvl="0" indent="0" algn="just" defTabSz="914400" rtl="0" eaLnBrk="1" fontAlgn="auto" latinLnBrk="0" hangingPunct="1">
+                        <a:lnSpc>
+                          <a:spcPct val="120000"/>
+                        </a:lnSpc>
+                        <a:spcBef>
+                          <a:spcPts val="600"/>
+                        </a:spcBef>
+                        <a:spcAft>
+                          <a:spcPts val="600"/>
+                        </a:spcAft>
+                        <a:buClrTx/>
+                        <a:buSzTx/>
+                        <a:buFontTx/>
+                        <a:buNone/>
+                        <a:tabLst/>
+                        <a:defRPr/>
+                      </a:pPr>
+                      <a:r>
+                        <a:rPr lang="vi-VN" sz="1300" b="1">
+                          <a:solidFill>
+                            <a:schemeClr val="tx1">
+                              <a:lumMod val="75000"/>
+                              <a:lumOff val="25000"/>
+                            </a:schemeClr>
+                          </a:solidFill>
+                          <a:effectLst/>
+                        </a:rPr>
+                        <a:t>Nguyễn Trường Giang</a:t>
+                      </a:r>
+                      <a:endParaRPr lang="en-US" sz="1300" b="1">
+                        <a:solidFill>
+                          <a:schemeClr val="tx1">
+                            <a:lumMod val="75000"/>
+                            <a:lumOff val="25000"/>
+                          </a:schemeClr>
+                        </a:solidFill>
+                        <a:effectLst/>
+                        <a:latin typeface="Cambria" panose="02040503050406030204" pitchFamily="18" charset="0"/>
+                        <a:ea typeface="Times New Roman" panose="02020603050405020304" pitchFamily="18" charset="0"/>
+                        <a:cs typeface="Times New Roman" panose="02020603050405020304" pitchFamily="18" charset="0"/>
+                      </a:endParaRPr>
+                    </a:p>
+                  </a:txBody>
+                  <a:tcPr marL="210365" marR="109390" marT="109390" marB="109390">
+                    <a:lnL w="12700" cmpd="sng">
+                      <a:noFill/>
+                      <a:prstDash val="solid"/>
+                    </a:lnL>
+                    <a:lnR w="19050" cap="flat" cmpd="sng" algn="ctr">
+                      <a:solidFill>
+                        <a:srgbClr val="FFFFFF"/>
+                      </a:solidFill>
+                      <a:prstDash val="solid"/>
+                    </a:lnR>
+                    <a:lnT w="12700" cmpd="sng">
+                      <a:noFill/>
+                      <a:prstDash val="solid"/>
+                    </a:lnT>
+                    <a:lnB w="12700" cmpd="sng">
+                      <a:noFill/>
+                      <a:prstDash val="solid"/>
+                    </a:lnB>
+                    <a:solidFill>
+                      <a:srgbClr val="B4BCBE">
+                        <a:alpha val="20000"/>
+                      </a:srgbClr>
+                    </a:solidFill>
+                  </a:tcPr>
+                </a:tc>
+                <a:tc>
+                  <a:txBody>
+                    <a:bodyPr/>
+                    <a:lstStyle/>
+                    <a:p>
+                      <a:pPr marL="0" marR="0" algn="ctr">
+                        <a:lnSpc>
+                          <a:spcPct val="120000"/>
+                        </a:lnSpc>
+                        <a:spcBef>
+                          <a:spcPts val="600"/>
+                        </a:spcBef>
+                        <a:spcAft>
+                          <a:spcPts val="600"/>
+                        </a:spcAft>
+                      </a:pPr>
+                      <a:r>
+                        <a:rPr lang="vi-VN" sz="1300">
+                          <a:solidFill>
+                            <a:schemeClr val="tx1">
+                              <a:lumMod val="75000"/>
+                              <a:lumOff val="25000"/>
+                            </a:schemeClr>
+                          </a:solidFill>
+                          <a:effectLst/>
+                        </a:rPr>
+                        <a:t>20173083</a:t>
+                      </a:r>
+                      <a:endParaRPr lang="en-US" sz="1300">
+                        <a:solidFill>
+                          <a:schemeClr val="tx1">
+                            <a:lumMod val="75000"/>
+                            <a:lumOff val="25000"/>
+                          </a:schemeClr>
+                        </a:solidFill>
+                        <a:effectLst/>
+                        <a:latin typeface="Cambria" panose="02040503050406030204" pitchFamily="18" charset="0"/>
+                        <a:ea typeface="Times New Roman" panose="02020603050405020304" pitchFamily="18" charset="0"/>
+                        <a:cs typeface="Times New Roman" panose="02020603050405020304" pitchFamily="18" charset="0"/>
+                      </a:endParaRPr>
+                    </a:p>
+                  </a:txBody>
+                  <a:tcPr marL="210365" marR="109390" marT="109390" marB="109390">
+                    <a:lnL w="19050" cap="flat" cmpd="sng" algn="ctr">
+                      <a:solidFill>
+                        <a:srgbClr val="FFFFFF"/>
+                      </a:solidFill>
+                      <a:prstDash val="solid"/>
+                    </a:lnL>
+                    <a:lnR w="12700" cmpd="sng">
+                      <a:noFill/>
+                      <a:prstDash val="solid"/>
+                    </a:lnR>
+                    <a:lnT w="12700" cmpd="sng">
+                      <a:noFill/>
+                      <a:prstDash val="solid"/>
+                    </a:lnT>
+                    <a:lnB w="19050" cap="flat" cmpd="sng" algn="ctr">
+                      <a:solidFill>
+                        <a:srgbClr val="FFFFFF"/>
+                      </a:solidFill>
+                      <a:prstDash val="solid"/>
+                    </a:lnB>
+                    <a:solidFill>
+                      <a:srgbClr val="B4BCBE">
+                        <a:alpha val="34902"/>
+                      </a:srgbClr>
+                    </a:solidFill>
+                  </a:tcPr>
+                </a:tc>
+                <a:tc>
+                  <a:txBody>
+                    <a:bodyPr/>
+                    <a:lstStyle/>
+                    <a:p>
+                      <a:pPr marL="0" marR="0" lvl="0" indent="0" algn="just" defTabSz="914400" rtl="0" eaLnBrk="1" fontAlgn="auto" latinLnBrk="0" hangingPunct="1">
+                        <a:lnSpc>
+                          <a:spcPct val="120000"/>
+                        </a:lnSpc>
+                        <a:spcBef>
+                          <a:spcPts val="600"/>
+                        </a:spcBef>
+                        <a:spcAft>
+                          <a:spcPts val="600"/>
+                        </a:spcAft>
+                        <a:buClrTx/>
+                        <a:buSzTx/>
+                        <a:buFontTx/>
+                        <a:buNone/>
+                        <a:tabLst/>
+                        <a:defRPr/>
+                      </a:pPr>
+                      <a:r>
+                        <a:rPr lang="en-US" sz="1300" err="1">
+                          <a:solidFill>
+                            <a:schemeClr val="tx1">
+                              <a:lumMod val="75000"/>
+                              <a:lumOff val="25000"/>
+                            </a:schemeClr>
+                          </a:solidFill>
+                          <a:effectLst/>
+                        </a:rPr>
+                        <a:t>Các</a:t>
+                      </a:r>
+                      <a:r>
+                        <a:rPr lang="en-US" sz="1300">
+                          <a:solidFill>
+                            <a:schemeClr val="tx1">
+                              <a:lumMod val="75000"/>
+                              <a:lumOff val="25000"/>
+                            </a:schemeClr>
+                          </a:solidFill>
+                          <a:effectLst/>
+                        </a:rPr>
+                        <a:t> </a:t>
+                      </a:r>
+                      <a:r>
+                        <a:rPr lang="en-US" sz="1300" err="1">
+                          <a:solidFill>
+                            <a:schemeClr val="tx1">
+                              <a:lumMod val="75000"/>
+                              <a:lumOff val="25000"/>
+                            </a:schemeClr>
+                          </a:solidFill>
+                          <a:effectLst/>
+                        </a:rPr>
+                        <a:t>vấn</a:t>
+                      </a:r>
+                      <a:r>
+                        <a:rPr lang="en-US" sz="1300">
+                          <a:solidFill>
+                            <a:schemeClr val="tx1">
+                              <a:lumMod val="75000"/>
+                              <a:lumOff val="25000"/>
+                            </a:schemeClr>
+                          </a:solidFill>
+                          <a:effectLst/>
+                        </a:rPr>
+                        <a:t> đề liên quan </a:t>
+                      </a:r>
+                      <a:r>
+                        <a:rPr lang="en-US" sz="1300" err="1">
+                          <a:solidFill>
+                            <a:schemeClr val="tx1">
+                              <a:lumMod val="75000"/>
+                              <a:lumOff val="25000"/>
+                            </a:schemeClr>
+                          </a:solidFill>
+                          <a:effectLst/>
+                        </a:rPr>
+                        <a:t>đến</a:t>
+                      </a:r>
+                      <a:r>
+                        <a:rPr lang="en-US" sz="1300">
+                          <a:solidFill>
+                            <a:schemeClr val="tx1">
+                              <a:lumMod val="75000"/>
+                              <a:lumOff val="25000"/>
+                            </a:schemeClr>
+                          </a:solidFill>
+                          <a:effectLst/>
+                        </a:rPr>
+                        <a:t>  </a:t>
+                      </a:r>
+                      <a:r>
+                        <a:rPr lang="vi-VN" sz="1300" err="1">
+                          <a:solidFill>
+                            <a:schemeClr val="tx1">
+                              <a:lumMod val="75000"/>
+                              <a:lumOff val="25000"/>
+                            </a:schemeClr>
+                          </a:solidFill>
+                          <a:effectLst/>
+                        </a:rPr>
+                        <a:t>Singleton</a:t>
+                      </a:r>
+                      <a:r>
+                        <a:rPr lang="vi-VN" sz="1300">
+                          <a:solidFill>
+                            <a:schemeClr val="tx1">
+                              <a:lumMod val="75000"/>
+                              <a:lumOff val="25000"/>
+                            </a:schemeClr>
+                          </a:solidFill>
+                          <a:effectLst/>
+                        </a:rPr>
+                        <a:t> </a:t>
+                      </a:r>
+                      <a:r>
+                        <a:rPr lang="vi-VN" sz="1300" err="1">
+                          <a:solidFill>
+                            <a:schemeClr val="tx1">
+                              <a:lumMod val="75000"/>
+                              <a:lumOff val="25000"/>
+                            </a:schemeClr>
+                          </a:solidFill>
+                          <a:effectLst/>
+                        </a:rPr>
+                        <a:t>pattern</a:t>
+                      </a:r>
+                      <a:r>
+                        <a:rPr lang="vi-VN" sz="1300">
+                          <a:solidFill>
+                            <a:schemeClr val="tx1">
+                              <a:lumMod val="75000"/>
+                              <a:lumOff val="25000"/>
+                            </a:schemeClr>
+                          </a:solidFill>
+                          <a:effectLst/>
+                        </a:rPr>
+                        <a:t> </a:t>
+                      </a:r>
+                      <a:r>
+                        <a:rPr lang="en-US" sz="1300">
+                          <a:solidFill>
+                            <a:schemeClr val="tx1">
+                              <a:lumMod val="75000"/>
+                              <a:lumOff val="25000"/>
+                            </a:schemeClr>
+                          </a:solidFill>
+                          <a:effectLst/>
+                        </a:rPr>
+                        <a:t>và S</a:t>
+                      </a:r>
+                      <a:r>
+                        <a:rPr lang="vi-VN" sz="1300" err="1">
+                          <a:solidFill>
+                            <a:schemeClr val="tx1">
+                              <a:lumMod val="75000"/>
+                              <a:lumOff val="25000"/>
+                            </a:schemeClr>
+                          </a:solidFill>
+                          <a:effectLst/>
+                        </a:rPr>
+                        <a:t>trategy</a:t>
+                      </a:r>
+                      <a:r>
+                        <a:rPr lang="vi-VN" sz="1300">
+                          <a:solidFill>
+                            <a:schemeClr val="tx1">
+                              <a:lumMod val="75000"/>
+                              <a:lumOff val="25000"/>
+                            </a:schemeClr>
+                          </a:solidFill>
+                          <a:effectLst/>
+                        </a:rPr>
+                        <a:t> </a:t>
+                      </a:r>
+                      <a:r>
+                        <a:rPr lang="vi-VN" sz="1300" err="1">
+                          <a:solidFill>
+                            <a:schemeClr val="tx1">
+                              <a:lumMod val="75000"/>
+                              <a:lumOff val="25000"/>
+                            </a:schemeClr>
+                          </a:solidFill>
+                          <a:effectLst/>
+                        </a:rPr>
+                        <a:t>pattern</a:t>
+                      </a:r>
+                      <a:endParaRPr lang="en-US" sz="1300">
+                        <a:solidFill>
+                          <a:schemeClr val="tx1">
+                            <a:lumMod val="75000"/>
+                            <a:lumOff val="25000"/>
+                          </a:schemeClr>
+                        </a:solidFill>
+                        <a:effectLst/>
+                        <a:latin typeface="Cambria" panose="02040503050406030204" pitchFamily="18" charset="0"/>
+                        <a:ea typeface="Times New Roman" panose="02020603050405020304" pitchFamily="18" charset="0"/>
+                        <a:cs typeface="Times New Roman" panose="02020603050405020304" pitchFamily="18" charset="0"/>
+                      </a:endParaRPr>
+                    </a:p>
+                  </a:txBody>
+                  <a:tcPr marL="210365" marR="109390" marT="109390" marB="109390">
+                    <a:lnL w="12700" cmpd="sng">
+                      <a:noFill/>
+                      <a:prstDash val="solid"/>
+                    </a:lnL>
+                    <a:lnR w="12700" cmpd="sng">
+                      <a:noFill/>
+                      <a:prstDash val="solid"/>
+                    </a:lnR>
+                    <a:lnT w="12700" cmpd="sng">
+                      <a:noFill/>
+                      <a:prstDash val="solid"/>
+                    </a:lnT>
+                    <a:lnB w="19050" cap="flat" cmpd="sng" algn="ctr">
+                      <a:solidFill>
+                        <a:srgbClr val="FFFFFF"/>
+                      </a:solidFill>
+                      <a:prstDash val="solid"/>
+                    </a:lnB>
+                    <a:solidFill>
+                      <a:srgbClr val="B4BCBE">
+                        <a:alpha val="34902"/>
+                      </a:srgbClr>
+                    </a:solidFill>
+                  </a:tcPr>
+                </a:tc>
+                <a:extLst>
+                  <a:ext uri="{0D108BD9-81ED-4DB2-BD59-A6C34878D82A}">
+                    <a16:rowId xmlns:a16="http://schemas.microsoft.com/office/drawing/2014/main" val="961989061"/>
+                  </a:ext>
+                </a:extLst>
+              </a:tr>
+              <a:tr h="759246">
+                <a:tc>
+                  <a:txBody>
+                    <a:bodyPr/>
+                    <a:lstStyle/>
+                    <a:p>
+                      <a:pPr marL="0" marR="0" algn="just">
+                        <a:lnSpc>
+                          <a:spcPct val="120000"/>
+                        </a:lnSpc>
+                        <a:spcBef>
+                          <a:spcPts val="600"/>
+                        </a:spcBef>
+                        <a:spcAft>
+                          <a:spcPts val="600"/>
+                        </a:spcAft>
+                      </a:pPr>
+                      <a:r>
+                        <a:rPr lang="vi-VN" sz="1300" b="1">
+                          <a:solidFill>
+                            <a:schemeClr val="tx1">
+                              <a:lumMod val="75000"/>
+                              <a:lumOff val="25000"/>
+                            </a:schemeClr>
+                          </a:solidFill>
+                          <a:effectLst/>
+                        </a:rPr>
+                        <a:t>Đỗ Quang Hiếu</a:t>
+                      </a:r>
+                      <a:endParaRPr lang="en-US" sz="1300" b="1">
+                        <a:solidFill>
+                          <a:schemeClr val="tx1">
+                            <a:lumMod val="75000"/>
+                            <a:lumOff val="25000"/>
+                          </a:schemeClr>
+                        </a:solidFill>
+                        <a:effectLst/>
+                        <a:latin typeface="Cambria" panose="02040503050406030204" pitchFamily="18" charset="0"/>
+                        <a:ea typeface="Times New Roman" panose="02020603050405020304" pitchFamily="18" charset="0"/>
+                        <a:cs typeface="Times New Roman" panose="02020603050405020304" pitchFamily="18" charset="0"/>
+                      </a:endParaRPr>
+                    </a:p>
+                  </a:txBody>
+                  <a:tcPr marL="210365" marR="109390" marT="109390" marB="109390">
+                    <a:lnL w="12700" cmpd="sng">
+                      <a:noFill/>
+                      <a:prstDash val="solid"/>
+                    </a:lnL>
+                    <a:lnR w="19050" cap="flat" cmpd="sng" algn="ctr">
+                      <a:solidFill>
+                        <a:srgbClr val="FFFFFF"/>
+                      </a:solidFill>
+                      <a:prstDash val="solid"/>
+                    </a:lnR>
+                    <a:lnT w="12700" cmpd="sng">
+                      <a:noFill/>
+                      <a:prstDash val="solid"/>
+                    </a:lnT>
+                    <a:lnB w="12700" cmpd="sng">
+                      <a:noFill/>
+                      <a:prstDash val="solid"/>
+                    </a:lnB>
+                    <a:solidFill>
+                      <a:srgbClr val="B4BCBE">
+                        <a:alpha val="20000"/>
+                      </a:srgbClr>
+                    </a:solidFill>
+                  </a:tcPr>
+                </a:tc>
+                <a:tc>
+                  <a:txBody>
+                    <a:bodyPr/>
+                    <a:lstStyle/>
+                    <a:p>
+                      <a:pPr marL="0" marR="0" algn="ctr">
+                        <a:lnSpc>
+                          <a:spcPct val="120000"/>
+                        </a:lnSpc>
+                        <a:spcBef>
+                          <a:spcPts val="600"/>
+                        </a:spcBef>
+                        <a:spcAft>
+                          <a:spcPts val="600"/>
+                        </a:spcAft>
+                      </a:pPr>
+                      <a:r>
+                        <a:rPr lang="vi-VN" sz="1300">
+                          <a:solidFill>
+                            <a:schemeClr val="tx1">
+                              <a:lumMod val="75000"/>
+                              <a:lumOff val="25000"/>
+                            </a:schemeClr>
+                          </a:solidFill>
+                          <a:effectLst/>
+                        </a:rPr>
+                        <a:t>20173108</a:t>
+                      </a:r>
+                      <a:endParaRPr lang="en-US" sz="1300">
+                        <a:solidFill>
+                          <a:schemeClr val="tx1">
+                            <a:lumMod val="75000"/>
+                            <a:lumOff val="25000"/>
+                          </a:schemeClr>
+                        </a:solidFill>
+                        <a:effectLst/>
+                        <a:latin typeface="Cambria" panose="02040503050406030204" pitchFamily="18" charset="0"/>
+                        <a:ea typeface="Times New Roman" panose="02020603050405020304" pitchFamily="18" charset="0"/>
+                        <a:cs typeface="Times New Roman" panose="02020603050405020304" pitchFamily="18" charset="0"/>
+                      </a:endParaRPr>
+                    </a:p>
+                  </a:txBody>
+                  <a:tcPr marL="210365" marR="109390" marT="109390" marB="109390">
+                    <a:lnL w="19050" cap="flat" cmpd="sng" algn="ctr">
+                      <a:solidFill>
+                        <a:srgbClr val="FFFFFF"/>
+                      </a:solidFill>
+                      <a:prstDash val="solid"/>
+                    </a:lnL>
+                    <a:lnR w="12700" cmpd="sng">
+                      <a:noFill/>
+                      <a:prstDash val="solid"/>
+                    </a:lnR>
+                    <a:lnT w="19050" cap="flat" cmpd="sng" algn="ctr">
+                      <a:solidFill>
+                        <a:srgbClr val="FFFFFF"/>
+                      </a:solidFill>
+                      <a:prstDash val="solid"/>
+                    </a:lnT>
+                    <a:lnB w="19050" cap="flat" cmpd="sng" algn="ctr">
+                      <a:solidFill>
+                        <a:srgbClr val="FFFFFF"/>
+                      </a:solidFill>
+                      <a:prstDash val="solid"/>
+                    </a:lnB>
+                    <a:solidFill>
+                      <a:srgbClr val="B4BCBE">
+                        <a:alpha val="34902"/>
+                      </a:srgbClr>
+                    </a:solidFill>
+                  </a:tcPr>
+                </a:tc>
+                <a:tc>
+                  <a:txBody>
+                    <a:bodyPr/>
+                    <a:lstStyle/>
+                    <a:p>
+                      <a:pPr marL="0" marR="0" algn="just">
+                        <a:lnSpc>
+                          <a:spcPct val="120000"/>
+                        </a:lnSpc>
+                        <a:spcBef>
+                          <a:spcPts val="600"/>
+                        </a:spcBef>
+                        <a:spcAft>
+                          <a:spcPts val="600"/>
+                        </a:spcAft>
+                      </a:pPr>
+                      <a:r>
+                        <a:rPr lang="en-US" sz="1300" err="1">
+                          <a:solidFill>
+                            <a:schemeClr val="tx1">
+                              <a:lumMod val="75000"/>
+                              <a:lumOff val="25000"/>
+                            </a:schemeClr>
+                          </a:solidFill>
+                          <a:effectLst/>
+                        </a:rPr>
+                        <a:t>Các</a:t>
+                      </a:r>
+                      <a:r>
+                        <a:rPr lang="en-US" sz="1300">
+                          <a:solidFill>
+                            <a:schemeClr val="tx1">
+                              <a:lumMod val="75000"/>
+                              <a:lumOff val="25000"/>
+                            </a:schemeClr>
+                          </a:solidFill>
+                          <a:effectLst/>
+                        </a:rPr>
+                        <a:t> </a:t>
+                      </a:r>
+                      <a:r>
+                        <a:rPr lang="en-US" sz="1300" err="1">
+                          <a:solidFill>
+                            <a:schemeClr val="tx1">
+                              <a:lumMod val="75000"/>
+                              <a:lumOff val="25000"/>
+                            </a:schemeClr>
+                          </a:solidFill>
+                          <a:effectLst/>
+                        </a:rPr>
+                        <a:t>vấn</a:t>
+                      </a:r>
+                      <a:r>
+                        <a:rPr lang="en-US" sz="1300">
+                          <a:solidFill>
+                            <a:schemeClr val="tx1">
+                              <a:lumMod val="75000"/>
+                              <a:lumOff val="25000"/>
+                            </a:schemeClr>
+                          </a:solidFill>
+                          <a:effectLst/>
+                        </a:rPr>
+                        <a:t> đề C</a:t>
+                      </a:r>
+                      <a:r>
+                        <a:rPr lang="vi-VN" sz="1300" err="1">
+                          <a:solidFill>
+                            <a:schemeClr val="tx1">
+                              <a:lumMod val="75000"/>
+                              <a:lumOff val="25000"/>
+                            </a:schemeClr>
+                          </a:solidFill>
+                          <a:effectLst/>
+                        </a:rPr>
+                        <a:t>lean</a:t>
+                      </a:r>
+                      <a:r>
+                        <a:rPr lang="vi-VN" sz="1300">
+                          <a:solidFill>
+                            <a:schemeClr val="tx1">
+                              <a:lumMod val="75000"/>
+                              <a:lumOff val="25000"/>
+                            </a:schemeClr>
+                          </a:solidFill>
+                          <a:effectLst/>
+                        </a:rPr>
+                        <a:t> </a:t>
+                      </a:r>
+                      <a:r>
+                        <a:rPr lang="vi-VN" sz="1300" err="1">
+                          <a:solidFill>
+                            <a:schemeClr val="tx1">
+                              <a:lumMod val="75000"/>
+                              <a:lumOff val="25000"/>
+                            </a:schemeClr>
+                          </a:solidFill>
+                          <a:effectLst/>
+                        </a:rPr>
+                        <a:t>function</a:t>
+                      </a:r>
+                      <a:r>
+                        <a:rPr lang="vi-VN" sz="1300">
+                          <a:solidFill>
+                            <a:schemeClr val="tx1">
+                              <a:lumMod val="75000"/>
+                              <a:lumOff val="25000"/>
+                            </a:schemeClr>
+                          </a:solidFill>
+                          <a:effectLst/>
+                        </a:rPr>
+                        <a:t>/</a:t>
+                      </a:r>
+                      <a:r>
+                        <a:rPr lang="vi-VN" sz="1300" err="1">
+                          <a:solidFill>
+                            <a:schemeClr val="tx1">
+                              <a:lumMod val="75000"/>
+                              <a:lumOff val="25000"/>
+                            </a:schemeClr>
+                          </a:solidFill>
+                          <a:effectLst/>
+                        </a:rPr>
+                        <a:t>method</a:t>
+                      </a:r>
+                      <a:r>
+                        <a:rPr lang="en-US" sz="1300">
+                          <a:solidFill>
+                            <a:schemeClr val="tx1">
+                              <a:lumMod val="75000"/>
+                              <a:lumOff val="25000"/>
+                            </a:schemeClr>
+                          </a:solidFill>
+                          <a:effectLst/>
+                        </a:rPr>
+                        <a:t>, T</a:t>
+                      </a:r>
+                      <a:r>
+                        <a:rPr lang="vi-VN" sz="1300" err="1">
+                          <a:solidFill>
+                            <a:schemeClr val="tx1">
+                              <a:lumMod val="75000"/>
+                              <a:lumOff val="25000"/>
+                            </a:schemeClr>
+                          </a:solidFill>
+                          <a:effectLst/>
+                        </a:rPr>
+                        <a:t>emplate</a:t>
+                      </a:r>
+                      <a:r>
+                        <a:rPr lang="vi-VN" sz="1300">
+                          <a:solidFill>
+                            <a:schemeClr val="tx1">
+                              <a:lumMod val="75000"/>
+                              <a:lumOff val="25000"/>
+                            </a:schemeClr>
+                          </a:solidFill>
+                          <a:effectLst/>
+                        </a:rPr>
+                        <a:t> </a:t>
+                      </a:r>
+                      <a:r>
+                        <a:rPr lang="vi-VN" sz="1300" err="1">
+                          <a:solidFill>
+                            <a:schemeClr val="tx1">
+                              <a:lumMod val="75000"/>
+                              <a:lumOff val="25000"/>
+                            </a:schemeClr>
+                          </a:solidFill>
+                          <a:effectLst/>
+                        </a:rPr>
+                        <a:t>method</a:t>
+                      </a:r>
+                      <a:r>
+                        <a:rPr lang="vi-VN" sz="1300">
+                          <a:solidFill>
+                            <a:schemeClr val="tx1">
+                              <a:lumMod val="75000"/>
+                              <a:lumOff val="25000"/>
+                            </a:schemeClr>
+                          </a:solidFill>
+                          <a:effectLst/>
+                        </a:rPr>
+                        <a:t> </a:t>
+                      </a:r>
+                      <a:r>
+                        <a:rPr lang="en-US" sz="1300">
+                          <a:solidFill>
+                            <a:schemeClr val="tx1">
+                              <a:lumMod val="75000"/>
+                              <a:lumOff val="25000"/>
+                            </a:schemeClr>
+                          </a:solidFill>
+                          <a:effectLst/>
+                        </a:rPr>
+                        <a:t>và F</a:t>
+                      </a:r>
+                      <a:r>
+                        <a:rPr lang="vi-VN" sz="1300" err="1">
+                          <a:solidFill>
+                            <a:schemeClr val="tx1">
+                              <a:lumMod val="75000"/>
+                              <a:lumOff val="25000"/>
+                            </a:schemeClr>
+                          </a:solidFill>
+                          <a:effectLst/>
+                        </a:rPr>
+                        <a:t>actory</a:t>
+                      </a:r>
+                      <a:r>
+                        <a:rPr lang="vi-VN" sz="1300">
+                          <a:solidFill>
+                            <a:schemeClr val="tx1">
+                              <a:lumMod val="75000"/>
+                              <a:lumOff val="25000"/>
+                            </a:schemeClr>
+                          </a:solidFill>
+                          <a:effectLst/>
+                        </a:rPr>
+                        <a:t> </a:t>
+                      </a:r>
+                      <a:r>
+                        <a:rPr lang="vi-VN" sz="1300" err="1">
+                          <a:solidFill>
+                            <a:schemeClr val="tx1">
+                              <a:lumMod val="75000"/>
+                              <a:lumOff val="25000"/>
+                            </a:schemeClr>
+                          </a:solidFill>
+                          <a:effectLst/>
+                        </a:rPr>
+                        <a:t>method</a:t>
+                      </a:r>
+                      <a:r>
+                        <a:rPr lang="vi-VN" sz="1300">
+                          <a:solidFill>
+                            <a:schemeClr val="tx1">
+                              <a:lumMod val="75000"/>
+                              <a:lumOff val="25000"/>
+                            </a:schemeClr>
+                          </a:solidFill>
+                          <a:effectLst/>
+                        </a:rPr>
+                        <a:t> </a:t>
+                      </a:r>
+                      <a:endParaRPr lang="en-US" sz="1300">
+                        <a:solidFill>
+                          <a:schemeClr val="tx1">
+                            <a:lumMod val="75000"/>
+                            <a:lumOff val="25000"/>
+                          </a:schemeClr>
+                        </a:solidFill>
+                        <a:effectLst/>
+                        <a:latin typeface="Cambria" panose="02040503050406030204" pitchFamily="18" charset="0"/>
+                        <a:ea typeface="Times New Roman" panose="02020603050405020304" pitchFamily="18" charset="0"/>
+                        <a:cs typeface="Times New Roman" panose="02020603050405020304" pitchFamily="18" charset="0"/>
+                      </a:endParaRPr>
+                    </a:p>
+                  </a:txBody>
+                  <a:tcPr marL="210365" marR="109390" marT="109390" marB="109390">
+                    <a:lnL w="12700" cmpd="sng">
+                      <a:noFill/>
+                      <a:prstDash val="solid"/>
+                    </a:lnL>
+                    <a:lnR w="12700" cmpd="sng">
+                      <a:noFill/>
+                      <a:prstDash val="solid"/>
+                    </a:lnR>
+                    <a:lnT w="19050" cap="flat" cmpd="sng" algn="ctr">
+                      <a:solidFill>
+                        <a:srgbClr val="FFFFFF"/>
+                      </a:solidFill>
+                      <a:prstDash val="solid"/>
+                    </a:lnT>
+                    <a:lnB w="19050" cap="flat" cmpd="sng" algn="ctr">
+                      <a:solidFill>
+                        <a:srgbClr val="FFFFFF"/>
+                      </a:solidFill>
+                      <a:prstDash val="solid"/>
+                    </a:lnB>
+                    <a:solidFill>
+                      <a:srgbClr val="B4BCBE">
+                        <a:alpha val="34902"/>
+                      </a:srgbClr>
+                    </a:solidFill>
+                  </a:tcPr>
+                </a:tc>
+                <a:extLst>
+                  <a:ext uri="{0D108BD9-81ED-4DB2-BD59-A6C34878D82A}">
+                    <a16:rowId xmlns:a16="http://schemas.microsoft.com/office/drawing/2014/main" val="2345155374"/>
+                  </a:ext>
+                </a:extLst>
+              </a:tr>
+              <a:tr h="701978">
+                <a:tc>
+                  <a:txBody>
+                    <a:bodyPr/>
+                    <a:lstStyle/>
+                    <a:p>
+                      <a:pPr marL="0" marR="0" algn="just">
+                        <a:lnSpc>
+                          <a:spcPct val="120000"/>
+                        </a:lnSpc>
+                        <a:spcBef>
+                          <a:spcPts val="600"/>
+                        </a:spcBef>
+                        <a:spcAft>
+                          <a:spcPts val="600"/>
+                        </a:spcAft>
+                      </a:pPr>
+                      <a:r>
+                        <a:rPr lang="vi-VN" sz="1300" b="1">
+                          <a:solidFill>
+                            <a:schemeClr val="tx1">
+                              <a:lumMod val="75000"/>
+                              <a:lumOff val="25000"/>
+                            </a:schemeClr>
+                          </a:solidFill>
+                          <a:effectLst/>
+                        </a:rPr>
+                        <a:t>Nguyễn Văn Trung Hiếu</a:t>
+                      </a:r>
+                      <a:endParaRPr lang="en-US" sz="1300" b="1">
+                        <a:solidFill>
+                          <a:schemeClr val="tx1">
+                            <a:lumMod val="75000"/>
+                            <a:lumOff val="25000"/>
+                          </a:schemeClr>
+                        </a:solidFill>
+                        <a:effectLst/>
+                        <a:latin typeface="Cambria" panose="02040503050406030204" pitchFamily="18" charset="0"/>
+                        <a:ea typeface="Times New Roman" panose="02020603050405020304" pitchFamily="18" charset="0"/>
+                        <a:cs typeface="Times New Roman" panose="02020603050405020304" pitchFamily="18" charset="0"/>
+                      </a:endParaRPr>
+                    </a:p>
+                  </a:txBody>
+                  <a:tcPr marL="210365" marR="109390" marT="109390" marB="109390">
+                    <a:lnL w="12700" cmpd="sng">
+                      <a:noFill/>
+                      <a:prstDash val="solid"/>
+                    </a:lnL>
+                    <a:lnR w="19050" cap="flat" cmpd="sng" algn="ctr">
+                      <a:solidFill>
+                        <a:srgbClr val="FFFFFF"/>
+                      </a:solidFill>
+                      <a:prstDash val="solid"/>
+                    </a:lnR>
+                    <a:lnT w="12700" cmpd="sng">
+                      <a:noFill/>
+                      <a:prstDash val="solid"/>
+                    </a:lnT>
+                    <a:lnB w="12700" cmpd="sng">
+                      <a:noFill/>
+                      <a:prstDash val="solid"/>
+                    </a:lnB>
+                    <a:solidFill>
+                      <a:srgbClr val="B4BCBE">
+                        <a:alpha val="20000"/>
+                      </a:srgbClr>
+                    </a:solidFill>
+                  </a:tcPr>
+                </a:tc>
+                <a:tc>
+                  <a:txBody>
+                    <a:bodyPr/>
+                    <a:lstStyle/>
+                    <a:p>
+                      <a:pPr marL="0" marR="0" algn="ctr">
+                        <a:lnSpc>
+                          <a:spcPct val="120000"/>
+                        </a:lnSpc>
+                        <a:spcBef>
+                          <a:spcPts val="600"/>
+                        </a:spcBef>
+                        <a:spcAft>
+                          <a:spcPts val="600"/>
+                        </a:spcAft>
+                      </a:pPr>
+                      <a:r>
+                        <a:rPr lang="vi-VN" sz="1300">
+                          <a:solidFill>
+                            <a:schemeClr val="tx1">
+                              <a:lumMod val="75000"/>
+                              <a:lumOff val="25000"/>
+                            </a:schemeClr>
+                          </a:solidFill>
+                          <a:effectLst/>
+                        </a:rPr>
+                        <a:t>20173107</a:t>
+                      </a:r>
+                      <a:endParaRPr lang="en-US" sz="1300">
+                        <a:solidFill>
+                          <a:schemeClr val="tx1">
+                            <a:lumMod val="75000"/>
+                            <a:lumOff val="25000"/>
+                          </a:schemeClr>
+                        </a:solidFill>
+                        <a:effectLst/>
+                        <a:latin typeface="Cambria" panose="02040503050406030204" pitchFamily="18" charset="0"/>
+                        <a:ea typeface="Times New Roman" panose="02020603050405020304" pitchFamily="18" charset="0"/>
+                        <a:cs typeface="Times New Roman" panose="02020603050405020304" pitchFamily="18" charset="0"/>
+                      </a:endParaRPr>
+                    </a:p>
+                  </a:txBody>
+                  <a:tcPr marL="210365" marR="109390" marT="109390" marB="109390">
+                    <a:lnL w="19050" cap="flat" cmpd="sng" algn="ctr">
+                      <a:solidFill>
+                        <a:srgbClr val="FFFFFF"/>
+                      </a:solidFill>
+                      <a:prstDash val="solid"/>
+                    </a:lnL>
+                    <a:lnR w="12700" cmpd="sng">
+                      <a:noFill/>
+                      <a:prstDash val="solid"/>
+                    </a:lnR>
+                    <a:lnT w="19050" cap="flat" cmpd="sng" algn="ctr">
+                      <a:solidFill>
+                        <a:srgbClr val="FFFFFF"/>
+                      </a:solidFill>
+                      <a:prstDash val="solid"/>
+                    </a:lnT>
+                    <a:lnB w="19050" cap="flat" cmpd="sng" algn="ctr">
+                      <a:solidFill>
+                        <a:srgbClr val="FFFFFF"/>
+                      </a:solidFill>
+                      <a:prstDash val="solid"/>
+                    </a:lnB>
+                    <a:solidFill>
+                      <a:srgbClr val="B4BCBE">
+                        <a:alpha val="34902"/>
+                      </a:srgbClr>
+                    </a:solidFill>
+                  </a:tcPr>
+                </a:tc>
+                <a:tc>
+                  <a:txBody>
+                    <a:bodyPr/>
+                    <a:lstStyle/>
+                    <a:p>
+                      <a:pPr marL="0" marR="0" algn="just">
+                        <a:lnSpc>
+                          <a:spcPct val="120000"/>
+                        </a:lnSpc>
+                        <a:spcBef>
+                          <a:spcPts val="600"/>
+                        </a:spcBef>
+                        <a:spcAft>
+                          <a:spcPts val="600"/>
+                        </a:spcAft>
+                      </a:pPr>
+                      <a:r>
+                        <a:rPr lang="en-US" sz="1300">
+                          <a:solidFill>
+                            <a:schemeClr val="tx1">
+                              <a:lumMod val="75000"/>
+                              <a:lumOff val="25000"/>
+                            </a:schemeClr>
+                          </a:solidFill>
+                          <a:effectLst/>
+                        </a:rPr>
+                        <a:t>Các vấn đề liên quan đến C</a:t>
+                      </a:r>
+                      <a:r>
+                        <a:rPr lang="vi-VN" sz="1300">
+                          <a:solidFill>
+                            <a:schemeClr val="tx1">
+                              <a:lumMod val="75000"/>
+                              <a:lumOff val="25000"/>
+                            </a:schemeClr>
+                          </a:solidFill>
+                          <a:effectLst/>
+                        </a:rPr>
+                        <a:t>leanclass</a:t>
+                      </a:r>
+                      <a:r>
+                        <a:rPr lang="en-US" sz="1300">
+                          <a:solidFill>
+                            <a:schemeClr val="tx1">
+                              <a:lumMod val="75000"/>
+                              <a:lumOff val="25000"/>
+                            </a:schemeClr>
+                          </a:solidFill>
+                          <a:effectLst/>
+                        </a:rPr>
+                        <a:t>, </a:t>
+                      </a:r>
+                      <a:r>
+                        <a:rPr lang="vi-VN" sz="1300">
+                          <a:solidFill>
+                            <a:schemeClr val="tx1">
+                              <a:lumMod val="75000"/>
+                              <a:lumOff val="25000"/>
+                            </a:schemeClr>
+                          </a:solidFill>
+                          <a:effectLst/>
+                        </a:rPr>
+                        <a:t>cleanName</a:t>
+                      </a:r>
+                      <a:r>
+                        <a:rPr lang="en-US" sz="1300">
+                          <a:solidFill>
+                            <a:schemeClr val="tx1">
+                              <a:lumMod val="75000"/>
+                              <a:lumOff val="25000"/>
+                            </a:schemeClr>
+                          </a:solidFill>
+                          <a:effectLst/>
+                        </a:rPr>
+                        <a:t> và O</a:t>
+                      </a:r>
+                      <a:r>
+                        <a:rPr lang="vi-VN" sz="1300">
+                          <a:solidFill>
+                            <a:schemeClr val="tx1">
+                              <a:lumMod val="75000"/>
+                              <a:lumOff val="25000"/>
+                            </a:schemeClr>
+                          </a:solidFill>
+                          <a:effectLst/>
+                        </a:rPr>
+                        <a:t>bservable pettern</a:t>
+                      </a:r>
+                      <a:endParaRPr lang="en-US" sz="1300">
+                        <a:solidFill>
+                          <a:schemeClr val="tx1">
+                            <a:lumMod val="75000"/>
+                            <a:lumOff val="25000"/>
+                          </a:schemeClr>
+                        </a:solidFill>
+                        <a:effectLst/>
+                        <a:latin typeface="Cambria" panose="02040503050406030204" pitchFamily="18" charset="0"/>
+                        <a:ea typeface="Times New Roman" panose="02020603050405020304" pitchFamily="18" charset="0"/>
+                        <a:cs typeface="Times New Roman" panose="02020603050405020304" pitchFamily="18" charset="0"/>
+                      </a:endParaRPr>
+                    </a:p>
+                  </a:txBody>
+                  <a:tcPr marL="210365" marR="109390" marT="109390" marB="109390">
+                    <a:lnL w="12700" cmpd="sng">
+                      <a:noFill/>
+                      <a:prstDash val="solid"/>
+                    </a:lnL>
+                    <a:lnR w="12700" cmpd="sng">
+                      <a:noFill/>
+                      <a:prstDash val="solid"/>
+                    </a:lnR>
+                    <a:lnT w="19050" cap="flat" cmpd="sng" algn="ctr">
+                      <a:solidFill>
+                        <a:srgbClr val="FFFFFF"/>
+                      </a:solidFill>
+                      <a:prstDash val="solid"/>
+                    </a:lnT>
+                    <a:lnB w="19050" cap="flat" cmpd="sng" algn="ctr">
+                      <a:solidFill>
+                        <a:srgbClr val="FFFFFF"/>
+                      </a:solidFill>
+                      <a:prstDash val="solid"/>
+                    </a:lnB>
+                    <a:solidFill>
+                      <a:srgbClr val="B4BCBE">
+                        <a:alpha val="34902"/>
+                      </a:srgbClr>
+                    </a:solidFill>
+                  </a:tcPr>
+                </a:tc>
+                <a:extLst>
+                  <a:ext uri="{0D108BD9-81ED-4DB2-BD59-A6C34878D82A}">
+                    <a16:rowId xmlns:a16="http://schemas.microsoft.com/office/drawing/2014/main" val="776994908"/>
+                  </a:ext>
+                </a:extLst>
+              </a:tr>
+              <a:tr h="701978">
+                <a:tc>
+                  <a:txBody>
+                    <a:bodyPr/>
+                    <a:lstStyle/>
+                    <a:p>
+                      <a:pPr marL="0" marR="0" algn="just">
+                        <a:lnSpc>
+                          <a:spcPct val="120000"/>
+                        </a:lnSpc>
+                        <a:spcBef>
+                          <a:spcPts val="600"/>
+                        </a:spcBef>
+                        <a:spcAft>
+                          <a:spcPts val="600"/>
+                        </a:spcAft>
+                      </a:pPr>
+                      <a:r>
+                        <a:rPr lang="vi-VN" sz="1300" b="1">
+                          <a:solidFill>
+                            <a:schemeClr val="tx1">
+                              <a:lumMod val="75000"/>
+                              <a:lumOff val="25000"/>
+                            </a:schemeClr>
+                          </a:solidFill>
+                          <a:effectLst/>
+                        </a:rPr>
+                        <a:t>Lê Đức Hải</a:t>
+                      </a:r>
+                      <a:endParaRPr lang="en-US" sz="1300" b="1">
+                        <a:solidFill>
+                          <a:schemeClr val="tx1">
+                            <a:lumMod val="75000"/>
+                            <a:lumOff val="25000"/>
+                          </a:schemeClr>
+                        </a:solidFill>
+                        <a:effectLst/>
+                        <a:latin typeface="Cambria" panose="02040503050406030204" pitchFamily="18" charset="0"/>
+                        <a:ea typeface="Times New Roman" panose="02020603050405020304" pitchFamily="18" charset="0"/>
+                        <a:cs typeface="Times New Roman" panose="02020603050405020304" pitchFamily="18" charset="0"/>
+                      </a:endParaRPr>
+                    </a:p>
+                  </a:txBody>
+                  <a:tcPr marL="210365" marR="109390" marT="109390" marB="109390">
+                    <a:lnL w="12700" cmpd="sng">
+                      <a:noFill/>
+                      <a:prstDash val="solid"/>
+                    </a:lnL>
+                    <a:lnR w="19050" cap="flat" cmpd="sng" algn="ctr">
+                      <a:solidFill>
+                        <a:srgbClr val="FFFFFF"/>
+                      </a:solidFill>
+                      <a:prstDash val="solid"/>
+                    </a:lnR>
+                    <a:lnT w="12700" cmpd="sng">
+                      <a:noFill/>
+                      <a:prstDash val="solid"/>
+                    </a:lnT>
+                    <a:lnB w="12700" cmpd="sng">
+                      <a:noFill/>
+                      <a:prstDash val="solid"/>
+                    </a:lnB>
+                    <a:solidFill>
+                      <a:srgbClr val="B4BCBE">
+                        <a:alpha val="20000"/>
+                      </a:srgbClr>
+                    </a:solidFill>
+                  </a:tcPr>
+                </a:tc>
+                <a:tc>
+                  <a:txBody>
+                    <a:bodyPr/>
+                    <a:lstStyle/>
+                    <a:p>
+                      <a:pPr marL="0" marR="0" algn="ctr">
+                        <a:lnSpc>
+                          <a:spcPct val="120000"/>
+                        </a:lnSpc>
+                        <a:spcBef>
+                          <a:spcPts val="600"/>
+                        </a:spcBef>
+                        <a:spcAft>
+                          <a:spcPts val="600"/>
+                        </a:spcAft>
+                      </a:pPr>
+                      <a:r>
+                        <a:rPr lang="vi-VN" sz="1300">
+                          <a:solidFill>
+                            <a:schemeClr val="tx1">
+                              <a:lumMod val="75000"/>
+                              <a:lumOff val="25000"/>
+                            </a:schemeClr>
+                          </a:solidFill>
+                          <a:effectLst/>
+                        </a:rPr>
+                        <a:t>20173094</a:t>
+                      </a:r>
+                      <a:endParaRPr lang="en-US" sz="1300">
+                        <a:solidFill>
+                          <a:schemeClr val="tx1">
+                            <a:lumMod val="75000"/>
+                            <a:lumOff val="25000"/>
+                          </a:schemeClr>
+                        </a:solidFill>
+                        <a:effectLst/>
+                        <a:latin typeface="Cambria" panose="02040503050406030204" pitchFamily="18" charset="0"/>
+                        <a:ea typeface="Times New Roman" panose="02020603050405020304" pitchFamily="18" charset="0"/>
+                        <a:cs typeface="Times New Roman" panose="02020603050405020304" pitchFamily="18" charset="0"/>
+                      </a:endParaRPr>
+                    </a:p>
+                  </a:txBody>
+                  <a:tcPr marL="210365" marR="109390" marT="109390" marB="109390">
+                    <a:lnL w="19050" cap="flat" cmpd="sng" algn="ctr">
+                      <a:solidFill>
+                        <a:srgbClr val="FFFFFF"/>
+                      </a:solidFill>
+                      <a:prstDash val="solid"/>
+                    </a:lnL>
+                    <a:lnR w="12700" cmpd="sng">
+                      <a:noFill/>
+                      <a:prstDash val="solid"/>
+                    </a:lnR>
+                    <a:lnT w="19050" cap="flat" cmpd="sng" algn="ctr">
+                      <a:solidFill>
+                        <a:srgbClr val="FFFFFF"/>
+                      </a:solidFill>
+                      <a:prstDash val="solid"/>
+                    </a:lnT>
+                    <a:lnB w="19050" cap="flat" cmpd="sng" algn="ctr">
+                      <a:solidFill>
+                        <a:srgbClr val="FFFFFF"/>
+                      </a:solidFill>
+                      <a:prstDash val="solid"/>
+                    </a:lnB>
+                    <a:solidFill>
+                      <a:srgbClr val="B4BCBE">
+                        <a:alpha val="34902"/>
+                      </a:srgbClr>
+                    </a:solidFill>
+                  </a:tcPr>
+                </a:tc>
+                <a:tc>
+                  <a:txBody>
+                    <a:bodyPr/>
+                    <a:lstStyle/>
+                    <a:p>
+                      <a:pPr marL="0" marR="0" algn="just">
+                        <a:lnSpc>
+                          <a:spcPct val="120000"/>
+                        </a:lnSpc>
+                        <a:spcBef>
+                          <a:spcPts val="600"/>
+                        </a:spcBef>
+                        <a:spcAft>
+                          <a:spcPts val="600"/>
+                        </a:spcAft>
+                      </a:pPr>
+                      <a:r>
+                        <a:rPr lang="en-US" sz="1300" err="1">
+                          <a:solidFill>
+                            <a:schemeClr val="tx1">
+                              <a:lumMod val="75000"/>
+                              <a:lumOff val="25000"/>
+                            </a:schemeClr>
+                          </a:solidFill>
+                          <a:effectLst/>
+                        </a:rPr>
+                        <a:t>Các</a:t>
+                      </a:r>
+                      <a:r>
+                        <a:rPr lang="en-US" sz="1300">
+                          <a:solidFill>
+                            <a:schemeClr val="tx1">
+                              <a:lumMod val="75000"/>
+                              <a:lumOff val="25000"/>
+                            </a:schemeClr>
+                          </a:solidFill>
+                          <a:effectLst/>
+                        </a:rPr>
+                        <a:t> </a:t>
+                      </a:r>
+                      <a:r>
+                        <a:rPr lang="en-US" sz="1300" err="1">
+                          <a:solidFill>
+                            <a:schemeClr val="tx1">
+                              <a:lumMod val="75000"/>
+                              <a:lumOff val="25000"/>
+                            </a:schemeClr>
+                          </a:solidFill>
+                          <a:effectLst/>
+                        </a:rPr>
+                        <a:t>vấn</a:t>
+                      </a:r>
+                      <a:r>
+                        <a:rPr lang="en-US" sz="1300">
+                          <a:solidFill>
+                            <a:schemeClr val="tx1">
+                              <a:lumMod val="75000"/>
+                              <a:lumOff val="25000"/>
+                            </a:schemeClr>
+                          </a:solidFill>
+                          <a:effectLst/>
+                        </a:rPr>
+                        <a:t> đề liên quan </a:t>
+                      </a:r>
+                      <a:r>
+                        <a:rPr lang="en-US" sz="1300" err="1">
+                          <a:solidFill>
+                            <a:schemeClr val="tx1">
+                              <a:lumMod val="75000"/>
+                              <a:lumOff val="25000"/>
+                            </a:schemeClr>
+                          </a:solidFill>
+                          <a:effectLst/>
+                        </a:rPr>
+                        <a:t>đến</a:t>
+                      </a:r>
+                      <a:r>
+                        <a:rPr lang="en-US" sz="1300">
+                          <a:solidFill>
+                            <a:schemeClr val="tx1">
+                              <a:lumMod val="75000"/>
+                              <a:lumOff val="25000"/>
+                            </a:schemeClr>
+                          </a:solidFill>
+                          <a:effectLst/>
+                        </a:rPr>
+                        <a:t> S</a:t>
+                      </a:r>
+                      <a:r>
+                        <a:rPr lang="vi-VN" sz="1300" err="1">
+                          <a:solidFill>
+                            <a:schemeClr val="tx1">
+                              <a:lumMod val="75000"/>
+                              <a:lumOff val="25000"/>
+                            </a:schemeClr>
+                          </a:solidFill>
+                          <a:effectLst/>
+                        </a:rPr>
+                        <a:t>tate</a:t>
+                      </a:r>
+                      <a:r>
+                        <a:rPr lang="vi-VN" sz="1300">
+                          <a:solidFill>
+                            <a:schemeClr val="tx1">
+                              <a:lumMod val="75000"/>
+                              <a:lumOff val="25000"/>
+                            </a:schemeClr>
+                          </a:solidFill>
+                          <a:effectLst/>
+                        </a:rPr>
+                        <a:t> </a:t>
+                      </a:r>
+                      <a:r>
+                        <a:rPr lang="vi-VN" sz="1300" err="1">
+                          <a:solidFill>
+                            <a:schemeClr val="tx1">
+                              <a:lumMod val="75000"/>
+                              <a:lumOff val="25000"/>
+                            </a:schemeClr>
+                          </a:solidFill>
+                          <a:effectLst/>
+                        </a:rPr>
+                        <a:t>pattern</a:t>
+                      </a:r>
+                      <a:r>
+                        <a:rPr lang="vi-VN" sz="1300">
+                          <a:solidFill>
+                            <a:schemeClr val="tx1">
+                              <a:lumMod val="75000"/>
+                              <a:lumOff val="25000"/>
+                            </a:schemeClr>
+                          </a:solidFill>
+                          <a:effectLst/>
+                        </a:rPr>
+                        <a:t> </a:t>
+                      </a:r>
+                      <a:r>
+                        <a:rPr lang="en-US" sz="1300">
+                          <a:solidFill>
+                            <a:schemeClr val="tx1">
+                              <a:lumMod val="75000"/>
+                              <a:lumOff val="25000"/>
+                            </a:schemeClr>
+                          </a:solidFill>
+                          <a:effectLst/>
+                        </a:rPr>
+                        <a:t>và A</a:t>
+                      </a:r>
+                      <a:r>
+                        <a:rPr lang="vi-VN" sz="1300" err="1">
+                          <a:solidFill>
+                            <a:schemeClr val="tx1">
+                              <a:lumMod val="75000"/>
+                              <a:lumOff val="25000"/>
+                            </a:schemeClr>
+                          </a:solidFill>
+                          <a:effectLst/>
+                        </a:rPr>
+                        <a:t>dapter</a:t>
+                      </a:r>
+                      <a:r>
+                        <a:rPr lang="vi-VN" sz="1300">
+                          <a:solidFill>
+                            <a:schemeClr val="tx1">
+                              <a:lumMod val="75000"/>
+                              <a:lumOff val="25000"/>
+                            </a:schemeClr>
+                          </a:solidFill>
+                          <a:effectLst/>
+                        </a:rPr>
+                        <a:t> </a:t>
+                      </a:r>
+                      <a:r>
+                        <a:rPr lang="vi-VN" sz="1300" err="1">
+                          <a:solidFill>
+                            <a:schemeClr val="tx1">
+                              <a:lumMod val="75000"/>
+                              <a:lumOff val="25000"/>
+                            </a:schemeClr>
+                          </a:solidFill>
+                          <a:effectLst/>
+                        </a:rPr>
+                        <a:t>pattern</a:t>
+                      </a:r>
+                      <a:endParaRPr lang="en-US" sz="1300">
+                        <a:solidFill>
+                          <a:schemeClr val="tx1">
+                            <a:lumMod val="75000"/>
+                            <a:lumOff val="25000"/>
+                          </a:schemeClr>
+                        </a:solidFill>
+                        <a:effectLst/>
+                        <a:latin typeface="Cambria" panose="02040503050406030204" pitchFamily="18" charset="0"/>
+                        <a:ea typeface="Times New Roman" panose="02020603050405020304" pitchFamily="18" charset="0"/>
+                        <a:cs typeface="Times New Roman" panose="02020603050405020304" pitchFamily="18" charset="0"/>
+                      </a:endParaRPr>
+                    </a:p>
+                  </a:txBody>
+                  <a:tcPr marL="210365" marR="109390" marT="109390" marB="109390">
+                    <a:lnL w="12700" cmpd="sng">
+                      <a:noFill/>
+                      <a:prstDash val="solid"/>
+                    </a:lnL>
+                    <a:lnR w="12700" cmpd="sng">
+                      <a:noFill/>
+                      <a:prstDash val="solid"/>
+                    </a:lnR>
+                    <a:lnT w="19050" cap="flat" cmpd="sng" algn="ctr">
+                      <a:solidFill>
+                        <a:srgbClr val="FFFFFF"/>
+                      </a:solidFill>
+                      <a:prstDash val="solid"/>
+                    </a:lnT>
+                    <a:lnB w="19050" cap="flat" cmpd="sng" algn="ctr">
+                      <a:solidFill>
+                        <a:srgbClr val="FFFFFF"/>
+                      </a:solidFill>
+                      <a:prstDash val="solid"/>
+                    </a:lnB>
+                    <a:solidFill>
+                      <a:srgbClr val="B4BCBE">
+                        <a:alpha val="34902"/>
+                      </a:srgbClr>
+                    </a:solidFill>
+                  </a:tcPr>
+                </a:tc>
+                <a:extLst>
+                  <a:ext uri="{0D108BD9-81ED-4DB2-BD59-A6C34878D82A}">
+                    <a16:rowId xmlns:a16="http://schemas.microsoft.com/office/drawing/2014/main" val="4244963905"/>
+                  </a:ext>
+                </a:extLst>
+              </a:tr>
+            </a:tbl>
+          </a:graphicData>
+        </a:graphic>
+      </p:graphicFrame>
+    </p:spTree>
+    <p:extLst>
+      <p:ext uri="{BB962C8B-B14F-4D97-AF65-F5344CB8AC3E}">
+        <p14:creationId xmlns:p14="http://schemas.microsoft.com/office/powerpoint/2010/main" val="352741290"/>
+      </p:ext>
+    </p:extLst>
+  </p:cSld>
+  <p:clrMapOvr>
+    <a:masterClrMapping/>
+  </p:clrMapOvr>
+</p:sld>
+</file>
+
+<file path=ppt/slides/slide30.xml><?xml version="1.0" encoding="utf-8"?>
 <p:sld xmlns:a="http://schemas.openxmlformats.org/drawingml/2006/main" xmlns:r="http://schemas.openxmlformats.org/officeDocument/2006/relationships" xmlns:p="http://schemas.openxmlformats.org/presentationml/2006/main">
   <p:cSld>
     <p:spTree>
@@ -25069,7 +27602,7 @@
             <a:fld id="{14CC5C6E-26B5-4455-A24E-CC8AA8460F8B}" type="slidenum">
               <a:rPr lang="en-US" altLang="en-US" sz="1400"/>
               <a:pPr eaLnBrk="1" hangingPunct="1"/>
-              <a:t>29</a:t>
+              <a:t>30</a:t>
             </a:fld>
             <a:endParaRPr lang="en-US" altLang="en-US" sz="1400"/>
           </a:p>
@@ -25819,1887 +28352,7 @@
 </p:sld>
 </file>
 
-<file path=ppt/slides/slide3.xml><?xml version="1.0" encoding="utf-8"?>
-<p:sld xmlns:a="http://schemas.openxmlformats.org/drawingml/2006/main" xmlns:r="http://schemas.openxmlformats.org/officeDocument/2006/relationships" xmlns:p="http://schemas.openxmlformats.org/presentationml/2006/main">
-  <p:cSld>
-    <p:bg>
-      <p:bgPr>
-        <a:solidFill>
-          <a:schemeClr val="bg1"/>
-        </a:solidFill>
-        <a:effectLst/>
-      </p:bgPr>
-    </p:bg>
-    <p:spTree>
-      <p:nvGrpSpPr>
-        <p:cNvPr id="1" name=""/>
-        <p:cNvGrpSpPr/>
-        <p:nvPr/>
-      </p:nvGrpSpPr>
-      <p:grpSpPr>
-        <a:xfrm>
-          <a:off x="0" y="0"/>
-          <a:ext cx="0" cy="0"/>
-          <a:chOff x="0" y="0"/>
-          <a:chExt cx="0" cy="0"/>
-        </a:xfrm>
-      </p:grpSpPr>
-      <p:sp useBgFill="1">
-        <p:nvSpPr>
-          <p:cNvPr id="73" name="Rectangle 72">
-            <a:extLst>
-              <a:ext uri="{FF2B5EF4-FFF2-40B4-BE49-F238E27FC236}">
-                <a16:creationId xmlns:a16="http://schemas.microsoft.com/office/drawing/2014/main" id="{53F29798-D584-4792-9B62-3F5F5C36D619}"/>
-              </a:ext>
-              <a:ext uri="{C183D7F6-B498-43B3-948B-1728B52AA6E4}">
-                <adec:decorative xmlns:adec="http://schemas.microsoft.com/office/drawing/2017/decorative" val="1"/>
-              </a:ext>
-            </a:extLst>
-          </p:cNvPr>
-          <p:cNvSpPr>
-            <a:spLocks noGrp="1" noRot="1" noChangeAspect="1" noMove="1" noResize="1" noEditPoints="1" noAdjustHandles="1" noChangeArrowheads="1" noChangeShapeType="1" noTextEdit="1"/>
-          </p:cNvSpPr>
-          <p:nvPr>
-            <p:extLst>
-              <p:ext uri="{386F3935-93C4-4BCD-93E2-E3B085C9AB24}">
-                <p16:designElem xmlns:p16="http://schemas.microsoft.com/office/powerpoint/2015/main" val="1"/>
-              </p:ext>
-            </p:extLst>
-          </p:nvPr>
-        </p:nvSpPr>
-        <p:spPr>
-          <a:xfrm>
-            <a:off x="0" y="0"/>
-            <a:ext cx="9141714" cy="6858000"/>
-          </a:xfrm>
-          <a:prstGeom prst="rect">
-            <a:avLst/>
-          </a:prstGeom>
-          <a:ln>
-            <a:noFill/>
-          </a:ln>
-        </p:spPr>
-        <p:style>
-          <a:lnRef idx="2">
-            <a:schemeClr val="accent1">
-              <a:shade val="50000"/>
-            </a:schemeClr>
-          </a:lnRef>
-          <a:fillRef idx="1">
-            <a:schemeClr val="accent1"/>
-          </a:fillRef>
-          <a:effectRef idx="0">
-            <a:schemeClr val="accent1"/>
-          </a:effectRef>
-          <a:fontRef idx="minor">
-            <a:schemeClr val="lt1"/>
-          </a:fontRef>
-        </p:style>
-        <p:txBody>
-          <a:bodyPr rtlCol="0" anchor="ctr"/>
-          <a:lstStyle/>
-          <a:p>
-            <a:pPr algn="ctr"/>
-            <a:endParaRPr lang="en-US"/>
-          </a:p>
-        </p:txBody>
-      </p:sp>
-      <p:sp>
-        <p:nvSpPr>
-          <p:cNvPr id="3076" name="Rectangle 1026"/>
-          <p:cNvSpPr>
-            <a:spLocks noGrp="1" noChangeArrowheads="1"/>
-          </p:cNvSpPr>
-          <p:nvPr>
-            <p:ph type="ctrTitle"/>
-          </p:nvPr>
-        </p:nvSpPr>
-        <p:spPr>
-          <a:xfrm>
-            <a:off x="628650" y="184805"/>
-            <a:ext cx="7886700" cy="1505883"/>
-          </a:xfrm>
-        </p:spPr>
-        <p:txBody>
-          <a:bodyPr vert="horz" lIns="91440" tIns="45720" rIns="91440" bIns="45720" rtlCol="0" anchor="ctr">
-            <a:normAutofit/>
-          </a:bodyPr>
-          <a:lstStyle/>
-          <a:p>
-            <a:pPr algn="l"/>
-            <a:r>
-              <a:rPr lang="en-US" altLang="en-US" sz="3100" i="1" u="sng" kern="1200">
-                <a:solidFill>
-                  <a:schemeClr val="tx1"/>
-                </a:solidFill>
-                <a:latin typeface="+mj-lt"/>
-                <a:ea typeface="+mj-ea"/>
-                <a:cs typeface="+mj-cs"/>
-              </a:rPr>
-              <a:t>Danh sách thành viên và phân công nhiệm vụ:</a:t>
-            </a:r>
-            <a:br>
-              <a:rPr lang="en-US" altLang="en-US" sz="3100" i="1" kern="1200">
-                <a:solidFill>
-                  <a:schemeClr val="tx1"/>
-                </a:solidFill>
-                <a:latin typeface="+mj-lt"/>
-                <a:ea typeface="+mj-ea"/>
-                <a:cs typeface="+mj-cs"/>
-              </a:rPr>
-            </a:br>
-            <a:endParaRPr lang="en-US" altLang="en-US" sz="3100" kern="1200">
-              <a:solidFill>
-                <a:schemeClr val="tx1"/>
-              </a:solidFill>
-              <a:latin typeface="+mj-lt"/>
-              <a:ea typeface="+mj-ea"/>
-              <a:cs typeface="+mj-cs"/>
-            </a:endParaRPr>
-          </a:p>
-        </p:txBody>
-      </p:sp>
-      <p:graphicFrame>
-        <p:nvGraphicFramePr>
-          <p:cNvPr id="5" name="Table 4">
-            <a:extLst>
-              <a:ext uri="{FF2B5EF4-FFF2-40B4-BE49-F238E27FC236}">
-                <a16:creationId xmlns:a16="http://schemas.microsoft.com/office/drawing/2014/main" id="{A2EDD6A7-62DF-4250-A552-107431F4C546}"/>
-              </a:ext>
-            </a:extLst>
-          </p:cNvPr>
-          <p:cNvGraphicFramePr>
-            <a:graphicFrameLocks noGrp="1"/>
-          </p:cNvGraphicFramePr>
-          <p:nvPr>
-            <p:extLst>
-              <p:ext uri="{D42A27DB-BD31-4B8C-83A1-F6EECF244321}">
-                <p14:modId xmlns:p14="http://schemas.microsoft.com/office/powerpoint/2010/main" val="3506069457"/>
-              </p:ext>
-            </p:extLst>
-          </p:nvPr>
-        </p:nvGraphicFramePr>
-        <p:xfrm>
-          <a:off x="628650" y="2268214"/>
-          <a:ext cx="7884411" cy="3426388"/>
-        </p:xfrm>
-        <a:graphic>
-          <a:graphicData uri="http://schemas.openxmlformats.org/drawingml/2006/table">
-            <a:tbl>
-              <a:tblPr firstRow="1" firstCol="1" bandRow="1">
-                <a:noFill/>
-                <a:tableStyleId>{5C22544A-7EE6-4342-B048-85BDC9FD1C3A}</a:tableStyleId>
-              </a:tblPr>
-              <a:tblGrid>
-                <a:gridCol w="2491602">
-                  <a:extLst>
-                    <a:ext uri="{9D8B030D-6E8A-4147-A177-3AD203B41FA5}">
-                      <a16:colId xmlns:a16="http://schemas.microsoft.com/office/drawing/2014/main" val="771152473"/>
-                    </a:ext>
-                  </a:extLst>
-                </a:gridCol>
-                <a:gridCol w="1716916">
-                  <a:extLst>
-                    <a:ext uri="{9D8B030D-6E8A-4147-A177-3AD203B41FA5}">
-                      <a16:colId xmlns:a16="http://schemas.microsoft.com/office/drawing/2014/main" val="3476306828"/>
-                    </a:ext>
-                  </a:extLst>
-                </a:gridCol>
-                <a:gridCol w="3675893">
-                  <a:extLst>
-                    <a:ext uri="{9D8B030D-6E8A-4147-A177-3AD203B41FA5}">
-                      <a16:colId xmlns:a16="http://schemas.microsoft.com/office/drawing/2014/main" val="3289834296"/>
-                    </a:ext>
-                  </a:extLst>
-                </a:gridCol>
-              </a:tblGrid>
-              <a:tr h="561208">
-                <a:tc>
-                  <a:txBody>
-                    <a:bodyPr/>
-                    <a:lstStyle/>
-                    <a:p>
-                      <a:pPr marL="0" marR="0" algn="ctr">
-                        <a:lnSpc>
-                          <a:spcPct val="120000"/>
-                        </a:lnSpc>
-                        <a:spcBef>
-                          <a:spcPts val="600"/>
-                        </a:spcBef>
-                        <a:spcAft>
-                          <a:spcPts val="600"/>
-                        </a:spcAft>
-                      </a:pPr>
-                      <a:r>
-                        <a:rPr lang="en-US" sz="1700" b="1">
-                          <a:solidFill>
-                            <a:schemeClr val="tx1">
-                              <a:lumMod val="75000"/>
-                              <a:lumOff val="25000"/>
-                            </a:schemeClr>
-                          </a:solidFill>
-                          <a:effectLst/>
-                        </a:rPr>
-                        <a:t>Thành viên</a:t>
-                      </a:r>
-                      <a:endParaRPr lang="en-US" sz="1700" b="1">
-                        <a:solidFill>
-                          <a:schemeClr val="tx1">
-                            <a:lumMod val="75000"/>
-                            <a:lumOff val="25000"/>
-                          </a:schemeClr>
-                        </a:solidFill>
-                        <a:effectLst/>
-                        <a:latin typeface="Cambria" panose="02040503050406030204" pitchFamily="18" charset="0"/>
-                        <a:ea typeface="Times New Roman" panose="02020603050405020304" pitchFamily="18" charset="0"/>
-                        <a:cs typeface="Times New Roman" panose="02020603050405020304" pitchFamily="18" charset="0"/>
-                      </a:endParaRPr>
-                    </a:p>
-                  </a:txBody>
-                  <a:tcPr marL="210365" marR="126219" marT="126219" marB="126219">
-                    <a:lnL w="12700" cmpd="sng">
-                      <a:noFill/>
-                      <a:prstDash val="solid"/>
-                    </a:lnL>
-                    <a:lnR w="12700" cmpd="sng">
-                      <a:noFill/>
-                      <a:prstDash val="solid"/>
-                    </a:lnR>
-                    <a:lnT w="19050" cap="flat" cmpd="sng" algn="ctr">
-                      <a:solidFill>
-                        <a:srgbClr val="8F9A9D">
-                          <a:alpha val="60000"/>
-                        </a:srgbClr>
-                      </a:solidFill>
-                      <a:prstDash val="solid"/>
-                    </a:lnT>
-                    <a:lnB w="12700" cmpd="sng">
-                      <a:noFill/>
-                      <a:prstDash val="solid"/>
-                    </a:lnB>
-                    <a:noFill/>
-                  </a:tcPr>
-                </a:tc>
-                <a:tc>
-                  <a:txBody>
-                    <a:bodyPr/>
-                    <a:lstStyle/>
-                    <a:p>
-                      <a:pPr marL="0" marR="0" algn="ctr">
-                        <a:lnSpc>
-                          <a:spcPct val="120000"/>
-                        </a:lnSpc>
-                        <a:spcBef>
-                          <a:spcPts val="600"/>
-                        </a:spcBef>
-                        <a:spcAft>
-                          <a:spcPts val="600"/>
-                        </a:spcAft>
-                      </a:pPr>
-                      <a:r>
-                        <a:rPr lang="en-US" sz="1700">
-                          <a:solidFill>
-                            <a:schemeClr val="tx1">
-                              <a:lumMod val="75000"/>
-                              <a:lumOff val="25000"/>
-                            </a:schemeClr>
-                          </a:solidFill>
-                          <a:effectLst/>
-                        </a:rPr>
-                        <a:t>MSSV</a:t>
-                      </a:r>
-                      <a:endParaRPr lang="en-US" sz="1700">
-                        <a:solidFill>
-                          <a:schemeClr val="tx1">
-                            <a:lumMod val="75000"/>
-                            <a:lumOff val="25000"/>
-                          </a:schemeClr>
-                        </a:solidFill>
-                        <a:effectLst/>
-                        <a:latin typeface="Cambria" panose="02040503050406030204" pitchFamily="18" charset="0"/>
-                        <a:ea typeface="Times New Roman" panose="02020603050405020304" pitchFamily="18" charset="0"/>
-                        <a:cs typeface="Times New Roman" panose="02020603050405020304" pitchFamily="18" charset="0"/>
-                      </a:endParaRPr>
-                    </a:p>
-                  </a:txBody>
-                  <a:tcPr marL="210365" marR="126219" marT="126219" marB="126219">
-                    <a:lnL w="12700" cmpd="sng">
-                      <a:noFill/>
-                      <a:prstDash val="solid"/>
-                    </a:lnL>
-                    <a:lnR w="12700" cmpd="sng">
-                      <a:noFill/>
-                      <a:prstDash val="solid"/>
-                    </a:lnR>
-                    <a:lnT w="19050" cap="flat" cmpd="sng" algn="ctr">
-                      <a:solidFill>
-                        <a:srgbClr val="8F9A9D">
-                          <a:alpha val="60000"/>
-                        </a:srgbClr>
-                      </a:solidFill>
-                      <a:prstDash val="solid"/>
-                    </a:lnT>
-                    <a:lnB w="12700" cmpd="sng">
-                      <a:noFill/>
-                      <a:prstDash val="solid"/>
-                    </a:lnB>
-                    <a:noFill/>
-                  </a:tcPr>
-                </a:tc>
-                <a:tc>
-                  <a:txBody>
-                    <a:bodyPr/>
-                    <a:lstStyle/>
-                    <a:p>
-                      <a:pPr marL="0" marR="0" algn="ctr">
-                        <a:lnSpc>
-                          <a:spcPct val="120000"/>
-                        </a:lnSpc>
-                        <a:spcBef>
-                          <a:spcPts val="600"/>
-                        </a:spcBef>
-                        <a:spcAft>
-                          <a:spcPts val="600"/>
-                        </a:spcAft>
-                      </a:pPr>
-                      <a:r>
-                        <a:rPr lang="en-US" sz="1700">
-                          <a:solidFill>
-                            <a:schemeClr val="tx1">
-                              <a:lumMod val="75000"/>
-                              <a:lumOff val="25000"/>
-                            </a:schemeClr>
-                          </a:solidFill>
-                          <a:effectLst/>
-                        </a:rPr>
-                        <a:t>Nhiệm vụ</a:t>
-                      </a:r>
-                      <a:endParaRPr lang="en-US" sz="1700">
-                        <a:solidFill>
-                          <a:schemeClr val="tx1">
-                            <a:lumMod val="75000"/>
-                            <a:lumOff val="25000"/>
-                          </a:schemeClr>
-                        </a:solidFill>
-                        <a:effectLst/>
-                        <a:latin typeface="Cambria" panose="02040503050406030204" pitchFamily="18" charset="0"/>
-                        <a:ea typeface="Times New Roman" panose="02020603050405020304" pitchFamily="18" charset="0"/>
-                        <a:cs typeface="Times New Roman" panose="02020603050405020304" pitchFamily="18" charset="0"/>
-                      </a:endParaRPr>
-                    </a:p>
-                  </a:txBody>
-                  <a:tcPr marL="210365" marR="126219" marT="126219" marB="126219">
-                    <a:lnL w="12700" cmpd="sng">
-                      <a:noFill/>
-                      <a:prstDash val="solid"/>
-                    </a:lnL>
-                    <a:lnR w="12700" cmpd="sng">
-                      <a:noFill/>
-                      <a:prstDash val="solid"/>
-                    </a:lnR>
-                    <a:lnT w="19050" cap="flat" cmpd="sng" algn="ctr">
-                      <a:solidFill>
-                        <a:srgbClr val="8F9A9D">
-                          <a:alpha val="60000"/>
-                        </a:srgbClr>
-                      </a:solidFill>
-                      <a:prstDash val="solid"/>
-                    </a:lnT>
-                    <a:lnB w="12700" cmpd="sng">
-                      <a:noFill/>
-                      <a:prstDash val="solid"/>
-                    </a:lnB>
-                    <a:noFill/>
-                  </a:tcPr>
-                </a:tc>
-                <a:extLst>
-                  <a:ext uri="{0D108BD9-81ED-4DB2-BD59-A6C34878D82A}">
-                    <a16:rowId xmlns:a16="http://schemas.microsoft.com/office/drawing/2014/main" val="1575922515"/>
-                  </a:ext>
-                </a:extLst>
-              </a:tr>
-              <a:tr h="701978">
-                <a:tc>
-                  <a:txBody>
-                    <a:bodyPr/>
-                    <a:lstStyle/>
-                    <a:p>
-                      <a:pPr marL="0" marR="0" lvl="0" indent="0" algn="just" defTabSz="914400" rtl="0" eaLnBrk="1" fontAlgn="auto" latinLnBrk="0" hangingPunct="1">
-                        <a:lnSpc>
-                          <a:spcPct val="120000"/>
-                        </a:lnSpc>
-                        <a:spcBef>
-                          <a:spcPts val="600"/>
-                        </a:spcBef>
-                        <a:spcAft>
-                          <a:spcPts val="600"/>
-                        </a:spcAft>
-                        <a:buClrTx/>
-                        <a:buSzTx/>
-                        <a:buFontTx/>
-                        <a:buNone/>
-                        <a:tabLst/>
-                        <a:defRPr/>
-                      </a:pPr>
-                      <a:r>
-                        <a:rPr lang="vi-VN" sz="1300" b="1" dirty="0">
-                          <a:solidFill>
-                            <a:schemeClr val="tx1">
-                              <a:lumMod val="75000"/>
-                              <a:lumOff val="25000"/>
-                            </a:schemeClr>
-                          </a:solidFill>
-                          <a:effectLst/>
-                        </a:rPr>
-                        <a:t>Nguyễn Trường Giang</a:t>
-                      </a:r>
-                      <a:endParaRPr lang="en-US" sz="1300" b="1" dirty="0">
-                        <a:solidFill>
-                          <a:schemeClr val="tx1">
-                            <a:lumMod val="75000"/>
-                            <a:lumOff val="25000"/>
-                          </a:schemeClr>
-                        </a:solidFill>
-                        <a:effectLst/>
-                        <a:latin typeface="Cambria" panose="02040503050406030204" pitchFamily="18" charset="0"/>
-                        <a:ea typeface="Times New Roman" panose="02020603050405020304" pitchFamily="18" charset="0"/>
-                        <a:cs typeface="Times New Roman" panose="02020603050405020304" pitchFamily="18" charset="0"/>
-                      </a:endParaRPr>
-                    </a:p>
-                  </a:txBody>
-                  <a:tcPr marL="210365" marR="109390" marT="109390" marB="109390">
-                    <a:lnL w="12700" cmpd="sng">
-                      <a:noFill/>
-                      <a:prstDash val="solid"/>
-                    </a:lnL>
-                    <a:lnR w="19050" cap="flat" cmpd="sng" algn="ctr">
-                      <a:solidFill>
-                        <a:srgbClr val="FFFFFF"/>
-                      </a:solidFill>
-                      <a:prstDash val="solid"/>
-                    </a:lnR>
-                    <a:lnT w="12700" cmpd="sng">
-                      <a:noFill/>
-                      <a:prstDash val="solid"/>
-                    </a:lnT>
-                    <a:lnB w="12700" cmpd="sng">
-                      <a:noFill/>
-                      <a:prstDash val="solid"/>
-                    </a:lnB>
-                    <a:solidFill>
-                      <a:srgbClr val="B4BCBE">
-                        <a:alpha val="20000"/>
-                      </a:srgbClr>
-                    </a:solidFill>
-                  </a:tcPr>
-                </a:tc>
-                <a:tc>
-                  <a:txBody>
-                    <a:bodyPr/>
-                    <a:lstStyle/>
-                    <a:p>
-                      <a:pPr marL="0" marR="0" algn="ctr">
-                        <a:lnSpc>
-                          <a:spcPct val="120000"/>
-                        </a:lnSpc>
-                        <a:spcBef>
-                          <a:spcPts val="600"/>
-                        </a:spcBef>
-                        <a:spcAft>
-                          <a:spcPts val="600"/>
-                        </a:spcAft>
-                      </a:pPr>
-                      <a:r>
-                        <a:rPr lang="vi-VN" sz="1300" dirty="0">
-                          <a:solidFill>
-                            <a:schemeClr val="tx1">
-                              <a:lumMod val="75000"/>
-                              <a:lumOff val="25000"/>
-                            </a:schemeClr>
-                          </a:solidFill>
-                          <a:effectLst/>
-                        </a:rPr>
-                        <a:t>20173083</a:t>
-                      </a:r>
-                      <a:endParaRPr lang="en-US" sz="1300" dirty="0">
-                        <a:solidFill>
-                          <a:schemeClr val="tx1">
-                            <a:lumMod val="75000"/>
-                            <a:lumOff val="25000"/>
-                          </a:schemeClr>
-                        </a:solidFill>
-                        <a:effectLst/>
-                        <a:latin typeface="Cambria" panose="02040503050406030204" pitchFamily="18" charset="0"/>
-                        <a:ea typeface="Times New Roman" panose="02020603050405020304" pitchFamily="18" charset="0"/>
-                        <a:cs typeface="Times New Roman" panose="02020603050405020304" pitchFamily="18" charset="0"/>
-                      </a:endParaRPr>
-                    </a:p>
-                  </a:txBody>
-                  <a:tcPr marL="210365" marR="109390" marT="109390" marB="109390">
-                    <a:lnL w="19050" cap="flat" cmpd="sng" algn="ctr">
-                      <a:solidFill>
-                        <a:srgbClr val="FFFFFF"/>
-                      </a:solidFill>
-                      <a:prstDash val="solid"/>
-                    </a:lnL>
-                    <a:lnR w="12700" cmpd="sng">
-                      <a:noFill/>
-                      <a:prstDash val="solid"/>
-                    </a:lnR>
-                    <a:lnT w="12700" cmpd="sng">
-                      <a:noFill/>
-                      <a:prstDash val="solid"/>
-                    </a:lnT>
-                    <a:lnB w="19050" cap="flat" cmpd="sng" algn="ctr">
-                      <a:solidFill>
-                        <a:srgbClr val="FFFFFF"/>
-                      </a:solidFill>
-                      <a:prstDash val="solid"/>
-                    </a:lnB>
-                    <a:solidFill>
-                      <a:srgbClr val="B4BCBE">
-                        <a:alpha val="34902"/>
-                      </a:srgbClr>
-                    </a:solidFill>
-                  </a:tcPr>
-                </a:tc>
-                <a:tc>
-                  <a:txBody>
-                    <a:bodyPr/>
-                    <a:lstStyle/>
-                    <a:p>
-                      <a:pPr marL="0" marR="0" lvl="0" indent="0" algn="just" defTabSz="914400" rtl="0" eaLnBrk="1" fontAlgn="auto" latinLnBrk="0" hangingPunct="1">
-                        <a:lnSpc>
-                          <a:spcPct val="120000"/>
-                        </a:lnSpc>
-                        <a:spcBef>
-                          <a:spcPts val="600"/>
-                        </a:spcBef>
-                        <a:spcAft>
-                          <a:spcPts val="600"/>
-                        </a:spcAft>
-                        <a:buClrTx/>
-                        <a:buSzTx/>
-                        <a:buFontTx/>
-                        <a:buNone/>
-                        <a:tabLst/>
-                        <a:defRPr/>
-                      </a:pPr>
-                      <a:r>
-                        <a:rPr lang="en-US" sz="1300" dirty="0" err="1">
-                          <a:solidFill>
-                            <a:schemeClr val="tx1">
-                              <a:lumMod val="75000"/>
-                              <a:lumOff val="25000"/>
-                            </a:schemeClr>
-                          </a:solidFill>
-                          <a:effectLst/>
-                        </a:rPr>
-                        <a:t>Các</a:t>
-                      </a:r>
-                      <a:r>
-                        <a:rPr lang="en-US" sz="1300" dirty="0">
-                          <a:solidFill>
-                            <a:schemeClr val="tx1">
-                              <a:lumMod val="75000"/>
-                              <a:lumOff val="25000"/>
-                            </a:schemeClr>
-                          </a:solidFill>
-                          <a:effectLst/>
-                        </a:rPr>
-                        <a:t> </a:t>
-                      </a:r>
-                      <a:r>
-                        <a:rPr lang="en-US" sz="1300" dirty="0" err="1">
-                          <a:solidFill>
-                            <a:schemeClr val="tx1">
-                              <a:lumMod val="75000"/>
-                              <a:lumOff val="25000"/>
-                            </a:schemeClr>
-                          </a:solidFill>
-                          <a:effectLst/>
-                        </a:rPr>
-                        <a:t>vấn</a:t>
-                      </a:r>
-                      <a:r>
-                        <a:rPr lang="en-US" sz="1300" dirty="0">
-                          <a:solidFill>
-                            <a:schemeClr val="tx1">
-                              <a:lumMod val="75000"/>
-                              <a:lumOff val="25000"/>
-                            </a:schemeClr>
-                          </a:solidFill>
-                          <a:effectLst/>
-                        </a:rPr>
-                        <a:t> đề liên quan </a:t>
-                      </a:r>
-                      <a:r>
-                        <a:rPr lang="en-US" sz="1300" dirty="0" err="1">
-                          <a:solidFill>
-                            <a:schemeClr val="tx1">
-                              <a:lumMod val="75000"/>
-                              <a:lumOff val="25000"/>
-                            </a:schemeClr>
-                          </a:solidFill>
-                          <a:effectLst/>
-                        </a:rPr>
-                        <a:t>đến</a:t>
-                      </a:r>
-                      <a:r>
-                        <a:rPr lang="en-US" sz="1300" dirty="0">
-                          <a:solidFill>
-                            <a:schemeClr val="tx1">
-                              <a:lumMod val="75000"/>
-                              <a:lumOff val="25000"/>
-                            </a:schemeClr>
-                          </a:solidFill>
-                          <a:effectLst/>
-                        </a:rPr>
-                        <a:t>  </a:t>
-                      </a:r>
-                      <a:r>
-                        <a:rPr lang="vi-VN" sz="1300" dirty="0" err="1">
-                          <a:solidFill>
-                            <a:schemeClr val="tx1">
-                              <a:lumMod val="75000"/>
-                              <a:lumOff val="25000"/>
-                            </a:schemeClr>
-                          </a:solidFill>
-                          <a:effectLst/>
-                        </a:rPr>
-                        <a:t>Singleton</a:t>
-                      </a:r>
-                      <a:r>
-                        <a:rPr lang="vi-VN" sz="1300" dirty="0">
-                          <a:solidFill>
-                            <a:schemeClr val="tx1">
-                              <a:lumMod val="75000"/>
-                              <a:lumOff val="25000"/>
-                            </a:schemeClr>
-                          </a:solidFill>
-                          <a:effectLst/>
-                        </a:rPr>
-                        <a:t> </a:t>
-                      </a:r>
-                      <a:r>
-                        <a:rPr lang="vi-VN" sz="1300" dirty="0" err="1">
-                          <a:solidFill>
-                            <a:schemeClr val="tx1">
-                              <a:lumMod val="75000"/>
-                              <a:lumOff val="25000"/>
-                            </a:schemeClr>
-                          </a:solidFill>
-                          <a:effectLst/>
-                        </a:rPr>
-                        <a:t>pattern</a:t>
-                      </a:r>
-                      <a:r>
-                        <a:rPr lang="vi-VN" sz="1300" dirty="0">
-                          <a:solidFill>
-                            <a:schemeClr val="tx1">
-                              <a:lumMod val="75000"/>
-                              <a:lumOff val="25000"/>
-                            </a:schemeClr>
-                          </a:solidFill>
-                          <a:effectLst/>
-                        </a:rPr>
-                        <a:t> </a:t>
-                      </a:r>
-                      <a:r>
-                        <a:rPr lang="en-US" sz="1300" dirty="0">
-                          <a:solidFill>
-                            <a:schemeClr val="tx1">
-                              <a:lumMod val="75000"/>
-                              <a:lumOff val="25000"/>
-                            </a:schemeClr>
-                          </a:solidFill>
-                          <a:effectLst/>
-                        </a:rPr>
-                        <a:t>và S</a:t>
-                      </a:r>
-                      <a:r>
-                        <a:rPr lang="vi-VN" sz="1300" dirty="0" err="1">
-                          <a:solidFill>
-                            <a:schemeClr val="tx1">
-                              <a:lumMod val="75000"/>
-                              <a:lumOff val="25000"/>
-                            </a:schemeClr>
-                          </a:solidFill>
-                          <a:effectLst/>
-                        </a:rPr>
-                        <a:t>trategy</a:t>
-                      </a:r>
-                      <a:r>
-                        <a:rPr lang="vi-VN" sz="1300" dirty="0">
-                          <a:solidFill>
-                            <a:schemeClr val="tx1">
-                              <a:lumMod val="75000"/>
-                              <a:lumOff val="25000"/>
-                            </a:schemeClr>
-                          </a:solidFill>
-                          <a:effectLst/>
-                        </a:rPr>
-                        <a:t> </a:t>
-                      </a:r>
-                      <a:r>
-                        <a:rPr lang="vi-VN" sz="1300" dirty="0" err="1">
-                          <a:solidFill>
-                            <a:schemeClr val="tx1">
-                              <a:lumMod val="75000"/>
-                              <a:lumOff val="25000"/>
-                            </a:schemeClr>
-                          </a:solidFill>
-                          <a:effectLst/>
-                        </a:rPr>
-                        <a:t>pattern</a:t>
-                      </a:r>
-                      <a:endParaRPr lang="en-US" sz="1300" dirty="0">
-                        <a:solidFill>
-                          <a:schemeClr val="tx1">
-                            <a:lumMod val="75000"/>
-                            <a:lumOff val="25000"/>
-                          </a:schemeClr>
-                        </a:solidFill>
-                        <a:effectLst/>
-                        <a:latin typeface="Cambria" panose="02040503050406030204" pitchFamily="18" charset="0"/>
-                        <a:ea typeface="Times New Roman" panose="02020603050405020304" pitchFamily="18" charset="0"/>
-                        <a:cs typeface="Times New Roman" panose="02020603050405020304" pitchFamily="18" charset="0"/>
-                      </a:endParaRPr>
-                    </a:p>
-                  </a:txBody>
-                  <a:tcPr marL="210365" marR="109390" marT="109390" marB="109390">
-                    <a:lnL w="12700" cmpd="sng">
-                      <a:noFill/>
-                      <a:prstDash val="solid"/>
-                    </a:lnL>
-                    <a:lnR w="12700" cmpd="sng">
-                      <a:noFill/>
-                      <a:prstDash val="solid"/>
-                    </a:lnR>
-                    <a:lnT w="12700" cmpd="sng">
-                      <a:noFill/>
-                      <a:prstDash val="solid"/>
-                    </a:lnT>
-                    <a:lnB w="19050" cap="flat" cmpd="sng" algn="ctr">
-                      <a:solidFill>
-                        <a:srgbClr val="FFFFFF"/>
-                      </a:solidFill>
-                      <a:prstDash val="solid"/>
-                    </a:lnB>
-                    <a:solidFill>
-                      <a:srgbClr val="B4BCBE">
-                        <a:alpha val="34902"/>
-                      </a:srgbClr>
-                    </a:solidFill>
-                  </a:tcPr>
-                </a:tc>
-                <a:extLst>
-                  <a:ext uri="{0D108BD9-81ED-4DB2-BD59-A6C34878D82A}">
-                    <a16:rowId xmlns:a16="http://schemas.microsoft.com/office/drawing/2014/main" val="961989061"/>
-                  </a:ext>
-                </a:extLst>
-              </a:tr>
-              <a:tr h="759246">
-                <a:tc>
-                  <a:txBody>
-                    <a:bodyPr/>
-                    <a:lstStyle/>
-                    <a:p>
-                      <a:pPr marL="0" marR="0" algn="just">
-                        <a:lnSpc>
-                          <a:spcPct val="120000"/>
-                        </a:lnSpc>
-                        <a:spcBef>
-                          <a:spcPts val="600"/>
-                        </a:spcBef>
-                        <a:spcAft>
-                          <a:spcPts val="600"/>
-                        </a:spcAft>
-                      </a:pPr>
-                      <a:r>
-                        <a:rPr lang="vi-VN" sz="1300" b="1">
-                          <a:solidFill>
-                            <a:schemeClr val="tx1">
-                              <a:lumMod val="75000"/>
-                              <a:lumOff val="25000"/>
-                            </a:schemeClr>
-                          </a:solidFill>
-                          <a:effectLst/>
-                        </a:rPr>
-                        <a:t>Đỗ Quang Hiếu</a:t>
-                      </a:r>
-                      <a:endParaRPr lang="en-US" sz="1300" b="1">
-                        <a:solidFill>
-                          <a:schemeClr val="tx1">
-                            <a:lumMod val="75000"/>
-                            <a:lumOff val="25000"/>
-                          </a:schemeClr>
-                        </a:solidFill>
-                        <a:effectLst/>
-                        <a:latin typeface="Cambria" panose="02040503050406030204" pitchFamily="18" charset="0"/>
-                        <a:ea typeface="Times New Roman" panose="02020603050405020304" pitchFamily="18" charset="0"/>
-                        <a:cs typeface="Times New Roman" panose="02020603050405020304" pitchFamily="18" charset="0"/>
-                      </a:endParaRPr>
-                    </a:p>
-                  </a:txBody>
-                  <a:tcPr marL="210365" marR="109390" marT="109390" marB="109390">
-                    <a:lnL w="12700" cmpd="sng">
-                      <a:noFill/>
-                      <a:prstDash val="solid"/>
-                    </a:lnL>
-                    <a:lnR w="19050" cap="flat" cmpd="sng" algn="ctr">
-                      <a:solidFill>
-                        <a:srgbClr val="FFFFFF"/>
-                      </a:solidFill>
-                      <a:prstDash val="solid"/>
-                    </a:lnR>
-                    <a:lnT w="12700" cmpd="sng">
-                      <a:noFill/>
-                      <a:prstDash val="solid"/>
-                    </a:lnT>
-                    <a:lnB w="12700" cmpd="sng">
-                      <a:noFill/>
-                      <a:prstDash val="solid"/>
-                    </a:lnB>
-                    <a:solidFill>
-                      <a:srgbClr val="B4BCBE">
-                        <a:alpha val="20000"/>
-                      </a:srgbClr>
-                    </a:solidFill>
-                  </a:tcPr>
-                </a:tc>
-                <a:tc>
-                  <a:txBody>
-                    <a:bodyPr/>
-                    <a:lstStyle/>
-                    <a:p>
-                      <a:pPr marL="0" marR="0" algn="ctr">
-                        <a:lnSpc>
-                          <a:spcPct val="120000"/>
-                        </a:lnSpc>
-                        <a:spcBef>
-                          <a:spcPts val="600"/>
-                        </a:spcBef>
-                        <a:spcAft>
-                          <a:spcPts val="600"/>
-                        </a:spcAft>
-                      </a:pPr>
-                      <a:r>
-                        <a:rPr lang="vi-VN" sz="1300">
-                          <a:solidFill>
-                            <a:schemeClr val="tx1">
-                              <a:lumMod val="75000"/>
-                              <a:lumOff val="25000"/>
-                            </a:schemeClr>
-                          </a:solidFill>
-                          <a:effectLst/>
-                        </a:rPr>
-                        <a:t>20173108</a:t>
-                      </a:r>
-                      <a:endParaRPr lang="en-US" sz="1300">
-                        <a:solidFill>
-                          <a:schemeClr val="tx1">
-                            <a:lumMod val="75000"/>
-                            <a:lumOff val="25000"/>
-                          </a:schemeClr>
-                        </a:solidFill>
-                        <a:effectLst/>
-                        <a:latin typeface="Cambria" panose="02040503050406030204" pitchFamily="18" charset="0"/>
-                        <a:ea typeface="Times New Roman" panose="02020603050405020304" pitchFamily="18" charset="0"/>
-                        <a:cs typeface="Times New Roman" panose="02020603050405020304" pitchFamily="18" charset="0"/>
-                      </a:endParaRPr>
-                    </a:p>
-                  </a:txBody>
-                  <a:tcPr marL="210365" marR="109390" marT="109390" marB="109390">
-                    <a:lnL w="19050" cap="flat" cmpd="sng" algn="ctr">
-                      <a:solidFill>
-                        <a:srgbClr val="FFFFFF"/>
-                      </a:solidFill>
-                      <a:prstDash val="solid"/>
-                    </a:lnL>
-                    <a:lnR w="12700" cmpd="sng">
-                      <a:noFill/>
-                      <a:prstDash val="solid"/>
-                    </a:lnR>
-                    <a:lnT w="19050" cap="flat" cmpd="sng" algn="ctr">
-                      <a:solidFill>
-                        <a:srgbClr val="FFFFFF"/>
-                      </a:solidFill>
-                      <a:prstDash val="solid"/>
-                    </a:lnT>
-                    <a:lnB w="19050" cap="flat" cmpd="sng" algn="ctr">
-                      <a:solidFill>
-                        <a:srgbClr val="FFFFFF"/>
-                      </a:solidFill>
-                      <a:prstDash val="solid"/>
-                    </a:lnB>
-                    <a:solidFill>
-                      <a:srgbClr val="B4BCBE">
-                        <a:alpha val="34902"/>
-                      </a:srgbClr>
-                    </a:solidFill>
-                  </a:tcPr>
-                </a:tc>
-                <a:tc>
-                  <a:txBody>
-                    <a:bodyPr/>
-                    <a:lstStyle/>
-                    <a:p>
-                      <a:pPr marL="0" marR="0" algn="just">
-                        <a:lnSpc>
-                          <a:spcPct val="120000"/>
-                        </a:lnSpc>
-                        <a:spcBef>
-                          <a:spcPts val="600"/>
-                        </a:spcBef>
-                        <a:spcAft>
-                          <a:spcPts val="600"/>
-                        </a:spcAft>
-                      </a:pPr>
-                      <a:r>
-                        <a:rPr lang="en-US" sz="1300" dirty="0" err="1">
-                          <a:solidFill>
-                            <a:schemeClr val="tx1">
-                              <a:lumMod val="75000"/>
-                              <a:lumOff val="25000"/>
-                            </a:schemeClr>
-                          </a:solidFill>
-                          <a:effectLst/>
-                        </a:rPr>
-                        <a:t>Các</a:t>
-                      </a:r>
-                      <a:r>
-                        <a:rPr lang="en-US" sz="1300" dirty="0">
-                          <a:solidFill>
-                            <a:schemeClr val="tx1">
-                              <a:lumMod val="75000"/>
-                              <a:lumOff val="25000"/>
-                            </a:schemeClr>
-                          </a:solidFill>
-                          <a:effectLst/>
-                        </a:rPr>
-                        <a:t> </a:t>
-                      </a:r>
-                      <a:r>
-                        <a:rPr lang="en-US" sz="1300" dirty="0" err="1">
-                          <a:solidFill>
-                            <a:schemeClr val="tx1">
-                              <a:lumMod val="75000"/>
-                              <a:lumOff val="25000"/>
-                            </a:schemeClr>
-                          </a:solidFill>
-                          <a:effectLst/>
-                        </a:rPr>
-                        <a:t>vấn</a:t>
-                      </a:r>
-                      <a:r>
-                        <a:rPr lang="en-US" sz="1300" dirty="0">
-                          <a:solidFill>
-                            <a:schemeClr val="tx1">
-                              <a:lumMod val="75000"/>
-                              <a:lumOff val="25000"/>
-                            </a:schemeClr>
-                          </a:solidFill>
-                          <a:effectLst/>
-                        </a:rPr>
-                        <a:t> đề C</a:t>
-                      </a:r>
-                      <a:r>
-                        <a:rPr lang="vi-VN" sz="1300" dirty="0" err="1">
-                          <a:solidFill>
-                            <a:schemeClr val="tx1">
-                              <a:lumMod val="75000"/>
-                              <a:lumOff val="25000"/>
-                            </a:schemeClr>
-                          </a:solidFill>
-                          <a:effectLst/>
-                        </a:rPr>
-                        <a:t>lean</a:t>
-                      </a:r>
-                      <a:r>
-                        <a:rPr lang="vi-VN" sz="1300" dirty="0">
-                          <a:solidFill>
-                            <a:schemeClr val="tx1">
-                              <a:lumMod val="75000"/>
-                              <a:lumOff val="25000"/>
-                            </a:schemeClr>
-                          </a:solidFill>
-                          <a:effectLst/>
-                        </a:rPr>
-                        <a:t> </a:t>
-                      </a:r>
-                      <a:r>
-                        <a:rPr lang="vi-VN" sz="1300" dirty="0" err="1">
-                          <a:solidFill>
-                            <a:schemeClr val="tx1">
-                              <a:lumMod val="75000"/>
-                              <a:lumOff val="25000"/>
-                            </a:schemeClr>
-                          </a:solidFill>
-                          <a:effectLst/>
-                        </a:rPr>
-                        <a:t>function</a:t>
-                      </a:r>
-                      <a:r>
-                        <a:rPr lang="vi-VN" sz="1300" dirty="0">
-                          <a:solidFill>
-                            <a:schemeClr val="tx1">
-                              <a:lumMod val="75000"/>
-                              <a:lumOff val="25000"/>
-                            </a:schemeClr>
-                          </a:solidFill>
-                          <a:effectLst/>
-                        </a:rPr>
-                        <a:t>/</a:t>
-                      </a:r>
-                      <a:r>
-                        <a:rPr lang="vi-VN" sz="1300" dirty="0" err="1">
-                          <a:solidFill>
-                            <a:schemeClr val="tx1">
-                              <a:lumMod val="75000"/>
-                              <a:lumOff val="25000"/>
-                            </a:schemeClr>
-                          </a:solidFill>
-                          <a:effectLst/>
-                        </a:rPr>
-                        <a:t>method</a:t>
-                      </a:r>
-                      <a:r>
-                        <a:rPr lang="en-US" sz="1300" dirty="0">
-                          <a:solidFill>
-                            <a:schemeClr val="tx1">
-                              <a:lumMod val="75000"/>
-                              <a:lumOff val="25000"/>
-                            </a:schemeClr>
-                          </a:solidFill>
-                          <a:effectLst/>
-                        </a:rPr>
-                        <a:t>, T</a:t>
-                      </a:r>
-                      <a:r>
-                        <a:rPr lang="vi-VN" sz="1300" dirty="0" err="1">
-                          <a:solidFill>
-                            <a:schemeClr val="tx1">
-                              <a:lumMod val="75000"/>
-                              <a:lumOff val="25000"/>
-                            </a:schemeClr>
-                          </a:solidFill>
-                          <a:effectLst/>
-                        </a:rPr>
-                        <a:t>emplate</a:t>
-                      </a:r>
-                      <a:r>
-                        <a:rPr lang="vi-VN" sz="1300" dirty="0">
-                          <a:solidFill>
-                            <a:schemeClr val="tx1">
-                              <a:lumMod val="75000"/>
-                              <a:lumOff val="25000"/>
-                            </a:schemeClr>
-                          </a:solidFill>
-                          <a:effectLst/>
-                        </a:rPr>
-                        <a:t> </a:t>
-                      </a:r>
-                      <a:r>
-                        <a:rPr lang="vi-VN" sz="1300" dirty="0" err="1">
-                          <a:solidFill>
-                            <a:schemeClr val="tx1">
-                              <a:lumMod val="75000"/>
-                              <a:lumOff val="25000"/>
-                            </a:schemeClr>
-                          </a:solidFill>
-                          <a:effectLst/>
-                        </a:rPr>
-                        <a:t>method</a:t>
-                      </a:r>
-                      <a:r>
-                        <a:rPr lang="vi-VN" sz="1300" dirty="0">
-                          <a:solidFill>
-                            <a:schemeClr val="tx1">
-                              <a:lumMod val="75000"/>
-                              <a:lumOff val="25000"/>
-                            </a:schemeClr>
-                          </a:solidFill>
-                          <a:effectLst/>
-                        </a:rPr>
-                        <a:t> </a:t>
-                      </a:r>
-                      <a:r>
-                        <a:rPr lang="en-US" sz="1300" dirty="0">
-                          <a:solidFill>
-                            <a:schemeClr val="tx1">
-                              <a:lumMod val="75000"/>
-                              <a:lumOff val="25000"/>
-                            </a:schemeClr>
-                          </a:solidFill>
-                          <a:effectLst/>
-                        </a:rPr>
-                        <a:t>và F</a:t>
-                      </a:r>
-                      <a:r>
-                        <a:rPr lang="vi-VN" sz="1300" dirty="0" err="1">
-                          <a:solidFill>
-                            <a:schemeClr val="tx1">
-                              <a:lumMod val="75000"/>
-                              <a:lumOff val="25000"/>
-                            </a:schemeClr>
-                          </a:solidFill>
-                          <a:effectLst/>
-                        </a:rPr>
-                        <a:t>actory</a:t>
-                      </a:r>
-                      <a:r>
-                        <a:rPr lang="vi-VN" sz="1300" dirty="0">
-                          <a:solidFill>
-                            <a:schemeClr val="tx1">
-                              <a:lumMod val="75000"/>
-                              <a:lumOff val="25000"/>
-                            </a:schemeClr>
-                          </a:solidFill>
-                          <a:effectLst/>
-                        </a:rPr>
-                        <a:t> </a:t>
-                      </a:r>
-                      <a:r>
-                        <a:rPr lang="vi-VN" sz="1300" dirty="0" err="1">
-                          <a:solidFill>
-                            <a:schemeClr val="tx1">
-                              <a:lumMod val="75000"/>
-                              <a:lumOff val="25000"/>
-                            </a:schemeClr>
-                          </a:solidFill>
-                          <a:effectLst/>
-                        </a:rPr>
-                        <a:t>method</a:t>
-                      </a:r>
-                      <a:r>
-                        <a:rPr lang="vi-VN" sz="1300" dirty="0">
-                          <a:solidFill>
-                            <a:schemeClr val="tx1">
-                              <a:lumMod val="75000"/>
-                              <a:lumOff val="25000"/>
-                            </a:schemeClr>
-                          </a:solidFill>
-                          <a:effectLst/>
-                        </a:rPr>
-                        <a:t> </a:t>
-                      </a:r>
-                      <a:endParaRPr lang="en-US" sz="1300" dirty="0">
-                        <a:solidFill>
-                          <a:schemeClr val="tx1">
-                            <a:lumMod val="75000"/>
-                            <a:lumOff val="25000"/>
-                          </a:schemeClr>
-                        </a:solidFill>
-                        <a:effectLst/>
-                        <a:latin typeface="Cambria" panose="02040503050406030204" pitchFamily="18" charset="0"/>
-                        <a:ea typeface="Times New Roman" panose="02020603050405020304" pitchFamily="18" charset="0"/>
-                        <a:cs typeface="Times New Roman" panose="02020603050405020304" pitchFamily="18" charset="0"/>
-                      </a:endParaRPr>
-                    </a:p>
-                  </a:txBody>
-                  <a:tcPr marL="210365" marR="109390" marT="109390" marB="109390">
-                    <a:lnL w="12700" cmpd="sng">
-                      <a:noFill/>
-                      <a:prstDash val="solid"/>
-                    </a:lnL>
-                    <a:lnR w="12700" cmpd="sng">
-                      <a:noFill/>
-                      <a:prstDash val="solid"/>
-                    </a:lnR>
-                    <a:lnT w="19050" cap="flat" cmpd="sng" algn="ctr">
-                      <a:solidFill>
-                        <a:srgbClr val="FFFFFF"/>
-                      </a:solidFill>
-                      <a:prstDash val="solid"/>
-                    </a:lnT>
-                    <a:lnB w="19050" cap="flat" cmpd="sng" algn="ctr">
-                      <a:solidFill>
-                        <a:srgbClr val="FFFFFF"/>
-                      </a:solidFill>
-                      <a:prstDash val="solid"/>
-                    </a:lnB>
-                    <a:solidFill>
-                      <a:srgbClr val="B4BCBE">
-                        <a:alpha val="34902"/>
-                      </a:srgbClr>
-                    </a:solidFill>
-                  </a:tcPr>
-                </a:tc>
-                <a:extLst>
-                  <a:ext uri="{0D108BD9-81ED-4DB2-BD59-A6C34878D82A}">
-                    <a16:rowId xmlns:a16="http://schemas.microsoft.com/office/drawing/2014/main" val="2345155374"/>
-                  </a:ext>
-                </a:extLst>
-              </a:tr>
-              <a:tr h="701978">
-                <a:tc>
-                  <a:txBody>
-                    <a:bodyPr/>
-                    <a:lstStyle/>
-                    <a:p>
-                      <a:pPr marL="0" marR="0" algn="just">
-                        <a:lnSpc>
-                          <a:spcPct val="120000"/>
-                        </a:lnSpc>
-                        <a:spcBef>
-                          <a:spcPts val="600"/>
-                        </a:spcBef>
-                        <a:spcAft>
-                          <a:spcPts val="600"/>
-                        </a:spcAft>
-                      </a:pPr>
-                      <a:r>
-                        <a:rPr lang="vi-VN" sz="1300" b="1">
-                          <a:solidFill>
-                            <a:schemeClr val="tx1">
-                              <a:lumMod val="75000"/>
-                              <a:lumOff val="25000"/>
-                            </a:schemeClr>
-                          </a:solidFill>
-                          <a:effectLst/>
-                        </a:rPr>
-                        <a:t>Nguyễn Văn Trung Hiếu</a:t>
-                      </a:r>
-                      <a:endParaRPr lang="en-US" sz="1300" b="1">
-                        <a:solidFill>
-                          <a:schemeClr val="tx1">
-                            <a:lumMod val="75000"/>
-                            <a:lumOff val="25000"/>
-                          </a:schemeClr>
-                        </a:solidFill>
-                        <a:effectLst/>
-                        <a:latin typeface="Cambria" panose="02040503050406030204" pitchFamily="18" charset="0"/>
-                        <a:ea typeface="Times New Roman" panose="02020603050405020304" pitchFamily="18" charset="0"/>
-                        <a:cs typeface="Times New Roman" panose="02020603050405020304" pitchFamily="18" charset="0"/>
-                      </a:endParaRPr>
-                    </a:p>
-                  </a:txBody>
-                  <a:tcPr marL="210365" marR="109390" marT="109390" marB="109390">
-                    <a:lnL w="12700" cmpd="sng">
-                      <a:noFill/>
-                      <a:prstDash val="solid"/>
-                    </a:lnL>
-                    <a:lnR w="19050" cap="flat" cmpd="sng" algn="ctr">
-                      <a:solidFill>
-                        <a:srgbClr val="FFFFFF"/>
-                      </a:solidFill>
-                      <a:prstDash val="solid"/>
-                    </a:lnR>
-                    <a:lnT w="12700" cmpd="sng">
-                      <a:noFill/>
-                      <a:prstDash val="solid"/>
-                    </a:lnT>
-                    <a:lnB w="12700" cmpd="sng">
-                      <a:noFill/>
-                      <a:prstDash val="solid"/>
-                    </a:lnB>
-                    <a:solidFill>
-                      <a:srgbClr val="B4BCBE">
-                        <a:alpha val="20000"/>
-                      </a:srgbClr>
-                    </a:solidFill>
-                  </a:tcPr>
-                </a:tc>
-                <a:tc>
-                  <a:txBody>
-                    <a:bodyPr/>
-                    <a:lstStyle/>
-                    <a:p>
-                      <a:pPr marL="0" marR="0" algn="ctr">
-                        <a:lnSpc>
-                          <a:spcPct val="120000"/>
-                        </a:lnSpc>
-                        <a:spcBef>
-                          <a:spcPts val="600"/>
-                        </a:spcBef>
-                        <a:spcAft>
-                          <a:spcPts val="600"/>
-                        </a:spcAft>
-                      </a:pPr>
-                      <a:r>
-                        <a:rPr lang="vi-VN" sz="1300">
-                          <a:solidFill>
-                            <a:schemeClr val="tx1">
-                              <a:lumMod val="75000"/>
-                              <a:lumOff val="25000"/>
-                            </a:schemeClr>
-                          </a:solidFill>
-                          <a:effectLst/>
-                        </a:rPr>
-                        <a:t>20173107</a:t>
-                      </a:r>
-                      <a:endParaRPr lang="en-US" sz="1300">
-                        <a:solidFill>
-                          <a:schemeClr val="tx1">
-                            <a:lumMod val="75000"/>
-                            <a:lumOff val="25000"/>
-                          </a:schemeClr>
-                        </a:solidFill>
-                        <a:effectLst/>
-                        <a:latin typeface="Cambria" panose="02040503050406030204" pitchFamily="18" charset="0"/>
-                        <a:ea typeface="Times New Roman" panose="02020603050405020304" pitchFamily="18" charset="0"/>
-                        <a:cs typeface="Times New Roman" panose="02020603050405020304" pitchFamily="18" charset="0"/>
-                      </a:endParaRPr>
-                    </a:p>
-                  </a:txBody>
-                  <a:tcPr marL="210365" marR="109390" marT="109390" marB="109390">
-                    <a:lnL w="19050" cap="flat" cmpd="sng" algn="ctr">
-                      <a:solidFill>
-                        <a:srgbClr val="FFFFFF"/>
-                      </a:solidFill>
-                      <a:prstDash val="solid"/>
-                    </a:lnL>
-                    <a:lnR w="12700" cmpd="sng">
-                      <a:noFill/>
-                      <a:prstDash val="solid"/>
-                    </a:lnR>
-                    <a:lnT w="19050" cap="flat" cmpd="sng" algn="ctr">
-                      <a:solidFill>
-                        <a:srgbClr val="FFFFFF"/>
-                      </a:solidFill>
-                      <a:prstDash val="solid"/>
-                    </a:lnT>
-                    <a:lnB w="19050" cap="flat" cmpd="sng" algn="ctr">
-                      <a:solidFill>
-                        <a:srgbClr val="FFFFFF"/>
-                      </a:solidFill>
-                      <a:prstDash val="solid"/>
-                    </a:lnB>
-                    <a:solidFill>
-                      <a:srgbClr val="B4BCBE">
-                        <a:alpha val="34902"/>
-                      </a:srgbClr>
-                    </a:solidFill>
-                  </a:tcPr>
-                </a:tc>
-                <a:tc>
-                  <a:txBody>
-                    <a:bodyPr/>
-                    <a:lstStyle/>
-                    <a:p>
-                      <a:pPr marL="0" marR="0" algn="just">
-                        <a:lnSpc>
-                          <a:spcPct val="120000"/>
-                        </a:lnSpc>
-                        <a:spcBef>
-                          <a:spcPts val="600"/>
-                        </a:spcBef>
-                        <a:spcAft>
-                          <a:spcPts val="600"/>
-                        </a:spcAft>
-                      </a:pPr>
-                      <a:r>
-                        <a:rPr lang="en-US" sz="1300">
-                          <a:solidFill>
-                            <a:schemeClr val="tx1">
-                              <a:lumMod val="75000"/>
-                              <a:lumOff val="25000"/>
-                            </a:schemeClr>
-                          </a:solidFill>
-                          <a:effectLst/>
-                        </a:rPr>
-                        <a:t>Các vấn đề liên quan đến C</a:t>
-                      </a:r>
-                      <a:r>
-                        <a:rPr lang="vi-VN" sz="1300">
-                          <a:solidFill>
-                            <a:schemeClr val="tx1">
-                              <a:lumMod val="75000"/>
-                              <a:lumOff val="25000"/>
-                            </a:schemeClr>
-                          </a:solidFill>
-                          <a:effectLst/>
-                        </a:rPr>
-                        <a:t>leanclass</a:t>
-                      </a:r>
-                      <a:r>
-                        <a:rPr lang="en-US" sz="1300">
-                          <a:solidFill>
-                            <a:schemeClr val="tx1">
-                              <a:lumMod val="75000"/>
-                              <a:lumOff val="25000"/>
-                            </a:schemeClr>
-                          </a:solidFill>
-                          <a:effectLst/>
-                        </a:rPr>
-                        <a:t>, </a:t>
-                      </a:r>
-                      <a:r>
-                        <a:rPr lang="vi-VN" sz="1300">
-                          <a:solidFill>
-                            <a:schemeClr val="tx1">
-                              <a:lumMod val="75000"/>
-                              <a:lumOff val="25000"/>
-                            </a:schemeClr>
-                          </a:solidFill>
-                          <a:effectLst/>
-                        </a:rPr>
-                        <a:t>cleanName</a:t>
-                      </a:r>
-                      <a:r>
-                        <a:rPr lang="en-US" sz="1300">
-                          <a:solidFill>
-                            <a:schemeClr val="tx1">
-                              <a:lumMod val="75000"/>
-                              <a:lumOff val="25000"/>
-                            </a:schemeClr>
-                          </a:solidFill>
-                          <a:effectLst/>
-                        </a:rPr>
-                        <a:t> và O</a:t>
-                      </a:r>
-                      <a:r>
-                        <a:rPr lang="vi-VN" sz="1300">
-                          <a:solidFill>
-                            <a:schemeClr val="tx1">
-                              <a:lumMod val="75000"/>
-                              <a:lumOff val="25000"/>
-                            </a:schemeClr>
-                          </a:solidFill>
-                          <a:effectLst/>
-                        </a:rPr>
-                        <a:t>bservable pettern</a:t>
-                      </a:r>
-                      <a:endParaRPr lang="en-US" sz="1300">
-                        <a:solidFill>
-                          <a:schemeClr val="tx1">
-                            <a:lumMod val="75000"/>
-                            <a:lumOff val="25000"/>
-                          </a:schemeClr>
-                        </a:solidFill>
-                        <a:effectLst/>
-                        <a:latin typeface="Cambria" panose="02040503050406030204" pitchFamily="18" charset="0"/>
-                        <a:ea typeface="Times New Roman" panose="02020603050405020304" pitchFamily="18" charset="0"/>
-                        <a:cs typeface="Times New Roman" panose="02020603050405020304" pitchFamily="18" charset="0"/>
-                      </a:endParaRPr>
-                    </a:p>
-                  </a:txBody>
-                  <a:tcPr marL="210365" marR="109390" marT="109390" marB="109390">
-                    <a:lnL w="12700" cmpd="sng">
-                      <a:noFill/>
-                      <a:prstDash val="solid"/>
-                    </a:lnL>
-                    <a:lnR w="12700" cmpd="sng">
-                      <a:noFill/>
-                      <a:prstDash val="solid"/>
-                    </a:lnR>
-                    <a:lnT w="19050" cap="flat" cmpd="sng" algn="ctr">
-                      <a:solidFill>
-                        <a:srgbClr val="FFFFFF"/>
-                      </a:solidFill>
-                      <a:prstDash val="solid"/>
-                    </a:lnT>
-                    <a:lnB w="19050" cap="flat" cmpd="sng" algn="ctr">
-                      <a:solidFill>
-                        <a:srgbClr val="FFFFFF"/>
-                      </a:solidFill>
-                      <a:prstDash val="solid"/>
-                    </a:lnB>
-                    <a:solidFill>
-                      <a:srgbClr val="B4BCBE">
-                        <a:alpha val="34902"/>
-                      </a:srgbClr>
-                    </a:solidFill>
-                  </a:tcPr>
-                </a:tc>
-                <a:extLst>
-                  <a:ext uri="{0D108BD9-81ED-4DB2-BD59-A6C34878D82A}">
-                    <a16:rowId xmlns:a16="http://schemas.microsoft.com/office/drawing/2014/main" val="776994908"/>
-                  </a:ext>
-                </a:extLst>
-              </a:tr>
-              <a:tr h="701978">
-                <a:tc>
-                  <a:txBody>
-                    <a:bodyPr/>
-                    <a:lstStyle/>
-                    <a:p>
-                      <a:pPr marL="0" marR="0" algn="just">
-                        <a:lnSpc>
-                          <a:spcPct val="120000"/>
-                        </a:lnSpc>
-                        <a:spcBef>
-                          <a:spcPts val="600"/>
-                        </a:spcBef>
-                        <a:spcAft>
-                          <a:spcPts val="600"/>
-                        </a:spcAft>
-                      </a:pPr>
-                      <a:r>
-                        <a:rPr lang="vi-VN" sz="1300" b="1" dirty="0">
-                          <a:solidFill>
-                            <a:schemeClr val="tx1">
-                              <a:lumMod val="75000"/>
-                              <a:lumOff val="25000"/>
-                            </a:schemeClr>
-                          </a:solidFill>
-                          <a:effectLst/>
-                        </a:rPr>
-                        <a:t>Lê Đức Hải</a:t>
-                      </a:r>
-                      <a:endParaRPr lang="en-US" sz="1300" b="1" dirty="0">
-                        <a:solidFill>
-                          <a:schemeClr val="tx1">
-                            <a:lumMod val="75000"/>
-                            <a:lumOff val="25000"/>
-                          </a:schemeClr>
-                        </a:solidFill>
-                        <a:effectLst/>
-                        <a:latin typeface="Cambria" panose="02040503050406030204" pitchFamily="18" charset="0"/>
-                        <a:ea typeface="Times New Roman" panose="02020603050405020304" pitchFamily="18" charset="0"/>
-                        <a:cs typeface="Times New Roman" panose="02020603050405020304" pitchFamily="18" charset="0"/>
-                      </a:endParaRPr>
-                    </a:p>
-                  </a:txBody>
-                  <a:tcPr marL="210365" marR="109390" marT="109390" marB="109390">
-                    <a:lnL w="12700" cmpd="sng">
-                      <a:noFill/>
-                      <a:prstDash val="solid"/>
-                    </a:lnL>
-                    <a:lnR w="19050" cap="flat" cmpd="sng" algn="ctr">
-                      <a:solidFill>
-                        <a:srgbClr val="FFFFFF"/>
-                      </a:solidFill>
-                      <a:prstDash val="solid"/>
-                    </a:lnR>
-                    <a:lnT w="12700" cmpd="sng">
-                      <a:noFill/>
-                      <a:prstDash val="solid"/>
-                    </a:lnT>
-                    <a:lnB w="12700" cmpd="sng">
-                      <a:noFill/>
-                      <a:prstDash val="solid"/>
-                    </a:lnB>
-                    <a:solidFill>
-                      <a:srgbClr val="B4BCBE">
-                        <a:alpha val="20000"/>
-                      </a:srgbClr>
-                    </a:solidFill>
-                  </a:tcPr>
-                </a:tc>
-                <a:tc>
-                  <a:txBody>
-                    <a:bodyPr/>
-                    <a:lstStyle/>
-                    <a:p>
-                      <a:pPr marL="0" marR="0" algn="ctr">
-                        <a:lnSpc>
-                          <a:spcPct val="120000"/>
-                        </a:lnSpc>
-                        <a:spcBef>
-                          <a:spcPts val="600"/>
-                        </a:spcBef>
-                        <a:spcAft>
-                          <a:spcPts val="600"/>
-                        </a:spcAft>
-                      </a:pPr>
-                      <a:r>
-                        <a:rPr lang="vi-VN" sz="1300" dirty="0">
-                          <a:solidFill>
-                            <a:schemeClr val="tx1">
-                              <a:lumMod val="75000"/>
-                              <a:lumOff val="25000"/>
-                            </a:schemeClr>
-                          </a:solidFill>
-                          <a:effectLst/>
-                        </a:rPr>
-                        <a:t>20173094</a:t>
-                      </a:r>
-                      <a:endParaRPr lang="en-US" sz="1300" dirty="0">
-                        <a:solidFill>
-                          <a:schemeClr val="tx1">
-                            <a:lumMod val="75000"/>
-                            <a:lumOff val="25000"/>
-                          </a:schemeClr>
-                        </a:solidFill>
-                        <a:effectLst/>
-                        <a:latin typeface="Cambria" panose="02040503050406030204" pitchFamily="18" charset="0"/>
-                        <a:ea typeface="Times New Roman" panose="02020603050405020304" pitchFamily="18" charset="0"/>
-                        <a:cs typeface="Times New Roman" panose="02020603050405020304" pitchFamily="18" charset="0"/>
-                      </a:endParaRPr>
-                    </a:p>
-                  </a:txBody>
-                  <a:tcPr marL="210365" marR="109390" marT="109390" marB="109390">
-                    <a:lnL w="19050" cap="flat" cmpd="sng" algn="ctr">
-                      <a:solidFill>
-                        <a:srgbClr val="FFFFFF"/>
-                      </a:solidFill>
-                      <a:prstDash val="solid"/>
-                    </a:lnL>
-                    <a:lnR w="12700" cmpd="sng">
-                      <a:noFill/>
-                      <a:prstDash val="solid"/>
-                    </a:lnR>
-                    <a:lnT w="19050" cap="flat" cmpd="sng" algn="ctr">
-                      <a:solidFill>
-                        <a:srgbClr val="FFFFFF"/>
-                      </a:solidFill>
-                      <a:prstDash val="solid"/>
-                    </a:lnT>
-                    <a:lnB w="19050" cap="flat" cmpd="sng" algn="ctr">
-                      <a:solidFill>
-                        <a:srgbClr val="FFFFFF"/>
-                      </a:solidFill>
-                      <a:prstDash val="solid"/>
-                    </a:lnB>
-                    <a:solidFill>
-                      <a:srgbClr val="B4BCBE">
-                        <a:alpha val="34902"/>
-                      </a:srgbClr>
-                    </a:solidFill>
-                  </a:tcPr>
-                </a:tc>
-                <a:tc>
-                  <a:txBody>
-                    <a:bodyPr/>
-                    <a:lstStyle/>
-                    <a:p>
-                      <a:pPr marL="0" marR="0" algn="just">
-                        <a:lnSpc>
-                          <a:spcPct val="120000"/>
-                        </a:lnSpc>
-                        <a:spcBef>
-                          <a:spcPts val="600"/>
-                        </a:spcBef>
-                        <a:spcAft>
-                          <a:spcPts val="600"/>
-                        </a:spcAft>
-                      </a:pPr>
-                      <a:r>
-                        <a:rPr lang="en-US" sz="1300" dirty="0" err="1">
-                          <a:solidFill>
-                            <a:schemeClr val="tx1">
-                              <a:lumMod val="75000"/>
-                              <a:lumOff val="25000"/>
-                            </a:schemeClr>
-                          </a:solidFill>
-                          <a:effectLst/>
-                        </a:rPr>
-                        <a:t>Các</a:t>
-                      </a:r>
-                      <a:r>
-                        <a:rPr lang="en-US" sz="1300" dirty="0">
-                          <a:solidFill>
-                            <a:schemeClr val="tx1">
-                              <a:lumMod val="75000"/>
-                              <a:lumOff val="25000"/>
-                            </a:schemeClr>
-                          </a:solidFill>
-                          <a:effectLst/>
-                        </a:rPr>
-                        <a:t> </a:t>
-                      </a:r>
-                      <a:r>
-                        <a:rPr lang="en-US" sz="1300" dirty="0" err="1">
-                          <a:solidFill>
-                            <a:schemeClr val="tx1">
-                              <a:lumMod val="75000"/>
-                              <a:lumOff val="25000"/>
-                            </a:schemeClr>
-                          </a:solidFill>
-                          <a:effectLst/>
-                        </a:rPr>
-                        <a:t>vấn</a:t>
-                      </a:r>
-                      <a:r>
-                        <a:rPr lang="en-US" sz="1300" dirty="0">
-                          <a:solidFill>
-                            <a:schemeClr val="tx1">
-                              <a:lumMod val="75000"/>
-                              <a:lumOff val="25000"/>
-                            </a:schemeClr>
-                          </a:solidFill>
-                          <a:effectLst/>
-                        </a:rPr>
-                        <a:t> đề liên quan </a:t>
-                      </a:r>
-                      <a:r>
-                        <a:rPr lang="en-US" sz="1300" dirty="0" err="1">
-                          <a:solidFill>
-                            <a:schemeClr val="tx1">
-                              <a:lumMod val="75000"/>
-                              <a:lumOff val="25000"/>
-                            </a:schemeClr>
-                          </a:solidFill>
-                          <a:effectLst/>
-                        </a:rPr>
-                        <a:t>đến</a:t>
-                      </a:r>
-                      <a:r>
-                        <a:rPr lang="en-US" sz="1300" dirty="0">
-                          <a:solidFill>
-                            <a:schemeClr val="tx1">
-                              <a:lumMod val="75000"/>
-                              <a:lumOff val="25000"/>
-                            </a:schemeClr>
-                          </a:solidFill>
-                          <a:effectLst/>
-                        </a:rPr>
-                        <a:t> S</a:t>
-                      </a:r>
-                      <a:r>
-                        <a:rPr lang="vi-VN" sz="1300" dirty="0" err="1">
-                          <a:solidFill>
-                            <a:schemeClr val="tx1">
-                              <a:lumMod val="75000"/>
-                              <a:lumOff val="25000"/>
-                            </a:schemeClr>
-                          </a:solidFill>
-                          <a:effectLst/>
-                        </a:rPr>
-                        <a:t>tate</a:t>
-                      </a:r>
-                      <a:r>
-                        <a:rPr lang="vi-VN" sz="1300" dirty="0">
-                          <a:solidFill>
-                            <a:schemeClr val="tx1">
-                              <a:lumMod val="75000"/>
-                              <a:lumOff val="25000"/>
-                            </a:schemeClr>
-                          </a:solidFill>
-                          <a:effectLst/>
-                        </a:rPr>
-                        <a:t> </a:t>
-                      </a:r>
-                      <a:r>
-                        <a:rPr lang="vi-VN" sz="1300" dirty="0" err="1">
-                          <a:solidFill>
-                            <a:schemeClr val="tx1">
-                              <a:lumMod val="75000"/>
-                              <a:lumOff val="25000"/>
-                            </a:schemeClr>
-                          </a:solidFill>
-                          <a:effectLst/>
-                        </a:rPr>
-                        <a:t>pattern</a:t>
-                      </a:r>
-                      <a:r>
-                        <a:rPr lang="vi-VN" sz="1300" dirty="0">
-                          <a:solidFill>
-                            <a:schemeClr val="tx1">
-                              <a:lumMod val="75000"/>
-                              <a:lumOff val="25000"/>
-                            </a:schemeClr>
-                          </a:solidFill>
-                          <a:effectLst/>
-                        </a:rPr>
-                        <a:t> </a:t>
-                      </a:r>
-                      <a:r>
-                        <a:rPr lang="en-US" sz="1300" dirty="0">
-                          <a:solidFill>
-                            <a:schemeClr val="tx1">
-                              <a:lumMod val="75000"/>
-                              <a:lumOff val="25000"/>
-                            </a:schemeClr>
-                          </a:solidFill>
-                          <a:effectLst/>
-                        </a:rPr>
-                        <a:t>và A</a:t>
-                      </a:r>
-                      <a:r>
-                        <a:rPr lang="vi-VN" sz="1300" dirty="0" err="1">
-                          <a:solidFill>
-                            <a:schemeClr val="tx1">
-                              <a:lumMod val="75000"/>
-                              <a:lumOff val="25000"/>
-                            </a:schemeClr>
-                          </a:solidFill>
-                          <a:effectLst/>
-                        </a:rPr>
-                        <a:t>dapter</a:t>
-                      </a:r>
-                      <a:r>
-                        <a:rPr lang="vi-VN" sz="1300" dirty="0">
-                          <a:solidFill>
-                            <a:schemeClr val="tx1">
-                              <a:lumMod val="75000"/>
-                              <a:lumOff val="25000"/>
-                            </a:schemeClr>
-                          </a:solidFill>
-                          <a:effectLst/>
-                        </a:rPr>
-                        <a:t> </a:t>
-                      </a:r>
-                      <a:r>
-                        <a:rPr lang="vi-VN" sz="1300" dirty="0" err="1">
-                          <a:solidFill>
-                            <a:schemeClr val="tx1">
-                              <a:lumMod val="75000"/>
-                              <a:lumOff val="25000"/>
-                            </a:schemeClr>
-                          </a:solidFill>
-                          <a:effectLst/>
-                        </a:rPr>
-                        <a:t>pattern</a:t>
-                      </a:r>
-                      <a:endParaRPr lang="en-US" sz="1300" dirty="0">
-                        <a:solidFill>
-                          <a:schemeClr val="tx1">
-                            <a:lumMod val="75000"/>
-                            <a:lumOff val="25000"/>
-                          </a:schemeClr>
-                        </a:solidFill>
-                        <a:effectLst/>
-                        <a:latin typeface="Cambria" panose="02040503050406030204" pitchFamily="18" charset="0"/>
-                        <a:ea typeface="Times New Roman" panose="02020603050405020304" pitchFamily="18" charset="0"/>
-                        <a:cs typeface="Times New Roman" panose="02020603050405020304" pitchFamily="18" charset="0"/>
-                      </a:endParaRPr>
-                    </a:p>
-                  </a:txBody>
-                  <a:tcPr marL="210365" marR="109390" marT="109390" marB="109390">
-                    <a:lnL w="12700" cmpd="sng">
-                      <a:noFill/>
-                      <a:prstDash val="solid"/>
-                    </a:lnL>
-                    <a:lnR w="12700" cmpd="sng">
-                      <a:noFill/>
-                      <a:prstDash val="solid"/>
-                    </a:lnR>
-                    <a:lnT w="19050" cap="flat" cmpd="sng" algn="ctr">
-                      <a:solidFill>
-                        <a:srgbClr val="FFFFFF"/>
-                      </a:solidFill>
-                      <a:prstDash val="solid"/>
-                    </a:lnT>
-                    <a:lnB w="19050" cap="flat" cmpd="sng" algn="ctr">
-                      <a:solidFill>
-                        <a:srgbClr val="FFFFFF"/>
-                      </a:solidFill>
-                      <a:prstDash val="solid"/>
-                    </a:lnB>
-                    <a:solidFill>
-                      <a:srgbClr val="B4BCBE">
-                        <a:alpha val="34902"/>
-                      </a:srgbClr>
-                    </a:solidFill>
-                  </a:tcPr>
-                </a:tc>
-                <a:extLst>
-                  <a:ext uri="{0D108BD9-81ED-4DB2-BD59-A6C34878D82A}">
-                    <a16:rowId xmlns:a16="http://schemas.microsoft.com/office/drawing/2014/main" val="4244963905"/>
-                  </a:ext>
-                </a:extLst>
-              </a:tr>
-            </a:tbl>
-          </a:graphicData>
-        </a:graphic>
-      </p:graphicFrame>
-    </p:spTree>
-    <p:extLst>
-      <p:ext uri="{BB962C8B-B14F-4D97-AF65-F5344CB8AC3E}">
-        <p14:creationId xmlns:p14="http://schemas.microsoft.com/office/powerpoint/2010/main" val="352741290"/>
-      </p:ext>
-    </p:extLst>
-  </p:cSld>
-  <p:clrMapOvr>
-    <a:masterClrMapping/>
-  </p:clrMapOvr>
-</p:sld>
-</file>
-
-<file path=ppt/slides/slide30.xml><?xml version="1.0" encoding="utf-8"?>
+<file path=ppt/slides/slide31.xml><?xml version="1.0" encoding="utf-8"?>
 <p:sld xmlns:a="http://schemas.openxmlformats.org/drawingml/2006/main" xmlns:r="http://schemas.openxmlformats.org/officeDocument/2006/relationships" xmlns:p="http://schemas.openxmlformats.org/presentationml/2006/main">
   <p:cSld>
     <p:spTree>
@@ -27861,7 +28514,7 @@
             <a:fld id="{14CC5C6E-26B5-4455-A24E-CC8AA8460F8B}" type="slidenum">
               <a:rPr lang="en-US" altLang="en-US" sz="1400"/>
               <a:pPr eaLnBrk="1" hangingPunct="1"/>
-              <a:t>30</a:t>
+              <a:t>31</a:t>
             </a:fld>
             <a:endParaRPr lang="en-US" altLang="en-US" sz="1400"/>
           </a:p>
@@ -28514,7 +29167,7 @@
 </p:sld>
 </file>
 
-<file path=ppt/slides/slide31.xml><?xml version="1.0" encoding="utf-8"?>
+<file path=ppt/slides/slide32.xml><?xml version="1.0" encoding="utf-8"?>
 <p:sld xmlns:a="http://schemas.openxmlformats.org/drawingml/2006/main" xmlns:r="http://schemas.openxmlformats.org/officeDocument/2006/relationships" xmlns:p="http://schemas.openxmlformats.org/presentationml/2006/main">
   <p:cSld>
     <p:spTree>
@@ -28676,7 +29329,7 @@
             <a:fld id="{14CC5C6E-26B5-4455-A24E-CC8AA8460F8B}" type="slidenum">
               <a:rPr lang="en-US" altLang="en-US" sz="1400"/>
               <a:pPr eaLnBrk="1" hangingPunct="1"/>
-              <a:t>31</a:t>
+              <a:t>32</a:t>
             </a:fld>
             <a:endParaRPr lang="en-US" altLang="en-US" sz="1400"/>
           </a:p>
@@ -28951,7 +29604,7 @@
 </p:sld>
 </file>
 
-<file path=ppt/slides/slide32.xml><?xml version="1.0" encoding="utf-8"?>
+<file path=ppt/slides/slide33.xml><?xml version="1.0" encoding="utf-8"?>
 <p:sld xmlns:a="http://schemas.openxmlformats.org/drawingml/2006/main" xmlns:r="http://schemas.openxmlformats.org/officeDocument/2006/relationships" xmlns:p="http://schemas.openxmlformats.org/presentationml/2006/main">
   <p:cSld>
     <p:spTree>
@@ -29113,7 +29766,7 @@
             <a:fld id="{14CC5C6E-26B5-4455-A24E-CC8AA8460F8B}" type="slidenum">
               <a:rPr lang="en-US" altLang="en-US" sz="1400"/>
               <a:pPr eaLnBrk="1" hangingPunct="1"/>
-              <a:t>32</a:t>
+              <a:t>33</a:t>
             </a:fld>
             <a:endParaRPr lang="en-US" altLang="en-US" sz="1400"/>
           </a:p>
@@ -29372,7 +30025,7 @@
 </p:sld>
 </file>
 
-<file path=ppt/slides/slide33.xml><?xml version="1.0" encoding="utf-8"?>
+<file path=ppt/slides/slide34.xml><?xml version="1.0" encoding="utf-8"?>
 <p:sld xmlns:a="http://schemas.openxmlformats.org/drawingml/2006/main" xmlns:r="http://schemas.openxmlformats.org/officeDocument/2006/relationships" xmlns:p="http://schemas.openxmlformats.org/presentationml/2006/main">
   <p:cSld>
     <p:spTree>
@@ -30074,7 +30727,7 @@
 </p:sld>
 </file>
 
-<file path=ppt/slides/slide34.xml><?xml version="1.0" encoding="utf-8"?>
+<file path=ppt/slides/slide35.xml><?xml version="1.0" encoding="utf-8"?>
 <p:sld xmlns:a="http://schemas.openxmlformats.org/drawingml/2006/main" xmlns:r="http://schemas.openxmlformats.org/officeDocument/2006/relationships" xmlns:p="http://schemas.openxmlformats.org/presentationml/2006/main">
   <p:cSld>
     <p:spTree>
@@ -30765,7 +31418,7 @@
 </p:sld>
 </file>
 
-<file path=ppt/slides/slide35.xml><?xml version="1.0" encoding="utf-8"?>
+<file path=ppt/slides/slide36.xml><?xml version="1.0" encoding="utf-8"?>
 <p:sld xmlns:a="http://schemas.openxmlformats.org/drawingml/2006/main" xmlns:r="http://schemas.openxmlformats.org/officeDocument/2006/relationships" xmlns:p="http://schemas.openxmlformats.org/presentationml/2006/main">
   <p:cSld>
     <p:spTree>
@@ -31263,7 +31916,7 @@
 </p:sld>
 </file>
 
-<file path=ppt/slides/slide36.xml><?xml version="1.0" encoding="utf-8"?>
+<file path=ppt/slides/slide37.xml><?xml version="1.0" encoding="utf-8"?>
 <p:sld xmlns:a="http://schemas.openxmlformats.org/drawingml/2006/main" xmlns:r="http://schemas.openxmlformats.org/officeDocument/2006/relationships" xmlns:p="http://schemas.openxmlformats.org/presentationml/2006/main">
   <p:cSld>
     <p:spTree>
@@ -31741,7 +32394,7 @@
 </p:sld>
 </file>
 
-<file path=ppt/slides/slide37.xml><?xml version="1.0" encoding="utf-8"?>
+<file path=ppt/slides/slide38.xml><?xml version="1.0" encoding="utf-8"?>
 <p:sld xmlns:a="http://schemas.openxmlformats.org/drawingml/2006/main" xmlns:r="http://schemas.openxmlformats.org/officeDocument/2006/relationships" xmlns:p="http://schemas.openxmlformats.org/presentationml/2006/main">
   <p:cSld>
     <p:spTree>
@@ -32210,7 +32863,7 @@
 </p:sld>
 </file>
 
-<file path=ppt/slides/slide38.xml><?xml version="1.0" encoding="utf-8"?>
+<file path=ppt/slides/slide39.xml><?xml version="1.0" encoding="utf-8"?>
 <p:sld xmlns:a="http://schemas.openxmlformats.org/drawingml/2006/main" xmlns:r="http://schemas.openxmlformats.org/officeDocument/2006/relationships" xmlns:p="http://schemas.openxmlformats.org/presentationml/2006/main">
   <p:cSld>
     <p:spTree>
@@ -32677,7 +33330,121 @@
 </p:sld>
 </file>
 
-<file path=ppt/slides/slide39.xml><?xml version="1.0" encoding="utf-8"?>
+<file path=ppt/slides/slide4.xml><?xml version="1.0" encoding="utf-8"?>
+<p:sld xmlns:a="http://schemas.openxmlformats.org/drawingml/2006/main" xmlns:r="http://schemas.openxmlformats.org/officeDocument/2006/relationships" xmlns:p="http://schemas.openxmlformats.org/presentationml/2006/main">
+  <p:cSld>
+    <p:spTree>
+      <p:nvGrpSpPr>
+        <p:cNvPr id="1" name=""/>
+        <p:cNvGrpSpPr/>
+        <p:nvPr/>
+      </p:nvGrpSpPr>
+      <p:grpSpPr>
+        <a:xfrm>
+          <a:off x="0" y="0"/>
+          <a:ext cx="0" cy="0"/>
+          <a:chOff x="0" y="0"/>
+          <a:chExt cx="0" cy="0"/>
+        </a:xfrm>
+      </p:grpSpPr>
+      <p:sp>
+        <p:nvSpPr>
+          <p:cNvPr id="2" name="Title 1">
+            <a:extLst>
+              <a:ext uri="{FF2B5EF4-FFF2-40B4-BE49-F238E27FC236}">
+                <a16:creationId xmlns:a16="http://schemas.microsoft.com/office/drawing/2014/main" id="{7486CE1E-EB12-4263-B998-6E82708AE5DE}"/>
+              </a:ext>
+            </a:extLst>
+          </p:cNvPr>
+          <p:cNvSpPr>
+            <a:spLocks noGrp="1"/>
+          </p:cNvSpPr>
+          <p:nvPr>
+            <p:ph type="title"/>
+          </p:nvPr>
+        </p:nvSpPr>
+        <p:spPr/>
+        <p:txBody>
+          <a:bodyPr/>
+          <a:lstStyle/>
+          <a:p>
+            <a:r>
+              <a:rPr lang="en-US" dirty="0" err="1">
+                <a:latin typeface="Book Antiqua"/>
+              </a:rPr>
+              <a:t>Usecase</a:t>
+            </a:r>
+            <a:r>
+              <a:rPr lang="en-US" dirty="0">
+                <a:latin typeface="Book Antiqua"/>
+              </a:rPr>
+              <a:t> </a:t>
+            </a:r>
+            <a:r>
+              <a:rPr lang="en-US" dirty="0" err="1">
+                <a:latin typeface="Book Antiqua"/>
+              </a:rPr>
+              <a:t>tổng</a:t>
+            </a:r>
+            <a:r>
+              <a:rPr lang="en-US" dirty="0">
+                <a:latin typeface="Book Antiqua"/>
+              </a:rPr>
+              <a:t> </a:t>
+            </a:r>
+            <a:r>
+              <a:rPr lang="en-US" dirty="0" err="1">
+                <a:latin typeface="Book Antiqua"/>
+              </a:rPr>
+              <a:t>quan</a:t>
+            </a:r>
+            <a:endParaRPr lang="en-US" dirty="0" err="1"/>
+          </a:p>
+        </p:txBody>
+      </p:sp>
+      <p:pic>
+        <p:nvPicPr>
+          <p:cNvPr id="4" name="Picture 4" descr="Diagram&#10;&#10;Description automatically generated">
+            <a:extLst>
+              <a:ext uri="{FF2B5EF4-FFF2-40B4-BE49-F238E27FC236}">
+                <a16:creationId xmlns:a16="http://schemas.microsoft.com/office/drawing/2014/main" id="{343418F8-8A6B-4E9B-A88B-396784EFF231}"/>
+              </a:ext>
+            </a:extLst>
+          </p:cNvPr>
+          <p:cNvPicPr>
+            <a:picLocks noGrp="1" noChangeAspect="1"/>
+          </p:cNvPicPr>
+          <p:nvPr>
+            <p:ph idx="1"/>
+          </p:nvPr>
+        </p:nvPicPr>
+        <p:blipFill>
+          <a:blip r:embed="rId2"/>
+          <a:stretch>
+            <a:fillRect/>
+          </a:stretch>
+        </p:blipFill>
+        <p:spPr>
+          <a:xfrm>
+            <a:off x="2103307" y="1661165"/>
+            <a:ext cx="4953831" cy="4351338"/>
+          </a:xfrm>
+        </p:spPr>
+      </p:pic>
+    </p:spTree>
+    <p:extLst>
+      <p:ext uri="{BB962C8B-B14F-4D97-AF65-F5344CB8AC3E}">
+        <p14:creationId xmlns:p14="http://schemas.microsoft.com/office/powerpoint/2010/main" val="1254768810"/>
+      </p:ext>
+    </p:extLst>
+  </p:cSld>
+  <p:clrMapOvr>
+    <a:masterClrMapping/>
+  </p:clrMapOvr>
+</p:sld>
+</file>
+
+<file path=ppt/slides/slide40.xml><?xml version="1.0" encoding="utf-8"?>
 <p:sld xmlns:a="http://schemas.openxmlformats.org/drawingml/2006/main" xmlns:r="http://schemas.openxmlformats.org/officeDocument/2006/relationships" xmlns:p="http://schemas.openxmlformats.org/presentationml/2006/main">
   <p:cSld>
     <p:spTree>
@@ -32839,7 +33606,7 @@
             <a:fld id="{14CC5C6E-26B5-4455-A24E-CC8AA8460F8B}" type="slidenum">
               <a:rPr lang="en-US" altLang="en-US" sz="1400"/>
               <a:pPr eaLnBrk="1" hangingPunct="1"/>
-              <a:t>39</a:t>
+              <a:t>40</a:t>
             </a:fld>
             <a:endParaRPr lang="en-US" altLang="en-US" sz="1400"/>
           </a:p>
@@ -33276,7 +34043,140 @@
 </p:sld>
 </file>
 
-<file path=ppt/slides/slide4.xml><?xml version="1.0" encoding="utf-8"?>
+<file path=ppt/slides/slide41.xml><?xml version="1.0" encoding="utf-8"?>
+<p:sld xmlns:a="http://schemas.openxmlformats.org/drawingml/2006/main" xmlns:r="http://schemas.openxmlformats.org/officeDocument/2006/relationships" xmlns:p="http://schemas.openxmlformats.org/presentationml/2006/main">
+  <p:cSld>
+    <p:bg>
+      <p:bgPr>
+        <a:blipFill dpi="0" rotWithShape="1">
+          <a:blip r:embed="rId2">
+            <a:lum/>
+          </a:blip>
+          <a:srcRect/>
+          <a:stretch>
+            <a:fillRect/>
+          </a:stretch>
+        </a:blipFill>
+        <a:effectLst/>
+      </p:bgPr>
+    </p:bg>
+    <p:spTree>
+      <p:nvGrpSpPr>
+        <p:cNvPr id="1" name=""/>
+        <p:cNvGrpSpPr/>
+        <p:nvPr/>
+      </p:nvGrpSpPr>
+      <p:grpSpPr>
+        <a:xfrm>
+          <a:off x="0" y="0"/>
+          <a:ext cx="0" cy="0"/>
+          <a:chOff x="0" y="0"/>
+          <a:chExt cx="0" cy="0"/>
+        </a:xfrm>
+      </p:grpSpPr>
+      <p:sp>
+        <p:nvSpPr>
+          <p:cNvPr id="7" name="TextBox 6">
+            <a:extLst>
+              <a:ext uri="{FF2B5EF4-FFF2-40B4-BE49-F238E27FC236}">
+                <a16:creationId xmlns:a16="http://schemas.microsoft.com/office/drawing/2014/main" id="{D3096B3D-C2D5-4D95-A93F-A7C0D9AAC94B}"/>
+              </a:ext>
+            </a:extLst>
+          </p:cNvPr>
+          <p:cNvSpPr txBox="1"/>
+          <p:nvPr/>
+        </p:nvSpPr>
+        <p:spPr>
+          <a:xfrm>
+            <a:off x="283987" y="2725513"/>
+            <a:ext cx="2894641" cy="954107"/>
+          </a:xfrm>
+          <a:prstGeom prst="rect">
+            <a:avLst/>
+          </a:prstGeom>
+          <a:noFill/>
+        </p:spPr>
+        <p:txBody>
+          <a:bodyPr wrap="square">
+            <a:spAutoFit/>
+          </a:bodyPr>
+          <a:lstStyle/>
+          <a:p>
+            <a:pPr algn="l" rtl="0" fontAlgn="base"/>
+            <a:r>
+              <a:rPr lang="en-US" sz="2800" b="1" i="0" u="none" strike="noStrike">
+                <a:solidFill>
+                  <a:srgbClr val="FFFFFF"/>
+                </a:solidFill>
+                <a:effectLst/>
+                <a:latin typeface="Arial" panose="020B0604020202020204" pitchFamily="34" charset="0"/>
+              </a:rPr>
+              <a:t>Thank you for</a:t>
+            </a:r>
+            <a:r>
+              <a:rPr lang="en-US" sz="2800" b="0" i="0">
+                <a:solidFill>
+                  <a:srgbClr val="000000"/>
+                </a:solidFill>
+                <a:effectLst/>
+                <a:latin typeface="Arial" panose="020B0604020202020204" pitchFamily="34" charset="0"/>
+              </a:rPr>
+              <a:t>​</a:t>
+            </a:r>
+            <a:r>
+              <a:rPr lang="vi-VN" sz="2800" b="0" i="0">
+                <a:solidFill>
+                  <a:srgbClr val="000000"/>
+                </a:solidFill>
+                <a:effectLst/>
+                <a:latin typeface="Arial" panose="020B0604020202020204" pitchFamily="34" charset="0"/>
+              </a:rPr>
+              <a:t> </a:t>
+            </a:r>
+            <a:r>
+              <a:rPr lang="en-US" sz="2800" b="1" i="0" u="none" strike="noStrike">
+                <a:solidFill>
+                  <a:srgbClr val="FFFFFF"/>
+                </a:solidFill>
+                <a:effectLst/>
+                <a:latin typeface="Arial" panose="020B0604020202020204" pitchFamily="34" charset="0"/>
+              </a:rPr>
+              <a:t>your attentions!</a:t>
+            </a:r>
+            <a:r>
+              <a:rPr lang="en-US" sz="2800" b="0" i="0">
+                <a:solidFill>
+                  <a:srgbClr val="000000"/>
+                </a:solidFill>
+                <a:effectLst/>
+                <a:latin typeface="Arial" panose="020B0604020202020204" pitchFamily="34" charset="0"/>
+              </a:rPr>
+              <a:t>​</a:t>
+            </a:r>
+            <a:endParaRPr lang="en-US" sz="2800" b="0" i="0">
+              <a:solidFill>
+                <a:srgbClr val="000000"/>
+              </a:solidFill>
+              <a:effectLst/>
+              <a:latin typeface="Segoe UI" panose="020B0502040204020203" pitchFamily="34" charset="0"/>
+            </a:endParaRPr>
+          </a:p>
+        </p:txBody>
+      </p:sp>
+    </p:spTree>
+    <p:extLst>
+      <p:ext uri="{BB962C8B-B14F-4D97-AF65-F5344CB8AC3E}">
+        <p14:creationId xmlns:p14="http://schemas.microsoft.com/office/powerpoint/2010/main" val="3337580921"/>
+      </p:ext>
+    </p:extLst>
+  </p:cSld>
+  <p:clrMapOvr>
+    <a:masterClrMapping/>
+  </p:clrMapOvr>
+</p:sld>
+</file>
+
+<file path=ppt/slides/slide5.xml><?xml version="1.0" encoding="utf-8"?>
 <p:sld xmlns:a="http://schemas.openxmlformats.org/drawingml/2006/main" xmlns:r="http://schemas.openxmlformats.org/officeDocument/2006/relationships" xmlns:p="http://schemas.openxmlformats.org/presentationml/2006/main">
   <p:cSld>
     <p:spTree>
@@ -33438,7 +34338,7 @@
             <a:fld id="{14CC5C6E-26B5-4455-A24E-CC8AA8460F8B}" type="slidenum">
               <a:rPr lang="en-US" altLang="en-US" sz="1400"/>
               <a:pPr eaLnBrk="1" hangingPunct="1"/>
-              <a:t>4</a:t>
+              <a:t>5</a:t>
             </a:fld>
             <a:endParaRPr lang="en-US" altLang="en-US" sz="1400"/>
           </a:p>
@@ -33945,140 +34845,7 @@
 </p:sld>
 </file>
 
-<file path=ppt/slides/slide40.xml><?xml version="1.0" encoding="utf-8"?>
-<p:sld xmlns:a="http://schemas.openxmlformats.org/drawingml/2006/main" xmlns:r="http://schemas.openxmlformats.org/officeDocument/2006/relationships" xmlns:p="http://schemas.openxmlformats.org/presentationml/2006/main">
-  <p:cSld>
-    <p:bg>
-      <p:bgPr>
-        <a:blipFill dpi="0" rotWithShape="1">
-          <a:blip r:embed="rId2">
-            <a:lum/>
-          </a:blip>
-          <a:srcRect/>
-          <a:stretch>
-            <a:fillRect/>
-          </a:stretch>
-        </a:blipFill>
-        <a:effectLst/>
-      </p:bgPr>
-    </p:bg>
-    <p:spTree>
-      <p:nvGrpSpPr>
-        <p:cNvPr id="1" name=""/>
-        <p:cNvGrpSpPr/>
-        <p:nvPr/>
-      </p:nvGrpSpPr>
-      <p:grpSpPr>
-        <a:xfrm>
-          <a:off x="0" y="0"/>
-          <a:ext cx="0" cy="0"/>
-          <a:chOff x="0" y="0"/>
-          <a:chExt cx="0" cy="0"/>
-        </a:xfrm>
-      </p:grpSpPr>
-      <p:sp>
-        <p:nvSpPr>
-          <p:cNvPr id="7" name="TextBox 6">
-            <a:extLst>
-              <a:ext uri="{FF2B5EF4-FFF2-40B4-BE49-F238E27FC236}">
-                <a16:creationId xmlns:a16="http://schemas.microsoft.com/office/drawing/2014/main" id="{D3096B3D-C2D5-4D95-A93F-A7C0D9AAC94B}"/>
-              </a:ext>
-            </a:extLst>
-          </p:cNvPr>
-          <p:cNvSpPr txBox="1"/>
-          <p:nvPr/>
-        </p:nvSpPr>
-        <p:spPr>
-          <a:xfrm>
-            <a:off x="283987" y="2725513"/>
-            <a:ext cx="2894641" cy="954107"/>
-          </a:xfrm>
-          <a:prstGeom prst="rect">
-            <a:avLst/>
-          </a:prstGeom>
-          <a:noFill/>
-        </p:spPr>
-        <p:txBody>
-          <a:bodyPr wrap="square">
-            <a:spAutoFit/>
-          </a:bodyPr>
-          <a:lstStyle/>
-          <a:p>
-            <a:pPr algn="l" rtl="0" fontAlgn="base"/>
-            <a:r>
-              <a:rPr lang="en-US" sz="2800" b="1" i="0" u="none" strike="noStrike">
-                <a:solidFill>
-                  <a:srgbClr val="FFFFFF"/>
-                </a:solidFill>
-                <a:effectLst/>
-                <a:latin typeface="Arial" panose="020B0604020202020204" pitchFamily="34" charset="0"/>
-              </a:rPr>
-              <a:t>Thank you for</a:t>
-            </a:r>
-            <a:r>
-              <a:rPr lang="en-US" sz="2800" b="0" i="0">
-                <a:solidFill>
-                  <a:srgbClr val="000000"/>
-                </a:solidFill>
-                <a:effectLst/>
-                <a:latin typeface="Arial" panose="020B0604020202020204" pitchFamily="34" charset="0"/>
-              </a:rPr>
-              <a:t>​</a:t>
-            </a:r>
-            <a:r>
-              <a:rPr lang="vi-VN" sz="2800" b="0" i="0">
-                <a:solidFill>
-                  <a:srgbClr val="000000"/>
-                </a:solidFill>
-                <a:effectLst/>
-                <a:latin typeface="Arial" panose="020B0604020202020204" pitchFamily="34" charset="0"/>
-              </a:rPr>
-              <a:t> </a:t>
-            </a:r>
-            <a:r>
-              <a:rPr lang="en-US" sz="2800" b="1" i="0" u="none" strike="noStrike">
-                <a:solidFill>
-                  <a:srgbClr val="FFFFFF"/>
-                </a:solidFill>
-                <a:effectLst/>
-                <a:latin typeface="Arial" panose="020B0604020202020204" pitchFamily="34" charset="0"/>
-              </a:rPr>
-              <a:t>your attentions!</a:t>
-            </a:r>
-            <a:r>
-              <a:rPr lang="en-US" sz="2800" b="0" i="0">
-                <a:solidFill>
-                  <a:srgbClr val="000000"/>
-                </a:solidFill>
-                <a:effectLst/>
-                <a:latin typeface="Arial" panose="020B0604020202020204" pitchFamily="34" charset="0"/>
-              </a:rPr>
-              <a:t>​</a:t>
-            </a:r>
-            <a:endParaRPr lang="en-US" sz="2800" b="0" i="0">
-              <a:solidFill>
-                <a:srgbClr val="000000"/>
-              </a:solidFill>
-              <a:effectLst/>
-              <a:latin typeface="Segoe UI" panose="020B0502040204020203" pitchFamily="34" charset="0"/>
-            </a:endParaRPr>
-          </a:p>
-        </p:txBody>
-      </p:sp>
-    </p:spTree>
-    <p:extLst>
-      <p:ext uri="{BB962C8B-B14F-4D97-AF65-F5344CB8AC3E}">
-        <p14:creationId xmlns:p14="http://schemas.microsoft.com/office/powerpoint/2010/main" val="3337580921"/>
-      </p:ext>
-    </p:extLst>
-  </p:cSld>
-  <p:clrMapOvr>
-    <a:masterClrMapping/>
-  </p:clrMapOvr>
-</p:sld>
-</file>
-
-<file path=ppt/slides/slide5.xml><?xml version="1.0" encoding="utf-8"?>
+<file path=ppt/slides/slide6.xml><?xml version="1.0" encoding="utf-8"?>
 <p:sld xmlns:a="http://schemas.openxmlformats.org/drawingml/2006/main" xmlns:r="http://schemas.openxmlformats.org/officeDocument/2006/relationships" xmlns:p="http://schemas.openxmlformats.org/presentationml/2006/main">
   <p:cSld>
     <p:spTree>
@@ -34240,7 +35007,7 @@
             <a:fld id="{14CC5C6E-26B5-4455-A24E-CC8AA8460F8B}" type="slidenum">
               <a:rPr lang="en-US" altLang="en-US" sz="1400"/>
               <a:pPr eaLnBrk="1" hangingPunct="1"/>
-              <a:t>5</a:t>
+              <a:t>6</a:t>
             </a:fld>
             <a:endParaRPr lang="en-US" altLang="en-US" sz="1400"/>
           </a:p>
@@ -35227,7 +35994,7 @@
 </p:sld>
 </file>
 
-<file path=ppt/slides/slide6.xml><?xml version="1.0" encoding="utf-8"?>
+<file path=ppt/slides/slide7.xml><?xml version="1.0" encoding="utf-8"?>
 <p:sld xmlns:a="http://schemas.openxmlformats.org/drawingml/2006/main" xmlns:r="http://schemas.openxmlformats.org/officeDocument/2006/relationships" xmlns:p="http://schemas.openxmlformats.org/presentationml/2006/main">
   <p:cSld>
     <p:spTree>
@@ -35389,7 +36156,7 @@
             <a:fld id="{14CC5C6E-26B5-4455-A24E-CC8AA8460F8B}" type="slidenum">
               <a:rPr lang="en-US" altLang="en-US" sz="1400"/>
               <a:pPr eaLnBrk="1" hangingPunct="1"/>
-              <a:t>6</a:t>
+              <a:t>7</a:t>
             </a:fld>
             <a:endParaRPr lang="en-US" altLang="en-US" sz="1400"/>
           </a:p>
@@ -35966,7 +36733,7 @@
 </p:sld>
 </file>
 
-<file path=ppt/slides/slide7.xml><?xml version="1.0" encoding="utf-8"?>
+<file path=ppt/slides/slide8.xml><?xml version="1.0" encoding="utf-8"?>
 <p:sld xmlns:a="http://schemas.openxmlformats.org/drawingml/2006/main" xmlns:r="http://schemas.openxmlformats.org/officeDocument/2006/relationships" xmlns:p="http://schemas.openxmlformats.org/presentationml/2006/main">
   <p:cSld>
     <p:spTree>
@@ -36128,7 +36895,7 @@
             <a:fld id="{14CC5C6E-26B5-4455-A24E-CC8AA8460F8B}" type="slidenum">
               <a:rPr lang="en-US" altLang="en-US" sz="1400"/>
               <a:pPr eaLnBrk="1" hangingPunct="1"/>
-              <a:t>7</a:t>
+              <a:t>8</a:t>
             </a:fld>
             <a:endParaRPr lang="en-US" altLang="en-US" sz="1400"/>
           </a:p>
@@ -36696,7 +37463,7 @@
 </p:sld>
 </file>
 
-<file path=ppt/slides/slide8.xml><?xml version="1.0" encoding="utf-8"?>
+<file path=ppt/slides/slide9.xml><?xml version="1.0" encoding="utf-8"?>
 <p:sld xmlns:a="http://schemas.openxmlformats.org/drawingml/2006/main" xmlns:r="http://schemas.openxmlformats.org/officeDocument/2006/relationships" xmlns:p="http://schemas.openxmlformats.org/presentationml/2006/main">
   <p:cSld>
     <p:spTree>
@@ -36858,7 +37625,7 @@
             <a:fld id="{14CC5C6E-26B5-4455-A24E-CC8AA8460F8B}" type="slidenum">
               <a:rPr lang="en-US" altLang="en-US" sz="1400"/>
               <a:pPr eaLnBrk="1" hangingPunct="1"/>
-              <a:t>8</a:t>
+              <a:t>9</a:t>
             </a:fld>
             <a:endParaRPr lang="en-US" altLang="en-US" sz="1400"/>
           </a:p>
@@ -37433,657 +38200,6 @@
     <p:extLst>
       <p:ext uri="{BB962C8B-B14F-4D97-AF65-F5344CB8AC3E}">
         <p14:creationId xmlns:p14="http://schemas.microsoft.com/office/powerpoint/2010/main" val="723947545"/>
-      </p:ext>
-    </p:extLst>
-  </p:cSld>
-  <p:clrMapOvr>
-    <a:masterClrMapping/>
-  </p:clrMapOvr>
-</p:sld>
-</file>
-
-<file path=ppt/slides/slide9.xml><?xml version="1.0" encoding="utf-8"?>
-<p:sld xmlns:a="http://schemas.openxmlformats.org/drawingml/2006/main" xmlns:r="http://schemas.openxmlformats.org/officeDocument/2006/relationships" xmlns:p="http://schemas.openxmlformats.org/presentationml/2006/main">
-  <p:cSld>
-    <p:spTree>
-      <p:nvGrpSpPr>
-        <p:cNvPr id="1" name=""/>
-        <p:cNvGrpSpPr/>
-        <p:nvPr/>
-      </p:nvGrpSpPr>
-      <p:grpSpPr>
-        <a:xfrm>
-          <a:off x="0" y="0"/>
-          <a:ext cx="0" cy="0"/>
-          <a:chOff x="0" y="0"/>
-          <a:chExt cx="0" cy="0"/>
-        </a:xfrm>
-      </p:grpSpPr>
-      <p:sp>
-        <p:nvSpPr>
-          <p:cNvPr id="29699" name="Slide Number Placeholder 3"/>
-          <p:cNvSpPr>
-            <a:spLocks noGrp="1"/>
-          </p:cNvSpPr>
-          <p:nvPr>
-            <p:ph type="sldNum" sz="quarter" idx="4294967295"/>
-          </p:nvPr>
-        </p:nvSpPr>
-        <p:spPr>
-          <a:xfrm>
-            <a:off x="8624276" y="6463322"/>
-            <a:ext cx="234462" cy="261817"/>
-          </a:xfrm>
-          <a:prstGeom prst="rect">
-            <a:avLst/>
-          </a:prstGeom>
-          <a:noFill/>
-          <a:ln/>
-          <a:extLst>
-            <a:ext uri="{909E8E84-426E-40DD-AFC4-6F175D3DCCD1}">
-              <a14:hiddenFill xmlns:a14="http://schemas.microsoft.com/office/drawing/2010/main">
-                <a:solidFill>
-                  <a:srgbClr val="FFFFFF"/>
-                </a:solidFill>
-              </a14:hiddenFill>
-            </a:ext>
-            <a:ext uri="{91240B29-F687-4F45-9708-019B960494DF}">
-              <a14:hiddenLine xmlns:a14="http://schemas.microsoft.com/office/drawing/2010/main" w="9525">
-                <a:solidFill>
-                  <a:srgbClr val="000000"/>
-                </a:solidFill>
-                <a:miter lim="800000"/>
-                <a:headEnd/>
-                <a:tailEnd/>
-              </a14:hiddenLine>
-            </a:ext>
-          </a:extLst>
-        </p:spPr>
-        <p:txBody>
-          <a:bodyPr/>
-          <a:lstStyle>
-            <a:lvl1pPr eaLnBrk="0" hangingPunct="0">
-              <a:defRPr sz="2400">
-                <a:solidFill>
-                  <a:schemeClr val="tx1"/>
-                </a:solidFill>
-                <a:latin typeface="Tahoma" panose="020B0604030504040204" pitchFamily="34" charset="0"/>
-              </a:defRPr>
-            </a:lvl1pPr>
-            <a:lvl2pPr marL="742950" indent="-285750" eaLnBrk="0" hangingPunct="0">
-              <a:defRPr sz="2400">
-                <a:solidFill>
-                  <a:schemeClr val="tx1"/>
-                </a:solidFill>
-                <a:latin typeface="Tahoma" panose="020B0604030504040204" pitchFamily="34" charset="0"/>
-              </a:defRPr>
-            </a:lvl2pPr>
-            <a:lvl3pPr marL="1143000" indent="-228600" eaLnBrk="0" hangingPunct="0">
-              <a:defRPr sz="2400">
-                <a:solidFill>
-                  <a:schemeClr val="tx1"/>
-                </a:solidFill>
-                <a:latin typeface="Tahoma" panose="020B0604030504040204" pitchFamily="34" charset="0"/>
-              </a:defRPr>
-            </a:lvl3pPr>
-            <a:lvl4pPr marL="1600200" indent="-228600" eaLnBrk="0" hangingPunct="0">
-              <a:defRPr sz="2400">
-                <a:solidFill>
-                  <a:schemeClr val="tx1"/>
-                </a:solidFill>
-                <a:latin typeface="Tahoma" panose="020B0604030504040204" pitchFamily="34" charset="0"/>
-              </a:defRPr>
-            </a:lvl4pPr>
-            <a:lvl5pPr marL="2057400" indent="-228600" eaLnBrk="0" hangingPunct="0">
-              <a:defRPr sz="2400">
-                <a:solidFill>
-                  <a:schemeClr val="tx1"/>
-                </a:solidFill>
-                <a:latin typeface="Tahoma" panose="020B0604030504040204" pitchFamily="34" charset="0"/>
-              </a:defRPr>
-            </a:lvl5pPr>
-            <a:lvl6pPr marL="2514600" indent="-228600" eaLnBrk="0" fontAlgn="base" hangingPunct="0">
-              <a:spcBef>
-                <a:spcPct val="0"/>
-              </a:spcBef>
-              <a:spcAft>
-                <a:spcPct val="0"/>
-              </a:spcAft>
-              <a:defRPr sz="2400">
-                <a:solidFill>
-                  <a:schemeClr val="tx1"/>
-                </a:solidFill>
-                <a:latin typeface="Tahoma" panose="020B0604030504040204" pitchFamily="34" charset="0"/>
-              </a:defRPr>
-            </a:lvl6pPr>
-            <a:lvl7pPr marL="2971800" indent="-228600" eaLnBrk="0" fontAlgn="base" hangingPunct="0">
-              <a:spcBef>
-                <a:spcPct val="0"/>
-              </a:spcBef>
-              <a:spcAft>
-                <a:spcPct val="0"/>
-              </a:spcAft>
-              <a:defRPr sz="2400">
-                <a:solidFill>
-                  <a:schemeClr val="tx1"/>
-                </a:solidFill>
-                <a:latin typeface="Tahoma" panose="020B0604030504040204" pitchFamily="34" charset="0"/>
-              </a:defRPr>
-            </a:lvl7pPr>
-            <a:lvl8pPr marL="3429000" indent="-228600" eaLnBrk="0" fontAlgn="base" hangingPunct="0">
-              <a:spcBef>
-                <a:spcPct val="0"/>
-              </a:spcBef>
-              <a:spcAft>
-                <a:spcPct val="0"/>
-              </a:spcAft>
-              <a:defRPr sz="2400">
-                <a:solidFill>
-                  <a:schemeClr val="tx1"/>
-                </a:solidFill>
-                <a:latin typeface="Tahoma" panose="020B0604030504040204" pitchFamily="34" charset="0"/>
-              </a:defRPr>
-            </a:lvl8pPr>
-            <a:lvl9pPr marL="3886200" indent="-228600" eaLnBrk="0" fontAlgn="base" hangingPunct="0">
-              <a:spcBef>
-                <a:spcPct val="0"/>
-              </a:spcBef>
-              <a:spcAft>
-                <a:spcPct val="0"/>
-              </a:spcAft>
-              <a:defRPr sz="2400">
-                <a:solidFill>
-                  <a:schemeClr val="tx1"/>
-                </a:solidFill>
-                <a:latin typeface="Tahoma" panose="020B0604030504040204" pitchFamily="34" charset="0"/>
-              </a:defRPr>
-            </a:lvl9pPr>
-          </a:lstStyle>
-          <a:p>
-            <a:pPr eaLnBrk="1" hangingPunct="1"/>
-            <a:fld id="{14CC5C6E-26B5-4455-A24E-CC8AA8460F8B}" type="slidenum">
-              <a:rPr lang="en-US" altLang="en-US" sz="1400"/>
-              <a:pPr eaLnBrk="1" hangingPunct="1"/>
-              <a:t>9</a:t>
-            </a:fld>
-            <a:endParaRPr lang="en-US" altLang="en-US" sz="1400"/>
-          </a:p>
-        </p:txBody>
-      </p:sp>
-      <p:sp>
-        <p:nvSpPr>
-          <p:cNvPr id="29700" name="Rectangle 3" descr="Rectangle: Click to edit Master text styles&#10;Second level&#10;Third level&#10;Fourth level&#10;Fifth level"/>
-          <p:cNvSpPr>
-            <a:spLocks noGrp="1" noChangeArrowheads="1"/>
-          </p:cNvSpPr>
-          <p:nvPr>
-            <p:ph sz="quarter" idx="4294967295"/>
-          </p:nvPr>
-        </p:nvSpPr>
-        <p:spPr>
-          <a:xfrm>
-            <a:off x="476281" y="1617454"/>
-            <a:ext cx="7652737" cy="4232603"/>
-          </a:xfrm>
-        </p:spPr>
-        <p:txBody>
-          <a:bodyPr vert="horz" lIns="91440" tIns="45720" rIns="91440" bIns="45720" rtlCol="0" anchor="t">
-            <a:normAutofit/>
-          </a:bodyPr>
-          <a:lstStyle/>
-          <a:p>
-            <a:r>
-              <a:rPr lang="en-US" sz="1800" err="1">
-                <a:ea typeface="+mn-lt"/>
-                <a:cs typeface="+mn-lt"/>
-              </a:rPr>
-              <a:t>Thiết</a:t>
-            </a:r>
-            <a:r>
-              <a:rPr lang="en-US" sz="1800">
-                <a:ea typeface="+mn-lt"/>
-                <a:cs typeface="+mn-lt"/>
-              </a:rPr>
-              <a:t> </a:t>
-            </a:r>
-            <a:r>
-              <a:rPr lang="en-US" sz="1800" err="1">
-                <a:ea typeface="+mn-lt"/>
-                <a:cs typeface="+mn-lt"/>
-              </a:rPr>
-              <a:t>kế</a:t>
-            </a:r>
-            <a:r>
-              <a:rPr lang="en-US" sz="1800">
-                <a:ea typeface="+mn-lt"/>
-                <a:cs typeface="+mn-lt"/>
-              </a:rPr>
-              <a:t> </a:t>
-            </a:r>
-            <a:r>
-              <a:rPr lang="en-US" sz="1800" err="1">
-                <a:ea typeface="+mn-lt"/>
-                <a:cs typeface="+mn-lt"/>
-              </a:rPr>
-              <a:t>cũ</a:t>
-            </a:r>
-            <a:r>
-              <a:rPr lang="en-US" sz="1800">
-                <a:ea typeface="+mn-lt"/>
-                <a:cs typeface="+mn-lt"/>
-              </a:rPr>
-              <a:t>: </a:t>
-            </a:r>
-          </a:p>
-          <a:p>
-            <a:endParaRPr lang="en-US" sz="1800">
-              <a:ea typeface="+mn-lt"/>
-              <a:cs typeface="+mn-lt"/>
-            </a:endParaRPr>
-          </a:p>
-        </p:txBody>
-      </p:sp>
-      <p:sp>
-        <p:nvSpPr>
-          <p:cNvPr id="29701" name="Rectangle 2"/>
-          <p:cNvSpPr>
-            <a:spLocks noChangeArrowheads="1"/>
-          </p:cNvSpPr>
-          <p:nvPr/>
-        </p:nvSpPr>
-        <p:spPr bwMode="auto">
-          <a:xfrm>
-            <a:off x="609600" y="304800"/>
-            <a:ext cx="7772400" cy="841076"/>
-          </a:xfrm>
-          <a:prstGeom prst="rect">
-            <a:avLst/>
-          </a:prstGeom>
-          <a:noFill/>
-          <a:ln>
-            <a:noFill/>
-          </a:ln>
-          <a:extLst>
-            <a:ext uri="{909E8E84-426E-40DD-AFC4-6F175D3DCCD1}">
-              <a14:hiddenFill xmlns:a14="http://schemas.microsoft.com/office/drawing/2010/main">
-                <a:solidFill>
-                  <a:srgbClr val="FFFFFF"/>
-                </a:solidFill>
-              </a14:hiddenFill>
-            </a:ext>
-            <a:ext uri="{91240B29-F687-4F45-9708-019B960494DF}">
-              <a14:hiddenLine xmlns:a14="http://schemas.microsoft.com/office/drawing/2010/main" w="9525">
-                <a:solidFill>
-                  <a:srgbClr val="000000"/>
-                </a:solidFill>
-                <a:miter lim="800000"/>
-                <a:headEnd/>
-                <a:tailEnd/>
-              </a14:hiddenLine>
-            </a:ext>
-          </a:extLst>
-        </p:spPr>
-        <p:txBody>
-          <a:bodyPr lIns="91440" tIns="45720" rIns="91440" bIns="45720" anchor="b"/>
-          <a:lstStyle>
-            <a:lvl1pPr eaLnBrk="0" hangingPunct="0">
-              <a:defRPr sz="2400">
-                <a:solidFill>
-                  <a:schemeClr val="tx1"/>
-                </a:solidFill>
-                <a:latin typeface="Tahoma" panose="020B0604030504040204" pitchFamily="34" charset="0"/>
-              </a:defRPr>
-            </a:lvl1pPr>
-            <a:lvl2pPr marL="742950" indent="-285750" eaLnBrk="0" hangingPunct="0">
-              <a:defRPr sz="2400">
-                <a:solidFill>
-                  <a:schemeClr val="tx1"/>
-                </a:solidFill>
-                <a:latin typeface="Tahoma" panose="020B0604030504040204" pitchFamily="34" charset="0"/>
-              </a:defRPr>
-            </a:lvl2pPr>
-            <a:lvl3pPr marL="1143000" indent="-228600" eaLnBrk="0" hangingPunct="0">
-              <a:defRPr sz="2400">
-                <a:solidFill>
-                  <a:schemeClr val="tx1"/>
-                </a:solidFill>
-                <a:latin typeface="Tahoma" panose="020B0604030504040204" pitchFamily="34" charset="0"/>
-              </a:defRPr>
-            </a:lvl3pPr>
-            <a:lvl4pPr marL="1600200" indent="-228600" eaLnBrk="0" hangingPunct="0">
-              <a:defRPr sz="2400">
-                <a:solidFill>
-                  <a:schemeClr val="tx1"/>
-                </a:solidFill>
-                <a:latin typeface="Tahoma" panose="020B0604030504040204" pitchFamily="34" charset="0"/>
-              </a:defRPr>
-            </a:lvl4pPr>
-            <a:lvl5pPr marL="2057400" indent="-228600" eaLnBrk="0" hangingPunct="0">
-              <a:defRPr sz="2400">
-                <a:solidFill>
-                  <a:schemeClr val="tx1"/>
-                </a:solidFill>
-                <a:latin typeface="Tahoma" panose="020B0604030504040204" pitchFamily="34" charset="0"/>
-              </a:defRPr>
-            </a:lvl5pPr>
-            <a:lvl6pPr marL="2514600" indent="-228600" eaLnBrk="0" fontAlgn="base" hangingPunct="0">
-              <a:spcBef>
-                <a:spcPct val="0"/>
-              </a:spcBef>
-              <a:spcAft>
-                <a:spcPct val="0"/>
-              </a:spcAft>
-              <a:defRPr sz="2400">
-                <a:solidFill>
-                  <a:schemeClr val="tx1"/>
-                </a:solidFill>
-                <a:latin typeface="Tahoma" panose="020B0604030504040204" pitchFamily="34" charset="0"/>
-              </a:defRPr>
-            </a:lvl6pPr>
-            <a:lvl7pPr marL="2971800" indent="-228600" eaLnBrk="0" fontAlgn="base" hangingPunct="0">
-              <a:spcBef>
-                <a:spcPct val="0"/>
-              </a:spcBef>
-              <a:spcAft>
-                <a:spcPct val="0"/>
-              </a:spcAft>
-              <a:defRPr sz="2400">
-                <a:solidFill>
-                  <a:schemeClr val="tx1"/>
-                </a:solidFill>
-                <a:latin typeface="Tahoma" panose="020B0604030504040204" pitchFamily="34" charset="0"/>
-              </a:defRPr>
-            </a:lvl7pPr>
-            <a:lvl8pPr marL="3429000" indent="-228600" eaLnBrk="0" fontAlgn="base" hangingPunct="0">
-              <a:spcBef>
-                <a:spcPct val="0"/>
-              </a:spcBef>
-              <a:spcAft>
-                <a:spcPct val="0"/>
-              </a:spcAft>
-              <a:defRPr sz="2400">
-                <a:solidFill>
-                  <a:schemeClr val="tx1"/>
-                </a:solidFill>
-                <a:latin typeface="Tahoma" panose="020B0604030504040204" pitchFamily="34" charset="0"/>
-              </a:defRPr>
-            </a:lvl8pPr>
-            <a:lvl9pPr marL="3886200" indent="-228600" eaLnBrk="0" fontAlgn="base" hangingPunct="0">
-              <a:spcBef>
-                <a:spcPct val="0"/>
-              </a:spcBef>
-              <a:spcAft>
-                <a:spcPct val="0"/>
-              </a:spcAft>
-              <a:defRPr sz="2400">
-                <a:solidFill>
-                  <a:schemeClr val="tx1"/>
-                </a:solidFill>
-                <a:latin typeface="Tahoma" panose="020B0604030504040204" pitchFamily="34" charset="0"/>
-              </a:defRPr>
-            </a:lvl9pPr>
-          </a:lstStyle>
-          <a:p>
-            <a:r>
-              <a:rPr lang="en-US" altLang="zh-CN" sz="2800" err="1">
-                <a:solidFill>
-                  <a:schemeClr val="tx2"/>
-                </a:solidFill>
-                <a:latin typeface="Tahoma"/>
-              </a:rPr>
-              <a:t>Vấn</a:t>
-            </a:r>
-            <a:r>
-              <a:rPr lang="en-US" altLang="zh-CN" sz="2800">
-                <a:solidFill>
-                  <a:schemeClr val="tx2"/>
-                </a:solidFill>
-                <a:latin typeface="Tahoma"/>
-              </a:rPr>
-              <a:t> </a:t>
-            </a:r>
-            <a:r>
-              <a:rPr lang="en-US" altLang="zh-CN" sz="2800" err="1">
-                <a:solidFill>
-                  <a:schemeClr val="tx2"/>
-                </a:solidFill>
-                <a:latin typeface="Tahoma"/>
-              </a:rPr>
-              <a:t>đề</a:t>
-            </a:r>
-            <a:r>
-              <a:rPr lang="en-US" altLang="zh-CN" sz="2800">
-                <a:solidFill>
-                  <a:schemeClr val="tx2"/>
-                </a:solidFill>
-                <a:latin typeface="Tahoma"/>
-              </a:rPr>
-              <a:t> </a:t>
-            </a:r>
-            <a:r>
-              <a:rPr lang="en-US" altLang="zh-CN" sz="2800" err="1">
-                <a:solidFill>
-                  <a:schemeClr val="tx2"/>
-                </a:solidFill>
-                <a:latin typeface="Tahoma"/>
-              </a:rPr>
-              <a:t>cải</a:t>
-            </a:r>
-            <a:r>
-              <a:rPr lang="en-US" altLang="zh-CN" sz="2800">
-                <a:solidFill>
-                  <a:schemeClr val="tx2"/>
-                </a:solidFill>
-                <a:latin typeface="Tahoma"/>
-              </a:rPr>
-              <a:t> </a:t>
-            </a:r>
-            <a:r>
-              <a:rPr lang="en-US" altLang="zh-CN" sz="2800" err="1">
-                <a:solidFill>
-                  <a:schemeClr val="tx2"/>
-                </a:solidFill>
-                <a:latin typeface="Tahoma"/>
-              </a:rPr>
-              <a:t>tiến</a:t>
-            </a:r>
-            <a:r>
-              <a:rPr lang="en-US" altLang="zh-CN" sz="2800">
-                <a:solidFill>
-                  <a:schemeClr val="tx2"/>
-                </a:solidFill>
-                <a:latin typeface="Tahoma"/>
-              </a:rPr>
-              <a:t> </a:t>
-            </a:r>
-            <a:r>
-              <a:rPr lang="en-US" altLang="zh-CN" sz="2800" err="1">
-                <a:solidFill>
-                  <a:schemeClr val="tx2"/>
-                </a:solidFill>
-                <a:latin typeface="Tahoma"/>
-              </a:rPr>
-              <a:t>phần</a:t>
-            </a:r>
-            <a:r>
-              <a:rPr lang="en-US" altLang="zh-CN" sz="2800">
-                <a:solidFill>
-                  <a:schemeClr val="tx2"/>
-                </a:solidFill>
-                <a:latin typeface="Tahoma"/>
-              </a:rPr>
-              <a:t> </a:t>
-            </a:r>
-            <a:r>
-              <a:rPr lang="en-US" altLang="zh-CN" sz="2800" err="1">
-                <a:solidFill>
-                  <a:schemeClr val="tx2"/>
-                </a:solidFill>
-                <a:latin typeface="Tahoma"/>
-              </a:rPr>
-              <a:t>tính</a:t>
-            </a:r>
-            <a:r>
-              <a:rPr lang="en-US" altLang="zh-CN" sz="2800">
-                <a:solidFill>
-                  <a:schemeClr val="tx2"/>
-                </a:solidFill>
-                <a:latin typeface="Tahoma"/>
-              </a:rPr>
-              <a:t> </a:t>
-            </a:r>
-            <a:r>
-              <a:rPr lang="en-US" altLang="zh-CN" sz="2800" err="1">
-                <a:solidFill>
-                  <a:schemeClr val="tx2"/>
-                </a:solidFill>
-                <a:latin typeface="Tahoma"/>
-              </a:rPr>
-              <a:t>toán</a:t>
-            </a:r>
-            <a:r>
-              <a:rPr lang="en-US" altLang="zh-CN" sz="2800">
-                <a:solidFill>
-                  <a:schemeClr val="tx2"/>
-                </a:solidFill>
-                <a:latin typeface="Tahoma"/>
-              </a:rPr>
-              <a:t> chi </a:t>
-            </a:r>
-            <a:r>
-              <a:rPr lang="en-US" altLang="zh-CN" sz="2800" err="1">
-                <a:solidFill>
-                  <a:schemeClr val="tx2"/>
-                </a:solidFill>
-                <a:latin typeface="Tahoma"/>
-              </a:rPr>
-              <a:t>phí</a:t>
-            </a:r>
-            <a:r>
-              <a:rPr lang="en-US" altLang="zh-CN" sz="2800">
-                <a:solidFill>
-                  <a:schemeClr val="tx2"/>
-                </a:solidFill>
-                <a:latin typeface="Tahoma"/>
-              </a:rPr>
-              <a:t> </a:t>
-            </a:r>
-            <a:r>
-              <a:rPr lang="en-US" altLang="zh-CN" sz="2800" err="1">
-                <a:solidFill>
-                  <a:schemeClr val="tx2"/>
-                </a:solidFill>
-                <a:latin typeface="Tahoma"/>
-              </a:rPr>
-              <a:t>vận</a:t>
-            </a:r>
-            <a:r>
-              <a:rPr lang="en-US" altLang="zh-CN" sz="2800">
-                <a:solidFill>
-                  <a:schemeClr val="tx2"/>
-                </a:solidFill>
-                <a:latin typeface="Tahoma"/>
-              </a:rPr>
-              <a:t> </a:t>
-            </a:r>
-            <a:r>
-              <a:rPr lang="en-US" altLang="zh-CN" sz="2800" err="1">
-                <a:solidFill>
-                  <a:schemeClr val="tx2"/>
-                </a:solidFill>
-                <a:latin typeface="Tahoma"/>
-              </a:rPr>
-              <a:t>chuyển</a:t>
-            </a:r>
-            <a:r>
-              <a:rPr lang="en-US" altLang="zh-CN" sz="2800">
-                <a:solidFill>
-                  <a:schemeClr val="tx2"/>
-                </a:solidFill>
-                <a:latin typeface="Tahoma"/>
-              </a:rPr>
-              <a:t> </a:t>
-            </a:r>
-            <a:r>
-              <a:rPr lang="en-US" altLang="zh-CN" sz="2800" err="1">
-                <a:solidFill>
-                  <a:schemeClr val="tx2"/>
-                </a:solidFill>
-                <a:latin typeface="Tahoma"/>
-              </a:rPr>
-              <a:t>dựa</a:t>
-            </a:r>
-            <a:r>
-              <a:rPr lang="en-US" altLang="zh-CN" sz="2800">
-                <a:solidFill>
-                  <a:schemeClr val="tx2"/>
-                </a:solidFill>
-                <a:latin typeface="Tahoma"/>
-              </a:rPr>
-              <a:t> </a:t>
-            </a:r>
-            <a:r>
-              <a:rPr lang="en-US" altLang="zh-CN" sz="2800" err="1">
-                <a:solidFill>
-                  <a:schemeClr val="tx2"/>
-                </a:solidFill>
-                <a:latin typeface="Tahoma"/>
-              </a:rPr>
-              <a:t>vào</a:t>
-            </a:r>
-            <a:r>
-              <a:rPr lang="en-US" altLang="zh-CN" sz="2800">
-                <a:solidFill>
-                  <a:schemeClr val="tx2"/>
-                </a:solidFill>
-                <a:latin typeface="Tahoma"/>
-              </a:rPr>
-              <a:t> Adapter pattern</a:t>
-            </a:r>
-            <a:endParaRPr lang="en-US" altLang="zh-CN" sz="2800" err="1">
-              <a:solidFill>
-                <a:schemeClr val="tx2"/>
-              </a:solidFill>
-              <a:ea typeface="Tahoma" panose="020B0604030504040204" pitchFamily="34" charset="0"/>
-              <a:cs typeface="Tahoma" panose="020B0604030504040204" pitchFamily="34" charset="0"/>
-            </a:endParaRPr>
-          </a:p>
-        </p:txBody>
-      </p:sp>
-      <p:pic>
-        <p:nvPicPr>
-          <p:cNvPr id="3" name="Picture 3">
-            <a:extLst>
-              <a:ext uri="{FF2B5EF4-FFF2-40B4-BE49-F238E27FC236}">
-                <a16:creationId xmlns:a16="http://schemas.microsoft.com/office/drawing/2014/main" id="{13EF6973-D8D4-4FD3-8C02-B23B91C5BD5B}"/>
-              </a:ext>
-            </a:extLst>
-          </p:cNvPr>
-          <p:cNvPicPr>
-            <a:picLocks noChangeAspect="1"/>
-          </p:cNvPicPr>
-          <p:nvPr/>
-        </p:nvPicPr>
-        <p:blipFill>
-          <a:blip r:embed="rId2"/>
-          <a:stretch>
-            <a:fillRect/>
-          </a:stretch>
-        </p:blipFill>
-        <p:spPr>
-          <a:xfrm>
-            <a:off x="175692" y="2095811"/>
-            <a:ext cx="8383329" cy="3574787"/>
-          </a:xfrm>
-          <a:prstGeom prst="rect">
-            <a:avLst/>
-          </a:prstGeom>
-        </p:spPr>
-      </p:pic>
-    </p:spTree>
-    <p:extLst>
-      <p:ext uri="{BB962C8B-B14F-4D97-AF65-F5344CB8AC3E}">
-        <p14:creationId xmlns:p14="http://schemas.microsoft.com/office/powerpoint/2010/main" val="3686255408"/>
       </p:ext>
     </p:extLst>
   </p:cSld>
@@ -38757,12 +38873,9 @@
 </file>
 
 <file path=customXml/item1.xml><?xml version="1.0" encoding="utf-8"?>
-<?mso-contentType ?>
-<FormTemplates xmlns="http://schemas.microsoft.com/sharepoint/v3/contenttype/forms">
-  <Display>DocumentLibraryForm</Display>
-  <Edit>DocumentLibraryForm</Edit>
-  <New>DocumentLibraryForm</New>
-</FormTemplates>
+<p:properties xmlns:p="http://schemas.microsoft.com/office/2006/metadata/properties" xmlns:xsi="http://www.w3.org/2001/XMLSchema-instance" xmlns:pc="http://schemas.microsoft.com/office/infopath/2007/PartnerControls">
+  <documentManagement/>
+</p:properties>
 </file>
 
 <file path=customXml/item2.xml><?xml version="1.0" encoding="utf-8"?>
@@ -38898,15 +39011,26 @@
 </file>
 
 <file path=customXml/item3.xml><?xml version="1.0" encoding="utf-8"?>
-<p:properties xmlns:p="http://schemas.microsoft.com/office/2006/metadata/properties" xmlns:xsi="http://www.w3.org/2001/XMLSchema-instance" xmlns:pc="http://schemas.microsoft.com/office/infopath/2007/PartnerControls">
-  <documentManagement/>
-</p:properties>
+<?mso-contentType ?>
+<FormTemplates xmlns="http://schemas.microsoft.com/sharepoint/v3/contenttype/forms">
+  <Display>DocumentLibraryForm</Display>
+  <Edit>DocumentLibraryForm</Edit>
+  <New>DocumentLibraryForm</New>
+</FormTemplates>
 </file>
 
 <file path=customXml/itemProps1.xml><?xml version="1.0" encoding="utf-8"?>
-<ds:datastoreItem xmlns:ds="http://schemas.openxmlformats.org/officeDocument/2006/customXml" ds:itemID="{360054F8-3A1F-4FF0-9F5A-5904C92898BC}">
+<ds:datastoreItem xmlns:ds="http://schemas.openxmlformats.org/officeDocument/2006/customXml" ds:itemID="{A87A925E-A136-4C75-A0A2-92B14AC55CBE}">
   <ds:schemaRefs>
-    <ds:schemaRef ds:uri="http://schemas.microsoft.com/sharepoint/v3/contenttype/forms"/>
+    <ds:schemaRef ds:uri="cfabd2e2-cd6f-4303-b59c-3fa5959453df"/>
+    <ds:schemaRef ds:uri="http://purl.org/dc/dcmitype/"/>
+    <ds:schemaRef ds:uri="http://purl.org/dc/elements/1.1/"/>
+    <ds:schemaRef ds:uri="http://purl.org/dc/terms/"/>
+    <ds:schemaRef ds:uri="http://schemas.microsoft.com/office/2006/documentManagement/types"/>
+    <ds:schemaRef ds:uri="http://schemas.microsoft.com/office/2006/metadata/properties"/>
+    <ds:schemaRef ds:uri="http://schemas.microsoft.com/office/infopath/2007/PartnerControls"/>
+    <ds:schemaRef ds:uri="http://schemas.openxmlformats.org/package/2006/metadata/core-properties"/>
+    <ds:schemaRef ds:uri="http://www.w3.org/XML/1998/namespace"/>
   </ds:schemaRefs>
 </ds:datastoreItem>
 </file>
@@ -38930,17 +39054,9 @@
 </file>
 
 <file path=customXml/itemProps3.xml><?xml version="1.0" encoding="utf-8"?>
-<ds:datastoreItem xmlns:ds="http://schemas.openxmlformats.org/officeDocument/2006/customXml" ds:itemID="{A87A925E-A136-4C75-A0A2-92B14AC55CBE}">
+<ds:datastoreItem xmlns:ds="http://schemas.openxmlformats.org/officeDocument/2006/customXml" ds:itemID="{360054F8-3A1F-4FF0-9F5A-5904C92898BC}">
   <ds:schemaRefs>
-    <ds:schemaRef ds:uri="cfabd2e2-cd6f-4303-b59c-3fa5959453df"/>
-    <ds:schemaRef ds:uri="http://purl.org/dc/dcmitype/"/>
-    <ds:schemaRef ds:uri="http://purl.org/dc/elements/1.1/"/>
-    <ds:schemaRef ds:uri="http://purl.org/dc/terms/"/>
-    <ds:schemaRef ds:uri="http://schemas.microsoft.com/office/2006/documentManagement/types"/>
-    <ds:schemaRef ds:uri="http://schemas.microsoft.com/office/2006/metadata/properties"/>
-    <ds:schemaRef ds:uri="http://schemas.microsoft.com/office/infopath/2007/PartnerControls"/>
-    <ds:schemaRef ds:uri="http://schemas.openxmlformats.org/package/2006/metadata/core-properties"/>
-    <ds:schemaRef ds:uri="http://www.w3.org/XML/1998/namespace"/>
+    <ds:schemaRef ds:uri="http://schemas.microsoft.com/sharepoint/v3/contenttype/forms"/>
   </ds:schemaRefs>
 </ds:datastoreItem>
 </file>